--- a/images/Analysis/multiphase-pipe-flow/figures.pptx
+++ b/images/Analysis/multiphase-pipe-flow/figures.pptx
@@ -3702,7 +3702,7 @@
           <a:p>
             <a:fld id="{CB20CB70-0AD5-4FB1-BEA8-D36B0E353B3C}" type="datetimeFigureOut">
               <a:rPr lang="en-AU" smtClean="0"/>
-              <a:t>24/02/2025</a:t>
+              <a:t>25/02/2025</a:t>
             </a:fld>
             <a:endParaRPr lang="en-AU"/>
           </a:p>
@@ -3902,7 +3902,7 @@
           <a:p>
             <a:fld id="{CB20CB70-0AD5-4FB1-BEA8-D36B0E353B3C}" type="datetimeFigureOut">
               <a:rPr lang="en-AU" smtClean="0"/>
-              <a:t>24/02/2025</a:t>
+              <a:t>25/02/2025</a:t>
             </a:fld>
             <a:endParaRPr lang="en-AU"/>
           </a:p>
@@ -4112,7 +4112,7 @@
           <a:p>
             <a:fld id="{CB20CB70-0AD5-4FB1-BEA8-D36B0E353B3C}" type="datetimeFigureOut">
               <a:rPr lang="en-AU" smtClean="0"/>
-              <a:t>24/02/2025</a:t>
+              <a:t>25/02/2025</a:t>
             </a:fld>
             <a:endParaRPr lang="en-AU"/>
           </a:p>
@@ -4312,7 +4312,7 @@
           <a:p>
             <a:fld id="{CB20CB70-0AD5-4FB1-BEA8-D36B0E353B3C}" type="datetimeFigureOut">
               <a:rPr lang="en-AU" smtClean="0"/>
-              <a:t>24/02/2025</a:t>
+              <a:t>25/02/2025</a:t>
             </a:fld>
             <a:endParaRPr lang="en-AU"/>
           </a:p>
@@ -4588,7 +4588,7 @@
           <a:p>
             <a:fld id="{CB20CB70-0AD5-4FB1-BEA8-D36B0E353B3C}" type="datetimeFigureOut">
               <a:rPr lang="en-AU" smtClean="0"/>
-              <a:t>24/02/2025</a:t>
+              <a:t>25/02/2025</a:t>
             </a:fld>
             <a:endParaRPr lang="en-AU"/>
           </a:p>
@@ -4856,7 +4856,7 @@
           <a:p>
             <a:fld id="{CB20CB70-0AD5-4FB1-BEA8-D36B0E353B3C}" type="datetimeFigureOut">
               <a:rPr lang="en-AU" smtClean="0"/>
-              <a:t>24/02/2025</a:t>
+              <a:t>25/02/2025</a:t>
             </a:fld>
             <a:endParaRPr lang="en-AU"/>
           </a:p>
@@ -5271,7 +5271,7 @@
           <a:p>
             <a:fld id="{CB20CB70-0AD5-4FB1-BEA8-D36B0E353B3C}" type="datetimeFigureOut">
               <a:rPr lang="en-AU" smtClean="0"/>
-              <a:t>24/02/2025</a:t>
+              <a:t>25/02/2025</a:t>
             </a:fld>
             <a:endParaRPr lang="en-AU"/>
           </a:p>
@@ -5413,7 +5413,7 @@
           <a:p>
             <a:fld id="{CB20CB70-0AD5-4FB1-BEA8-D36B0E353B3C}" type="datetimeFigureOut">
               <a:rPr lang="en-AU" smtClean="0"/>
-              <a:t>24/02/2025</a:t>
+              <a:t>25/02/2025</a:t>
             </a:fld>
             <a:endParaRPr lang="en-AU"/>
           </a:p>
@@ -5526,7 +5526,7 @@
           <a:p>
             <a:fld id="{CB20CB70-0AD5-4FB1-BEA8-D36B0E353B3C}" type="datetimeFigureOut">
               <a:rPr lang="en-AU" smtClean="0"/>
-              <a:t>24/02/2025</a:t>
+              <a:t>25/02/2025</a:t>
             </a:fld>
             <a:endParaRPr lang="en-AU"/>
           </a:p>
@@ -5839,7 +5839,7 @@
           <a:p>
             <a:fld id="{CB20CB70-0AD5-4FB1-BEA8-D36B0E353B3C}" type="datetimeFigureOut">
               <a:rPr lang="en-AU" smtClean="0"/>
-              <a:t>24/02/2025</a:t>
+              <a:t>25/02/2025</a:t>
             </a:fld>
             <a:endParaRPr lang="en-AU"/>
           </a:p>
@@ -6128,7 +6128,7 @@
           <a:p>
             <a:fld id="{CB20CB70-0AD5-4FB1-BEA8-D36B0E353B3C}" type="datetimeFigureOut">
               <a:rPr lang="en-AU" smtClean="0"/>
-              <a:t>24/02/2025</a:t>
+              <a:t>25/02/2025</a:t>
             </a:fld>
             <a:endParaRPr lang="en-AU"/>
           </a:p>
@@ -6371,7 +6371,7 @@
           <a:p>
             <a:fld id="{CB20CB70-0AD5-4FB1-BEA8-D36B0E353B3C}" type="datetimeFigureOut">
               <a:rPr lang="en-AU" smtClean="0"/>
-              <a:t>24/02/2025</a:t>
+              <a:t>25/02/2025</a:t>
             </a:fld>
             <a:endParaRPr lang="en-AU"/>
           </a:p>
@@ -10087,7 +10087,7 @@
         <p:spPr>
           <a:xfrm>
             <a:off x="7892484" y="518901"/>
-            <a:ext cx="653441" cy="5454449"/>
+            <a:ext cx="767162" cy="5454449"/>
           </a:xfrm>
           <a:custGeom>
             <a:avLst/>
@@ -10204,7 +10204,7 @@
         </p:nvCxnSpPr>
         <p:spPr>
           <a:xfrm>
-            <a:off x="8545926" y="5973350"/>
+            <a:off x="8457833" y="5973350"/>
             <a:ext cx="201834" cy="0"/>
           </a:xfrm>
           <a:prstGeom prst="line">
@@ -10247,7 +10247,7 @@
         </p:nvCxnSpPr>
         <p:spPr>
           <a:xfrm>
-            <a:off x="8747760" y="5973350"/>
+            <a:off x="8457833" y="5973350"/>
             <a:ext cx="103909" cy="417263"/>
           </a:xfrm>
           <a:prstGeom prst="line">
@@ -10568,111 +10568,92 @@
           </a:p>
         </p:txBody>
       </p:sp>
-      <p:grpSp>
-        <p:nvGrpSpPr>
-          <p:cNvPr id="229" name="Group 228">
+      <p:cxnSp>
+        <p:nvCxnSpPr>
+          <p:cNvPr id="227" name="Straight Connector 226">
             <a:extLst>
               <a:ext uri="{FF2B5EF4-FFF2-40B4-BE49-F238E27FC236}">
-                <a16:creationId xmlns:a16="http://schemas.microsoft.com/office/drawing/2014/main" id="{A65746DD-78DD-C02A-5A3A-1D1BFDE60078}"/>
+                <a16:creationId xmlns:a16="http://schemas.microsoft.com/office/drawing/2014/main" id="{76BAC194-A2D2-BC9A-20E9-D5FB22890D51}"/>
               </a:ext>
             </a:extLst>
           </p:cNvPr>
-          <p:cNvGrpSpPr/>
+          <p:cNvCxnSpPr>
+            <a:cxnSpLocks/>
+          </p:cNvCxnSpPr>
           <p:nvPr/>
-        </p:nvGrpSpPr>
-        <p:grpSpPr>
-          <a:xfrm>
-            <a:off x="8869680" y="5576315"/>
-            <a:ext cx="292598" cy="719514"/>
-            <a:chOff x="8869680" y="4789013"/>
-            <a:chExt cx="292598" cy="1587070"/>
+        </p:nvCxnSpPr>
+        <p:spPr>
+          <a:xfrm flipV="1">
+            <a:off x="8581598" y="6051446"/>
+            <a:ext cx="0" cy="186794"/>
           </a:xfrm>
-        </p:grpSpPr>
-        <p:cxnSp>
-          <p:nvCxnSpPr>
-            <p:cNvPr id="227" name="Straight Connector 226">
-              <a:extLst>
-                <a:ext uri="{FF2B5EF4-FFF2-40B4-BE49-F238E27FC236}">
-                  <a16:creationId xmlns:a16="http://schemas.microsoft.com/office/drawing/2014/main" id="{76BAC194-A2D2-BC9A-20E9-D5FB22890D51}"/>
-                </a:ext>
-              </a:extLst>
-            </p:cNvPr>
-            <p:cNvCxnSpPr>
-              <a:cxnSpLocks/>
-            </p:cNvCxnSpPr>
-            <p:nvPr/>
-          </p:nvCxnSpPr>
-          <p:spPr>
-            <a:xfrm flipV="1">
-              <a:off x="8869680" y="4791144"/>
-              <a:ext cx="0" cy="1232820"/>
-            </a:xfrm>
-            <a:prstGeom prst="line">
-              <a:avLst/>
-            </a:prstGeom>
-            <a:ln>
-              <a:solidFill>
-                <a:srgbClr val="0000FF"/>
-              </a:solidFill>
-            </a:ln>
-          </p:spPr>
-          <p:style>
-            <a:lnRef idx="2">
-              <a:schemeClr val="accent1"/>
-            </a:lnRef>
-            <a:fillRef idx="0">
-              <a:schemeClr val="accent1"/>
-            </a:fillRef>
-            <a:effectRef idx="1">
-              <a:schemeClr val="accent1"/>
-            </a:effectRef>
-            <a:fontRef idx="minor">
-              <a:schemeClr val="tx1"/>
-            </a:fontRef>
-          </p:style>
-        </p:cxnSp>
-        <p:cxnSp>
-          <p:nvCxnSpPr>
-            <p:cNvPr id="228" name="Straight Connector 227">
-              <a:extLst>
-                <a:ext uri="{FF2B5EF4-FFF2-40B4-BE49-F238E27FC236}">
-                  <a16:creationId xmlns:a16="http://schemas.microsoft.com/office/drawing/2014/main" id="{114C6933-1E44-2996-190D-39FF5997E695}"/>
-                </a:ext>
-              </a:extLst>
-            </p:cNvPr>
-            <p:cNvCxnSpPr/>
-            <p:nvPr/>
-          </p:nvCxnSpPr>
-          <p:spPr>
-            <a:xfrm flipV="1">
-              <a:off x="9162278" y="4789013"/>
-              <a:ext cx="0" cy="1587070"/>
-            </a:xfrm>
-            <a:prstGeom prst="line">
-              <a:avLst/>
-            </a:prstGeom>
-            <a:ln>
-              <a:solidFill>
-                <a:srgbClr val="0000FF"/>
-              </a:solidFill>
-            </a:ln>
-          </p:spPr>
-          <p:style>
-            <a:lnRef idx="2">
-              <a:schemeClr val="accent1"/>
-            </a:lnRef>
-            <a:fillRef idx="0">
-              <a:schemeClr val="accent1"/>
-            </a:fillRef>
-            <a:effectRef idx="1">
-              <a:schemeClr val="accent1"/>
-            </a:effectRef>
-            <a:fontRef idx="minor">
-              <a:schemeClr val="tx1"/>
-            </a:fontRef>
-          </p:style>
-        </p:cxnSp>
-      </p:grpSp>
+          <a:prstGeom prst="line">
+            <a:avLst/>
+          </a:prstGeom>
+          <a:ln>
+            <a:solidFill>
+              <a:srgbClr val="0000FF"/>
+            </a:solidFill>
+          </a:ln>
+        </p:spPr>
+        <p:style>
+          <a:lnRef idx="2">
+            <a:schemeClr val="accent1"/>
+          </a:lnRef>
+          <a:fillRef idx="0">
+            <a:schemeClr val="accent1"/>
+          </a:fillRef>
+          <a:effectRef idx="1">
+            <a:schemeClr val="accent1"/>
+          </a:effectRef>
+          <a:fontRef idx="minor">
+            <a:schemeClr val="tx1"/>
+          </a:fontRef>
+        </p:style>
+      </p:cxnSp>
+      <p:cxnSp>
+        <p:nvCxnSpPr>
+          <p:cNvPr id="228" name="Straight Connector 227">
+            <a:extLst>
+              <a:ext uri="{FF2B5EF4-FFF2-40B4-BE49-F238E27FC236}">
+                <a16:creationId xmlns:a16="http://schemas.microsoft.com/office/drawing/2014/main" id="{114C6933-1E44-2996-190D-39FF5997E695}"/>
+              </a:ext>
+            </a:extLst>
+          </p:cNvPr>
+          <p:cNvCxnSpPr>
+            <a:cxnSpLocks/>
+          </p:cNvCxnSpPr>
+          <p:nvPr/>
+        </p:nvCxnSpPr>
+        <p:spPr>
+          <a:xfrm flipV="1">
+            <a:off x="9156630" y="6051059"/>
+            <a:ext cx="0" cy="354821"/>
+          </a:xfrm>
+          <a:prstGeom prst="line">
+            <a:avLst/>
+          </a:prstGeom>
+          <a:ln>
+            <a:solidFill>
+              <a:srgbClr val="0000FF"/>
+            </a:solidFill>
+          </a:ln>
+        </p:spPr>
+        <p:style>
+          <a:lnRef idx="2">
+            <a:schemeClr val="accent1"/>
+          </a:lnRef>
+          <a:fillRef idx="0">
+            <a:schemeClr val="accent1"/>
+          </a:fillRef>
+          <a:effectRef idx="1">
+            <a:schemeClr val="accent1"/>
+          </a:effectRef>
+          <a:fontRef idx="minor">
+            <a:schemeClr val="tx1"/>
+          </a:fontRef>
+        </p:style>
+      </p:cxnSp>
       <p:cxnSp>
         <p:nvCxnSpPr>
           <p:cNvPr id="231" name="Straight Arrow Connector 230">
@@ -10687,8 +10668,8 @@
         </p:nvCxnSpPr>
         <p:spPr>
           <a:xfrm>
-            <a:off x="8869680" y="5671201"/>
-            <a:ext cx="292598" cy="0"/>
+            <a:off x="8581597" y="6127041"/>
+            <a:ext cx="580681" cy="0"/>
           </a:xfrm>
           <a:prstGeom prst="straightConnector1">
             <a:avLst/>
@@ -10729,8 +10710,8 @@
           <p:nvPr/>
         </p:nvSpPr>
         <p:spPr>
-          <a:xfrm>
-            <a:off x="8537940" y="5208453"/>
+          <a:xfrm rot="16200000">
+            <a:off x="8286324" y="5335839"/>
             <a:ext cx="1248675" cy="369332"/>
           </a:xfrm>
           <a:prstGeom prst="rect">
@@ -10952,7 +10933,7 @@
         </p:nvSpPr>
         <p:spPr>
           <a:xfrm>
-            <a:off x="8766362" y="6297898"/>
+            <a:off x="8477688" y="6297898"/>
             <a:ext cx="185705" cy="185705"/>
           </a:xfrm>
           <a:prstGeom prst="diamond">
@@ -11207,7 +11188,7 @@
         </p:nvSpPr>
         <p:spPr>
           <a:xfrm>
-            <a:off x="8066459" y="6084263"/>
+            <a:off x="7777785" y="6205948"/>
             <a:ext cx="742511" cy="369332"/>
           </a:xfrm>
           <a:prstGeom prst="rect">
@@ -11246,8 +11227,8 @@
         </p:nvSpPr>
         <p:spPr>
           <a:xfrm>
-            <a:off x="8170368" y="6331310"/>
-            <a:ext cx="897682" cy="369332"/>
+            <a:off x="9248413" y="6353911"/>
+            <a:ext cx="521746" cy="369332"/>
           </a:xfrm>
           <a:prstGeom prst="rect">
             <a:avLst/>
@@ -11261,7 +11242,7 @@
           <a:lstStyle/>
           <a:p>
             <a:r>
-              <a:rPr lang="en-AU" dirty="0" err="1">
+              <a:rPr lang="en-AU" dirty="0">
                 <a:solidFill>
                   <a:srgbClr val="0000FF"/>
                 </a:solidFill>
@@ -11269,12 +11250,12 @@
               <a:t>P</a:t>
             </a:r>
             <a:r>
-              <a:rPr lang="en-AU" baseline="-25000" dirty="0" err="1">
+              <a:rPr lang="en-AU" baseline="-25000" dirty="0">
                 <a:solidFill>
                   <a:srgbClr val="0000FF"/>
                 </a:solidFill>
               </a:rPr>
-              <a:t>reservoir</a:t>
+              <a:t>res</a:t>
             </a:r>
             <a:endParaRPr lang="en-AU" dirty="0">
               <a:solidFill>
@@ -11298,7 +11279,7 @@
         </p:nvSpPr>
         <p:spPr>
           <a:xfrm>
-            <a:off x="10573075" y="6357000"/>
+            <a:off x="11495738" y="6355781"/>
             <a:ext cx="742511" cy="369332"/>
           </a:xfrm>
           <a:prstGeom prst="rect">

--- a/images/Analysis/multiphase-pipe-flow/figures.pptx
+++ b/images/Analysis/multiphase-pipe-flow/figures.pptx
@@ -11,6 +11,7 @@
     <p:sldId id="259" r:id="rId5"/>
     <p:sldId id="260" r:id="rId6"/>
     <p:sldId id="261" r:id="rId7"/>
+    <p:sldId id="262" r:id="rId8"/>
   </p:sldIdLst>
   <p:sldSz cx="12192000" cy="6858000"/>
   <p:notesSz cx="6858000" cy="9144000"/>
@@ -42399,6 +42400,5345 @@
 </p:sld>
 </file>
 
+<file path=ppt/slides/slide7.xml><?xml version="1.0" encoding="utf-8"?>
+<p:sld xmlns:a="http://schemas.openxmlformats.org/drawingml/2006/main" xmlns:r="http://schemas.openxmlformats.org/officeDocument/2006/relationships" xmlns:p="http://schemas.openxmlformats.org/presentationml/2006/main">
+  <p:cSld>
+    <p:spTree>
+      <p:nvGrpSpPr>
+        <p:cNvPr id="1" name=""/>
+        <p:cNvGrpSpPr/>
+        <p:nvPr/>
+      </p:nvGrpSpPr>
+      <p:grpSpPr>
+        <a:xfrm>
+          <a:off x="0" y="0"/>
+          <a:ext cx="0" cy="0"/>
+          <a:chOff x="0" y="0"/>
+          <a:chExt cx="0" cy="0"/>
+        </a:xfrm>
+      </p:grpSpPr>
+      <p:sp>
+        <p:nvSpPr>
+          <p:cNvPr id="288" name="Rectangle 287">
+            <a:extLst>
+              <a:ext uri="{FF2B5EF4-FFF2-40B4-BE49-F238E27FC236}">
+                <a16:creationId xmlns:a16="http://schemas.microsoft.com/office/drawing/2014/main" id="{191BA92B-EF81-3292-C7CA-6765EAC5738B}"/>
+              </a:ext>
+            </a:extLst>
+          </p:cNvPr>
+          <p:cNvSpPr/>
+          <p:nvPr/>
+        </p:nvSpPr>
+        <p:spPr>
+          <a:xfrm>
+            <a:off x="6841989" y="100208"/>
+            <a:ext cx="2428273" cy="5549376"/>
+          </a:xfrm>
+          <a:prstGeom prst="rect">
+            <a:avLst/>
+          </a:prstGeom>
+          <a:solidFill>
+            <a:srgbClr val="FFFFEF"/>
+          </a:solidFill>
+          <a:ln/>
+        </p:spPr>
+        <p:style>
+          <a:lnRef idx="0">
+            <a:schemeClr val="accent6"/>
+          </a:lnRef>
+          <a:fillRef idx="3">
+            <a:schemeClr val="accent6"/>
+          </a:fillRef>
+          <a:effectRef idx="3">
+            <a:schemeClr val="accent6"/>
+          </a:effectRef>
+          <a:fontRef idx="minor">
+            <a:schemeClr val="lt1"/>
+          </a:fontRef>
+        </p:style>
+        <p:txBody>
+          <a:bodyPr rtlCol="0" anchor="ctr"/>
+          <a:lstStyle/>
+          <a:p>
+            <a:pPr algn="ctr"/>
+            <a:endParaRPr lang="en-AU"/>
+          </a:p>
+        </p:txBody>
+      </p:sp>
+      <p:sp>
+        <p:nvSpPr>
+          <p:cNvPr id="99" name="Rectangle: Rounded Corners 98">
+            <a:extLst>
+              <a:ext uri="{FF2B5EF4-FFF2-40B4-BE49-F238E27FC236}">
+                <a16:creationId xmlns:a16="http://schemas.microsoft.com/office/drawing/2014/main" id="{7D168FC6-C169-696D-94A1-22949276ABFC}"/>
+              </a:ext>
+            </a:extLst>
+          </p:cNvPr>
+          <p:cNvSpPr/>
+          <p:nvPr/>
+        </p:nvSpPr>
+        <p:spPr>
+          <a:xfrm>
+            <a:off x="6917403" y="1824710"/>
+            <a:ext cx="658948" cy="1260454"/>
+          </a:xfrm>
+          <a:prstGeom prst="roundRect">
+            <a:avLst>
+              <a:gd name="adj" fmla="val 14957"/>
+            </a:avLst>
+          </a:prstGeom>
+          <a:solidFill>
+            <a:schemeClr val="bg1"/>
+          </a:solidFill>
+          <a:ln>
+            <a:solidFill>
+              <a:srgbClr val="800080"/>
+            </a:solidFill>
+            <a:prstDash val="dash"/>
+          </a:ln>
+        </p:spPr>
+        <p:style>
+          <a:lnRef idx="2">
+            <a:schemeClr val="accent1">
+              <a:shade val="15000"/>
+            </a:schemeClr>
+          </a:lnRef>
+          <a:fillRef idx="1">
+            <a:schemeClr val="accent1"/>
+          </a:fillRef>
+          <a:effectRef idx="0">
+            <a:schemeClr val="accent1"/>
+          </a:effectRef>
+          <a:fontRef idx="minor">
+            <a:schemeClr val="lt1"/>
+          </a:fontRef>
+        </p:style>
+        <p:txBody>
+          <a:bodyPr rtlCol="0" anchor="ctr"/>
+          <a:lstStyle/>
+          <a:p>
+            <a:pPr algn="ctr"/>
+            <a:endParaRPr lang="en-AU" sz="1600"/>
+          </a:p>
+        </p:txBody>
+      </p:sp>
+      <p:sp>
+        <p:nvSpPr>
+          <p:cNvPr id="101" name="Rectangle: Rounded Corners 100">
+            <a:extLst>
+              <a:ext uri="{FF2B5EF4-FFF2-40B4-BE49-F238E27FC236}">
+                <a16:creationId xmlns:a16="http://schemas.microsoft.com/office/drawing/2014/main" id="{7A4AAC42-8E07-2B59-04F8-C71B8EC18BCA}"/>
+              </a:ext>
+            </a:extLst>
+          </p:cNvPr>
+          <p:cNvSpPr/>
+          <p:nvPr/>
+        </p:nvSpPr>
+        <p:spPr>
+          <a:xfrm>
+            <a:off x="7724333" y="3249936"/>
+            <a:ext cx="658948" cy="586017"/>
+          </a:xfrm>
+          <a:prstGeom prst="roundRect">
+            <a:avLst>
+              <a:gd name="adj" fmla="val 14957"/>
+            </a:avLst>
+          </a:prstGeom>
+          <a:solidFill>
+            <a:schemeClr val="bg1"/>
+          </a:solidFill>
+          <a:ln>
+            <a:solidFill>
+              <a:srgbClr val="FF33CC"/>
+            </a:solidFill>
+            <a:prstDash val="dash"/>
+          </a:ln>
+        </p:spPr>
+        <p:style>
+          <a:lnRef idx="2">
+            <a:schemeClr val="accent1">
+              <a:shade val="15000"/>
+            </a:schemeClr>
+          </a:lnRef>
+          <a:fillRef idx="1">
+            <a:schemeClr val="accent1"/>
+          </a:fillRef>
+          <a:effectRef idx="0">
+            <a:schemeClr val="accent1"/>
+          </a:effectRef>
+          <a:fontRef idx="minor">
+            <a:schemeClr val="lt1"/>
+          </a:fontRef>
+        </p:style>
+        <p:txBody>
+          <a:bodyPr rtlCol="0" anchor="ctr"/>
+          <a:lstStyle/>
+          <a:p>
+            <a:pPr algn="ctr"/>
+            <a:endParaRPr lang="en-AU" sz="1600"/>
+          </a:p>
+        </p:txBody>
+      </p:sp>
+      <p:sp>
+        <p:nvSpPr>
+          <p:cNvPr id="133" name="Rectangle: Rounded Corners 132">
+            <a:extLst>
+              <a:ext uri="{FF2B5EF4-FFF2-40B4-BE49-F238E27FC236}">
+                <a16:creationId xmlns:a16="http://schemas.microsoft.com/office/drawing/2014/main" id="{70C5585A-7814-1600-2A5A-5C5BCBF2F6E1}"/>
+              </a:ext>
+            </a:extLst>
+          </p:cNvPr>
+          <p:cNvSpPr/>
+          <p:nvPr/>
+        </p:nvSpPr>
+        <p:spPr>
+          <a:xfrm>
+            <a:off x="8515545" y="3935496"/>
+            <a:ext cx="658948" cy="372427"/>
+          </a:xfrm>
+          <a:prstGeom prst="roundRect">
+            <a:avLst>
+              <a:gd name="adj" fmla="val 14957"/>
+            </a:avLst>
+          </a:prstGeom>
+          <a:solidFill>
+            <a:schemeClr val="bg1"/>
+          </a:solidFill>
+          <a:ln>
+            <a:solidFill>
+              <a:srgbClr val="9999FF"/>
+            </a:solidFill>
+            <a:prstDash val="dash"/>
+          </a:ln>
+        </p:spPr>
+        <p:style>
+          <a:lnRef idx="2">
+            <a:schemeClr val="accent1">
+              <a:shade val="15000"/>
+            </a:schemeClr>
+          </a:lnRef>
+          <a:fillRef idx="1">
+            <a:schemeClr val="accent1"/>
+          </a:fillRef>
+          <a:effectRef idx="0">
+            <a:schemeClr val="accent1"/>
+          </a:effectRef>
+          <a:fontRef idx="minor">
+            <a:schemeClr val="lt1"/>
+          </a:fontRef>
+        </p:style>
+        <p:txBody>
+          <a:bodyPr rtlCol="0" anchor="ctr"/>
+          <a:lstStyle/>
+          <a:p>
+            <a:pPr algn="ctr"/>
+            <a:endParaRPr lang="en-AU" sz="1600"/>
+          </a:p>
+        </p:txBody>
+      </p:sp>
+      <p:sp>
+        <p:nvSpPr>
+          <p:cNvPr id="301" name="Rectangle 300">
+            <a:extLst>
+              <a:ext uri="{FF2B5EF4-FFF2-40B4-BE49-F238E27FC236}">
+                <a16:creationId xmlns:a16="http://schemas.microsoft.com/office/drawing/2014/main" id="{F842F44A-725B-1DF4-E29A-A39A77DCB260}"/>
+              </a:ext>
+            </a:extLst>
+          </p:cNvPr>
+          <p:cNvSpPr/>
+          <p:nvPr/>
+        </p:nvSpPr>
+        <p:spPr>
+          <a:xfrm>
+            <a:off x="2916364" y="100208"/>
+            <a:ext cx="3712239" cy="5549376"/>
+          </a:xfrm>
+          <a:prstGeom prst="rect">
+            <a:avLst/>
+          </a:prstGeom>
+          <a:solidFill>
+            <a:srgbClr val="FFF6E5"/>
+          </a:solidFill>
+          <a:ln/>
+        </p:spPr>
+        <p:style>
+          <a:lnRef idx="0">
+            <a:schemeClr val="accent6"/>
+          </a:lnRef>
+          <a:fillRef idx="3">
+            <a:schemeClr val="accent6"/>
+          </a:fillRef>
+          <a:effectRef idx="3">
+            <a:schemeClr val="accent6"/>
+          </a:effectRef>
+          <a:fontRef idx="minor">
+            <a:schemeClr val="lt1"/>
+          </a:fontRef>
+        </p:style>
+        <p:txBody>
+          <a:bodyPr rtlCol="0" anchor="ctr"/>
+          <a:lstStyle/>
+          <a:p>
+            <a:pPr algn="ctr"/>
+            <a:endParaRPr lang="en-AU"/>
+          </a:p>
+        </p:txBody>
+      </p:sp>
+      <p:sp>
+        <p:nvSpPr>
+          <p:cNvPr id="94" name="Rectangle: Rounded Corners 93">
+            <a:extLst>
+              <a:ext uri="{FF2B5EF4-FFF2-40B4-BE49-F238E27FC236}">
+                <a16:creationId xmlns:a16="http://schemas.microsoft.com/office/drawing/2014/main" id="{7F25EDD6-078B-2D96-F9A5-5DB0068E6A19}"/>
+              </a:ext>
+            </a:extLst>
+          </p:cNvPr>
+          <p:cNvSpPr/>
+          <p:nvPr/>
+        </p:nvSpPr>
+        <p:spPr>
+          <a:xfrm>
+            <a:off x="5740037" y="2087693"/>
+            <a:ext cx="658948" cy="1316691"/>
+          </a:xfrm>
+          <a:prstGeom prst="roundRect">
+            <a:avLst>
+              <a:gd name="adj" fmla="val 14957"/>
+            </a:avLst>
+          </a:prstGeom>
+          <a:solidFill>
+            <a:schemeClr val="bg1"/>
+          </a:solidFill>
+          <a:ln>
+            <a:solidFill>
+              <a:srgbClr val="FF33CC"/>
+            </a:solidFill>
+            <a:prstDash val="dash"/>
+          </a:ln>
+        </p:spPr>
+        <p:style>
+          <a:lnRef idx="2">
+            <a:schemeClr val="accent1">
+              <a:shade val="15000"/>
+            </a:schemeClr>
+          </a:lnRef>
+          <a:fillRef idx="1">
+            <a:schemeClr val="accent1"/>
+          </a:fillRef>
+          <a:effectRef idx="0">
+            <a:schemeClr val="accent1"/>
+          </a:effectRef>
+          <a:fontRef idx="minor">
+            <a:schemeClr val="lt1"/>
+          </a:fontRef>
+        </p:style>
+        <p:txBody>
+          <a:bodyPr rtlCol="0" anchor="ctr"/>
+          <a:lstStyle/>
+          <a:p>
+            <a:pPr algn="ctr"/>
+            <a:endParaRPr lang="en-AU" sz="1600"/>
+          </a:p>
+        </p:txBody>
+      </p:sp>
+      <p:sp>
+        <p:nvSpPr>
+          <p:cNvPr id="95" name="Rectangle: Rounded Corners 94">
+            <a:extLst>
+              <a:ext uri="{FF2B5EF4-FFF2-40B4-BE49-F238E27FC236}">
+                <a16:creationId xmlns:a16="http://schemas.microsoft.com/office/drawing/2014/main" id="{D04B2380-ADCB-0B9F-A217-96C4CF62E82D}"/>
+              </a:ext>
+            </a:extLst>
+          </p:cNvPr>
+          <p:cNvSpPr/>
+          <p:nvPr/>
+        </p:nvSpPr>
+        <p:spPr>
+          <a:xfrm>
+            <a:off x="5736924" y="4256933"/>
+            <a:ext cx="658948" cy="1303051"/>
+          </a:xfrm>
+          <a:prstGeom prst="roundRect">
+            <a:avLst>
+              <a:gd name="adj" fmla="val 14957"/>
+            </a:avLst>
+          </a:prstGeom>
+          <a:solidFill>
+            <a:schemeClr val="bg1"/>
+          </a:solidFill>
+          <a:ln>
+            <a:solidFill>
+              <a:srgbClr val="FF33CC"/>
+            </a:solidFill>
+            <a:prstDash val="dash"/>
+          </a:ln>
+        </p:spPr>
+        <p:style>
+          <a:lnRef idx="2">
+            <a:schemeClr val="accent1">
+              <a:shade val="15000"/>
+            </a:schemeClr>
+          </a:lnRef>
+          <a:fillRef idx="1">
+            <a:schemeClr val="accent1"/>
+          </a:fillRef>
+          <a:effectRef idx="0">
+            <a:schemeClr val="accent1"/>
+          </a:effectRef>
+          <a:fontRef idx="minor">
+            <a:schemeClr val="lt1"/>
+          </a:fontRef>
+        </p:style>
+        <p:txBody>
+          <a:bodyPr rtlCol="0" anchor="ctr"/>
+          <a:lstStyle/>
+          <a:p>
+            <a:pPr algn="ctr"/>
+            <a:endParaRPr lang="en-AU" sz="1600"/>
+          </a:p>
+        </p:txBody>
+      </p:sp>
+      <p:sp>
+        <p:nvSpPr>
+          <p:cNvPr id="162" name="Rectangle 161">
+            <a:extLst>
+              <a:ext uri="{FF2B5EF4-FFF2-40B4-BE49-F238E27FC236}">
+                <a16:creationId xmlns:a16="http://schemas.microsoft.com/office/drawing/2014/main" id="{A5E450F0-B5AA-2C06-53A1-197C882B503A}"/>
+              </a:ext>
+            </a:extLst>
+          </p:cNvPr>
+          <p:cNvSpPr/>
+          <p:nvPr/>
+        </p:nvSpPr>
+        <p:spPr>
+          <a:xfrm>
+            <a:off x="6963272" y="4929403"/>
+            <a:ext cx="2211221" cy="294801"/>
+          </a:xfrm>
+          <a:prstGeom prst="rect">
+            <a:avLst/>
+          </a:prstGeom>
+          <a:solidFill>
+            <a:schemeClr val="bg1">
+              <a:lumMod val="95000"/>
+            </a:schemeClr>
+          </a:solidFill>
+          <a:ln>
+            <a:noFill/>
+          </a:ln>
+        </p:spPr>
+        <p:style>
+          <a:lnRef idx="2">
+            <a:schemeClr val="accent1">
+              <a:shade val="15000"/>
+            </a:schemeClr>
+          </a:lnRef>
+          <a:fillRef idx="1">
+            <a:schemeClr val="accent1"/>
+          </a:fillRef>
+          <a:effectRef idx="0">
+            <a:schemeClr val="accent1"/>
+          </a:effectRef>
+          <a:fontRef idx="minor">
+            <a:schemeClr val="lt1"/>
+          </a:fontRef>
+        </p:style>
+        <p:txBody>
+          <a:bodyPr rtlCol="0" anchor="ctr"/>
+          <a:lstStyle/>
+          <a:p>
+            <a:pPr algn="ctr"/>
+            <a:endParaRPr lang="en-AU" sz="1600" dirty="0"/>
+          </a:p>
+        </p:txBody>
+      </p:sp>
+      <p:sp>
+        <p:nvSpPr>
+          <p:cNvPr id="8" name="Rectangle: Rounded Corners 7">
+            <a:extLst>
+              <a:ext uri="{FF2B5EF4-FFF2-40B4-BE49-F238E27FC236}">
+                <a16:creationId xmlns:a16="http://schemas.microsoft.com/office/drawing/2014/main" id="{6438AB26-8EAE-4E50-8DAD-064F2C01DDE7}"/>
+              </a:ext>
+            </a:extLst>
+          </p:cNvPr>
+          <p:cNvSpPr/>
+          <p:nvPr/>
+        </p:nvSpPr>
+        <p:spPr>
+          <a:xfrm>
+            <a:off x="1638051" y="3181500"/>
+            <a:ext cx="962789" cy="655232"/>
+          </a:xfrm>
+          <a:prstGeom prst="roundRect">
+            <a:avLst/>
+          </a:prstGeom>
+          <a:solidFill>
+            <a:schemeClr val="tx1">
+              <a:lumMod val="50000"/>
+              <a:lumOff val="50000"/>
+            </a:schemeClr>
+          </a:solidFill>
+          <a:ln w="57150">
+            <a:solidFill>
+              <a:srgbClr val="00B050"/>
+            </a:solidFill>
+          </a:ln>
+        </p:spPr>
+        <p:style>
+          <a:lnRef idx="2">
+            <a:schemeClr val="accent1">
+              <a:shade val="15000"/>
+            </a:schemeClr>
+          </a:lnRef>
+          <a:fillRef idx="1">
+            <a:schemeClr val="accent1"/>
+          </a:fillRef>
+          <a:effectRef idx="0">
+            <a:schemeClr val="accent1"/>
+          </a:effectRef>
+          <a:fontRef idx="minor">
+            <a:schemeClr val="lt1"/>
+          </a:fontRef>
+        </p:style>
+        <p:txBody>
+          <a:bodyPr rtlCol="0" anchor="ctr"/>
+          <a:lstStyle/>
+          <a:p>
+            <a:pPr algn="ctr"/>
+            <a:r>
+              <a:rPr lang="en-AU" sz="1200" b="1" dirty="0"/>
+              <a:t>Reservoir</a:t>
+            </a:r>
+            <a:br>
+              <a:rPr lang="en-AU" sz="1200" b="1" dirty="0"/>
+            </a:br>
+            <a:r>
+              <a:rPr lang="en-AU" sz="1200" b="1" dirty="0"/>
+              <a:t>Oil</a:t>
+            </a:r>
+          </a:p>
+        </p:txBody>
+      </p:sp>
+      <p:sp>
+        <p:nvSpPr>
+          <p:cNvPr id="9" name="Rectangle: Rounded Corners 8">
+            <a:extLst>
+              <a:ext uri="{FF2B5EF4-FFF2-40B4-BE49-F238E27FC236}">
+                <a16:creationId xmlns:a16="http://schemas.microsoft.com/office/drawing/2014/main" id="{AB09B973-4FC6-AEFC-F16D-162655A2967F}"/>
+              </a:ext>
+            </a:extLst>
+          </p:cNvPr>
+          <p:cNvSpPr/>
+          <p:nvPr/>
+        </p:nvSpPr>
+        <p:spPr>
+          <a:xfrm>
+            <a:off x="1638050" y="4909834"/>
+            <a:ext cx="962789" cy="655232"/>
+          </a:xfrm>
+          <a:prstGeom prst="roundRect">
+            <a:avLst/>
+          </a:prstGeom>
+          <a:solidFill>
+            <a:schemeClr val="tx1">
+              <a:lumMod val="50000"/>
+              <a:lumOff val="50000"/>
+            </a:schemeClr>
+          </a:solidFill>
+          <a:ln w="57150">
+            <a:solidFill>
+              <a:srgbClr val="0000FF"/>
+            </a:solidFill>
+          </a:ln>
+        </p:spPr>
+        <p:style>
+          <a:lnRef idx="2">
+            <a:schemeClr val="accent1">
+              <a:shade val="15000"/>
+            </a:schemeClr>
+          </a:lnRef>
+          <a:fillRef idx="1">
+            <a:schemeClr val="accent1"/>
+          </a:fillRef>
+          <a:effectRef idx="0">
+            <a:schemeClr val="accent1"/>
+          </a:effectRef>
+          <a:fontRef idx="minor">
+            <a:schemeClr val="lt1"/>
+          </a:fontRef>
+        </p:style>
+        <p:txBody>
+          <a:bodyPr rtlCol="0" anchor="ctr"/>
+          <a:lstStyle/>
+          <a:p>
+            <a:pPr algn="ctr"/>
+            <a:r>
+              <a:rPr lang="en-AU" sz="1200" b="1" dirty="0"/>
+              <a:t>Water</a:t>
+            </a:r>
+          </a:p>
+        </p:txBody>
+      </p:sp>
+      <p:grpSp>
+        <p:nvGrpSpPr>
+          <p:cNvPr id="38" name="Group 37">
+            <a:extLst>
+              <a:ext uri="{FF2B5EF4-FFF2-40B4-BE49-F238E27FC236}">
+                <a16:creationId xmlns:a16="http://schemas.microsoft.com/office/drawing/2014/main" id="{4BA3B581-F5F3-4872-3978-8AB41DBEDA11}"/>
+              </a:ext>
+            </a:extLst>
+          </p:cNvPr>
+          <p:cNvGrpSpPr/>
+          <p:nvPr/>
+        </p:nvGrpSpPr>
+        <p:grpSpPr>
+          <a:xfrm>
+            <a:off x="4116519" y="970806"/>
+            <a:ext cx="962789" cy="1444503"/>
+            <a:chOff x="4409768" y="1646364"/>
+            <a:chExt cx="1061884" cy="1593178"/>
+          </a:xfrm>
+        </p:grpSpPr>
+        <p:sp>
+          <p:nvSpPr>
+            <p:cNvPr id="11" name="Rectangle: Rounded Corners 10">
+              <a:extLst>
+                <a:ext uri="{FF2B5EF4-FFF2-40B4-BE49-F238E27FC236}">
+                  <a16:creationId xmlns:a16="http://schemas.microsoft.com/office/drawing/2014/main" id="{FFF007CD-2972-CE77-FF8C-C2FC6DE182B6}"/>
+                </a:ext>
+              </a:extLst>
+            </p:cNvPr>
+            <p:cNvSpPr/>
+            <p:nvPr/>
+          </p:nvSpPr>
+          <p:spPr>
+            <a:xfrm>
+              <a:off x="4409768" y="2516871"/>
+              <a:ext cx="1061884" cy="722671"/>
+            </a:xfrm>
+            <a:prstGeom prst="roundRect">
+              <a:avLst/>
+            </a:prstGeom>
+            <a:solidFill>
+              <a:srgbClr val="C00000"/>
+            </a:solidFill>
+          </p:spPr>
+          <p:style>
+            <a:lnRef idx="2">
+              <a:schemeClr val="accent1">
+                <a:shade val="15000"/>
+              </a:schemeClr>
+            </a:lnRef>
+            <a:fillRef idx="1">
+              <a:schemeClr val="accent1"/>
+            </a:fillRef>
+            <a:effectRef idx="0">
+              <a:schemeClr val="accent1"/>
+            </a:effectRef>
+            <a:fontRef idx="minor">
+              <a:schemeClr val="lt1"/>
+            </a:fontRef>
+          </p:style>
+          <p:txBody>
+            <a:bodyPr rtlCol="0" anchor="ctr"/>
+            <a:lstStyle/>
+            <a:p>
+              <a:pPr algn="ctr"/>
+              <a:r>
+                <a:rPr lang="en-AU" sz="1200" dirty="0"/>
+                <a:t>Gas</a:t>
+              </a:r>
+            </a:p>
+          </p:txBody>
+        </p:sp>
+        <p:sp>
+          <p:nvSpPr>
+            <p:cNvPr id="12" name="Rectangle: Rounded Corners 11">
+              <a:extLst>
+                <a:ext uri="{FF2B5EF4-FFF2-40B4-BE49-F238E27FC236}">
+                  <a16:creationId xmlns:a16="http://schemas.microsoft.com/office/drawing/2014/main" id="{B46C548A-B5D1-0AFC-F828-16C5D1B56657}"/>
+                </a:ext>
+              </a:extLst>
+            </p:cNvPr>
+            <p:cNvSpPr/>
+            <p:nvPr/>
+          </p:nvSpPr>
+          <p:spPr>
+            <a:xfrm>
+              <a:off x="4409768" y="1646364"/>
+              <a:ext cx="1061884" cy="722671"/>
+            </a:xfrm>
+            <a:prstGeom prst="roundRect">
+              <a:avLst/>
+            </a:prstGeom>
+            <a:solidFill>
+              <a:srgbClr val="FF0000"/>
+            </a:solidFill>
+          </p:spPr>
+          <p:style>
+            <a:lnRef idx="2">
+              <a:schemeClr val="accent1">
+                <a:shade val="15000"/>
+              </a:schemeClr>
+            </a:lnRef>
+            <a:fillRef idx="1">
+              <a:schemeClr val="accent1"/>
+            </a:fillRef>
+            <a:effectRef idx="0">
+              <a:schemeClr val="accent1"/>
+            </a:effectRef>
+            <a:fontRef idx="minor">
+              <a:schemeClr val="lt1"/>
+            </a:fontRef>
+          </p:style>
+          <p:txBody>
+            <a:bodyPr rtlCol="0" anchor="ctr"/>
+            <a:lstStyle/>
+            <a:p>
+              <a:pPr algn="ctr"/>
+              <a:r>
+                <a:rPr lang="en-AU" sz="1200" dirty="0"/>
+                <a:t>Solution Gas</a:t>
+              </a:r>
+            </a:p>
+          </p:txBody>
+        </p:sp>
+      </p:grpSp>
+      <p:sp>
+        <p:nvSpPr>
+          <p:cNvPr id="13" name="Rectangle: Rounded Corners 12">
+            <a:extLst>
+              <a:ext uri="{FF2B5EF4-FFF2-40B4-BE49-F238E27FC236}">
+                <a16:creationId xmlns:a16="http://schemas.microsoft.com/office/drawing/2014/main" id="{0E6FD267-A758-C2A7-3E4B-0A92847F0643}"/>
+              </a:ext>
+            </a:extLst>
+          </p:cNvPr>
+          <p:cNvSpPr/>
+          <p:nvPr/>
+        </p:nvSpPr>
+        <p:spPr>
+          <a:xfrm>
+            <a:off x="4116519" y="4121149"/>
+            <a:ext cx="962789" cy="655232"/>
+          </a:xfrm>
+          <a:prstGeom prst="roundRect">
+            <a:avLst/>
+          </a:prstGeom>
+          <a:solidFill>
+            <a:srgbClr val="00B050"/>
+          </a:solidFill>
+        </p:spPr>
+        <p:style>
+          <a:lnRef idx="2">
+            <a:schemeClr val="accent1">
+              <a:shade val="15000"/>
+            </a:schemeClr>
+          </a:lnRef>
+          <a:fillRef idx="1">
+            <a:schemeClr val="accent1"/>
+          </a:fillRef>
+          <a:effectRef idx="0">
+            <a:schemeClr val="accent1"/>
+          </a:effectRef>
+          <a:fontRef idx="minor">
+            <a:schemeClr val="lt1"/>
+          </a:fontRef>
+        </p:style>
+        <p:txBody>
+          <a:bodyPr rtlCol="0" anchor="ctr"/>
+          <a:lstStyle/>
+          <a:p>
+            <a:pPr algn="ctr"/>
+            <a:r>
+              <a:rPr lang="en-AU" sz="1200" dirty="0"/>
+              <a:t>Oil</a:t>
+            </a:r>
+          </a:p>
+        </p:txBody>
+      </p:sp>
+      <p:sp>
+        <p:nvSpPr>
+          <p:cNvPr id="14" name="Rectangle: Rounded Corners 13">
+            <a:extLst>
+              <a:ext uri="{FF2B5EF4-FFF2-40B4-BE49-F238E27FC236}">
+                <a16:creationId xmlns:a16="http://schemas.microsoft.com/office/drawing/2014/main" id="{8F82953B-E08E-AFFB-5175-8503FD2E6E09}"/>
+              </a:ext>
+            </a:extLst>
+          </p:cNvPr>
+          <p:cNvSpPr/>
+          <p:nvPr/>
+        </p:nvSpPr>
+        <p:spPr>
+          <a:xfrm>
+            <a:off x="4116519" y="4909834"/>
+            <a:ext cx="962789" cy="655232"/>
+          </a:xfrm>
+          <a:prstGeom prst="roundRect">
+            <a:avLst/>
+          </a:prstGeom>
+          <a:solidFill>
+            <a:srgbClr val="0000FF"/>
+          </a:solidFill>
+        </p:spPr>
+        <p:style>
+          <a:lnRef idx="2">
+            <a:schemeClr val="accent1">
+              <a:shade val="15000"/>
+            </a:schemeClr>
+          </a:lnRef>
+          <a:fillRef idx="1">
+            <a:schemeClr val="accent1"/>
+          </a:fillRef>
+          <a:effectRef idx="0">
+            <a:schemeClr val="accent1"/>
+          </a:effectRef>
+          <a:fontRef idx="minor">
+            <a:schemeClr val="lt1"/>
+          </a:fontRef>
+        </p:style>
+        <p:txBody>
+          <a:bodyPr rtlCol="0" anchor="ctr"/>
+          <a:lstStyle/>
+          <a:p>
+            <a:pPr algn="ctr"/>
+            <a:r>
+              <a:rPr lang="en-AU" sz="1200" dirty="0"/>
+              <a:t>Water</a:t>
+            </a:r>
+          </a:p>
+        </p:txBody>
+      </p:sp>
+      <p:sp>
+        <p:nvSpPr>
+          <p:cNvPr id="15" name="Arrow: Right 14">
+            <a:extLst>
+              <a:ext uri="{FF2B5EF4-FFF2-40B4-BE49-F238E27FC236}">
+                <a16:creationId xmlns:a16="http://schemas.microsoft.com/office/drawing/2014/main" id="{C15CAD47-AD2A-C245-A0A7-A4D4C86C2274}"/>
+              </a:ext>
+            </a:extLst>
+          </p:cNvPr>
+          <p:cNvSpPr/>
+          <p:nvPr/>
+        </p:nvSpPr>
+        <p:spPr>
+          <a:xfrm>
+            <a:off x="104720" y="1591235"/>
+            <a:ext cx="1292634" cy="692162"/>
+          </a:xfrm>
+          <a:prstGeom prst="rightArrow">
+            <a:avLst/>
+          </a:prstGeom>
+        </p:spPr>
+        <p:style>
+          <a:lnRef idx="2">
+            <a:schemeClr val="dk1"/>
+          </a:lnRef>
+          <a:fillRef idx="1">
+            <a:schemeClr val="lt1"/>
+          </a:fillRef>
+          <a:effectRef idx="0">
+            <a:schemeClr val="dk1"/>
+          </a:effectRef>
+          <a:fontRef idx="minor">
+            <a:schemeClr val="dk1"/>
+          </a:fontRef>
+        </p:style>
+        <p:txBody>
+          <a:bodyPr rtlCol="0" anchor="ctr"/>
+          <a:lstStyle/>
+          <a:p>
+            <a:pPr algn="ctr"/>
+            <a:r>
+              <a:rPr lang="en-AU" sz="1100" dirty="0"/>
+              <a:t>Inlet Surface Rate (</a:t>
+            </a:r>
+            <a:r>
+              <a:rPr lang="en-AU" sz="1100" dirty="0" err="1"/>
+              <a:t>mmscfd</a:t>
+            </a:r>
+            <a:r>
+              <a:rPr lang="en-AU" sz="1100" dirty="0"/>
+              <a:t>)</a:t>
+            </a:r>
+          </a:p>
+        </p:txBody>
+      </p:sp>
+      <p:sp>
+        <p:nvSpPr>
+          <p:cNvPr id="16" name="Arrow: Right 15">
+            <a:extLst>
+              <a:ext uri="{FF2B5EF4-FFF2-40B4-BE49-F238E27FC236}">
+                <a16:creationId xmlns:a16="http://schemas.microsoft.com/office/drawing/2014/main" id="{53CFA4CA-DD9A-FEFA-E07F-D0790A068A21}"/>
+              </a:ext>
+            </a:extLst>
+          </p:cNvPr>
+          <p:cNvSpPr/>
+          <p:nvPr/>
+        </p:nvSpPr>
+        <p:spPr>
+          <a:xfrm>
+            <a:off x="104720" y="3163035"/>
+            <a:ext cx="1292634" cy="692162"/>
+          </a:xfrm>
+          <a:prstGeom prst="rightArrow">
+            <a:avLst/>
+          </a:prstGeom>
+        </p:spPr>
+        <p:style>
+          <a:lnRef idx="2">
+            <a:schemeClr val="dk1"/>
+          </a:lnRef>
+          <a:fillRef idx="1">
+            <a:schemeClr val="lt1"/>
+          </a:fillRef>
+          <a:effectRef idx="0">
+            <a:schemeClr val="dk1"/>
+          </a:effectRef>
+          <a:fontRef idx="minor">
+            <a:schemeClr val="dk1"/>
+          </a:fontRef>
+        </p:style>
+        <p:txBody>
+          <a:bodyPr rtlCol="0" anchor="ctr"/>
+          <a:lstStyle/>
+          <a:p>
+            <a:pPr algn="ctr"/>
+            <a:r>
+              <a:rPr lang="en-AU" sz="1100" dirty="0"/>
+              <a:t>Inlet Surface Rate (</a:t>
+            </a:r>
+            <a:r>
+              <a:rPr lang="en-AU" sz="1100" dirty="0" err="1"/>
+              <a:t>stb</a:t>
+            </a:r>
+            <a:r>
+              <a:rPr lang="en-AU" sz="1100" dirty="0"/>
+              <a:t>/d)</a:t>
+            </a:r>
+          </a:p>
+        </p:txBody>
+      </p:sp>
+      <p:sp>
+        <p:nvSpPr>
+          <p:cNvPr id="17" name="Arrow: Right 16">
+            <a:extLst>
+              <a:ext uri="{FF2B5EF4-FFF2-40B4-BE49-F238E27FC236}">
+                <a16:creationId xmlns:a16="http://schemas.microsoft.com/office/drawing/2014/main" id="{FC434025-6F13-0719-1A79-915B542AEF8D}"/>
+              </a:ext>
+            </a:extLst>
+          </p:cNvPr>
+          <p:cNvSpPr/>
+          <p:nvPr/>
+        </p:nvSpPr>
+        <p:spPr>
+          <a:xfrm>
+            <a:off x="104720" y="4890780"/>
+            <a:ext cx="1292634" cy="692162"/>
+          </a:xfrm>
+          <a:prstGeom prst="rightArrow">
+            <a:avLst/>
+          </a:prstGeom>
+        </p:spPr>
+        <p:style>
+          <a:lnRef idx="2">
+            <a:schemeClr val="dk1"/>
+          </a:lnRef>
+          <a:fillRef idx="1">
+            <a:schemeClr val="lt1"/>
+          </a:fillRef>
+          <a:effectRef idx="0">
+            <a:schemeClr val="dk1"/>
+          </a:effectRef>
+          <a:fontRef idx="minor">
+            <a:schemeClr val="dk1"/>
+          </a:fontRef>
+        </p:style>
+        <p:txBody>
+          <a:bodyPr rtlCol="0" anchor="ctr"/>
+          <a:lstStyle/>
+          <a:p>
+            <a:pPr algn="ctr"/>
+            <a:r>
+              <a:rPr lang="en-AU" sz="1100" dirty="0"/>
+              <a:t>Inlet Surface Rate (</a:t>
+            </a:r>
+            <a:r>
+              <a:rPr lang="en-AU" sz="1100" dirty="0" err="1"/>
+              <a:t>stbw</a:t>
+            </a:r>
+            <a:r>
+              <a:rPr lang="en-AU" sz="1100" dirty="0"/>
+              <a:t>/d)</a:t>
+            </a:r>
+          </a:p>
+        </p:txBody>
+      </p:sp>
+      <p:sp>
+        <p:nvSpPr>
+          <p:cNvPr id="18" name="Right Brace 17">
+            <a:extLst>
+              <a:ext uri="{FF2B5EF4-FFF2-40B4-BE49-F238E27FC236}">
+                <a16:creationId xmlns:a16="http://schemas.microsoft.com/office/drawing/2014/main" id="{35C09CA1-529A-00A5-CD38-E47BE48B3F01}"/>
+              </a:ext>
+            </a:extLst>
+          </p:cNvPr>
+          <p:cNvSpPr/>
+          <p:nvPr/>
+        </p:nvSpPr>
+        <p:spPr>
+          <a:xfrm>
+            <a:off x="5210409" y="964062"/>
+            <a:ext cx="267732" cy="1457991"/>
+          </a:xfrm>
+          <a:prstGeom prst="rightBrace">
+            <a:avLst/>
+          </a:prstGeom>
+          <a:ln>
+            <a:solidFill>
+              <a:schemeClr val="tx1"/>
+            </a:solidFill>
+          </a:ln>
+        </p:spPr>
+        <p:style>
+          <a:lnRef idx="2">
+            <a:schemeClr val="accent1"/>
+          </a:lnRef>
+          <a:fillRef idx="0">
+            <a:schemeClr val="accent1"/>
+          </a:fillRef>
+          <a:effectRef idx="1">
+            <a:schemeClr val="accent1"/>
+          </a:effectRef>
+          <a:fontRef idx="minor">
+            <a:schemeClr val="tx1"/>
+          </a:fontRef>
+        </p:style>
+        <p:txBody>
+          <a:bodyPr rtlCol="0" anchor="ctr"/>
+          <a:lstStyle/>
+          <a:p>
+            <a:pPr algn="ctr"/>
+            <a:endParaRPr lang="en-AU" sz="1600"/>
+          </a:p>
+        </p:txBody>
+      </p:sp>
+      <p:sp>
+        <p:nvSpPr>
+          <p:cNvPr id="19" name="Right Brace 18">
+            <a:extLst>
+              <a:ext uri="{FF2B5EF4-FFF2-40B4-BE49-F238E27FC236}">
+                <a16:creationId xmlns:a16="http://schemas.microsoft.com/office/drawing/2014/main" id="{1AB444D9-F406-E84F-720C-92579EC68DDB}"/>
+              </a:ext>
+            </a:extLst>
+          </p:cNvPr>
+          <p:cNvSpPr/>
+          <p:nvPr/>
+        </p:nvSpPr>
+        <p:spPr>
+          <a:xfrm>
+            <a:off x="5227009" y="2542607"/>
+            <a:ext cx="247903" cy="3016796"/>
+          </a:xfrm>
+          <a:prstGeom prst="rightBrace">
+            <a:avLst/>
+          </a:prstGeom>
+          <a:ln>
+            <a:solidFill>
+              <a:schemeClr val="tx1"/>
+            </a:solidFill>
+          </a:ln>
+        </p:spPr>
+        <p:style>
+          <a:lnRef idx="2">
+            <a:schemeClr val="accent1"/>
+          </a:lnRef>
+          <a:fillRef idx="0">
+            <a:schemeClr val="accent1"/>
+          </a:fillRef>
+          <a:effectRef idx="1">
+            <a:schemeClr val="accent1"/>
+          </a:effectRef>
+          <a:fontRef idx="minor">
+            <a:schemeClr val="tx1"/>
+          </a:fontRef>
+        </p:style>
+        <p:txBody>
+          <a:bodyPr rtlCol="0" anchor="ctr"/>
+          <a:lstStyle/>
+          <a:p>
+            <a:pPr algn="ctr"/>
+            <a:endParaRPr lang="en-AU" sz="1600"/>
+          </a:p>
+        </p:txBody>
+      </p:sp>
+      <p:sp>
+        <p:nvSpPr>
+          <p:cNvPr id="20" name="Rectangle: Rounded Corners 19">
+            <a:extLst>
+              <a:ext uri="{FF2B5EF4-FFF2-40B4-BE49-F238E27FC236}">
+                <a16:creationId xmlns:a16="http://schemas.microsoft.com/office/drawing/2014/main" id="{8190E621-E274-33DD-AF41-F19985C5C7E2}"/>
+              </a:ext>
+            </a:extLst>
+          </p:cNvPr>
+          <p:cNvSpPr/>
+          <p:nvPr/>
+        </p:nvSpPr>
+        <p:spPr>
+          <a:xfrm>
+            <a:off x="5568057" y="3531557"/>
+            <a:ext cx="962789" cy="655232"/>
+          </a:xfrm>
+          <a:prstGeom prst="roundRect">
+            <a:avLst/>
+          </a:prstGeom>
+          <a:solidFill>
+            <a:srgbClr val="336600"/>
+          </a:solidFill>
+        </p:spPr>
+        <p:style>
+          <a:lnRef idx="2">
+            <a:schemeClr val="accent1">
+              <a:shade val="15000"/>
+            </a:schemeClr>
+          </a:lnRef>
+          <a:fillRef idx="1">
+            <a:schemeClr val="accent1"/>
+          </a:fillRef>
+          <a:effectRef idx="0">
+            <a:schemeClr val="accent1"/>
+          </a:effectRef>
+          <a:fontRef idx="minor">
+            <a:schemeClr val="lt1"/>
+          </a:fontRef>
+        </p:style>
+        <p:txBody>
+          <a:bodyPr rtlCol="0" anchor="ctr"/>
+          <a:lstStyle/>
+          <a:p>
+            <a:pPr algn="ctr"/>
+            <a:r>
+              <a:rPr lang="en-AU" sz="1200" dirty="0"/>
+              <a:t>Flowing</a:t>
+            </a:r>
+            <a:br>
+              <a:rPr lang="en-AU" sz="1200" dirty="0"/>
+            </a:br>
+            <a:r>
+              <a:rPr lang="en-AU" sz="1200" dirty="0"/>
+              <a:t>Liquid</a:t>
+            </a:r>
+          </a:p>
+        </p:txBody>
+      </p:sp>
+      <p:sp>
+        <p:nvSpPr>
+          <p:cNvPr id="21" name="Rectangle: Rounded Corners 20">
+            <a:extLst>
+              <a:ext uri="{FF2B5EF4-FFF2-40B4-BE49-F238E27FC236}">
+                <a16:creationId xmlns:a16="http://schemas.microsoft.com/office/drawing/2014/main" id="{12B29129-BD2A-8E8B-8D6A-65BA80A31FC2}"/>
+              </a:ext>
+            </a:extLst>
+          </p:cNvPr>
+          <p:cNvSpPr/>
+          <p:nvPr/>
+        </p:nvSpPr>
+        <p:spPr>
+          <a:xfrm>
+            <a:off x="5568057" y="1365443"/>
+            <a:ext cx="962789" cy="655232"/>
+          </a:xfrm>
+          <a:prstGeom prst="roundRect">
+            <a:avLst/>
+          </a:prstGeom>
+          <a:solidFill>
+            <a:srgbClr val="FF9999"/>
+          </a:solidFill>
+        </p:spPr>
+        <p:style>
+          <a:lnRef idx="2">
+            <a:schemeClr val="accent1">
+              <a:shade val="15000"/>
+            </a:schemeClr>
+          </a:lnRef>
+          <a:fillRef idx="1">
+            <a:schemeClr val="accent1"/>
+          </a:fillRef>
+          <a:effectRef idx="0">
+            <a:schemeClr val="accent1"/>
+          </a:effectRef>
+          <a:fontRef idx="minor">
+            <a:schemeClr val="lt1"/>
+          </a:fontRef>
+        </p:style>
+        <p:txBody>
+          <a:bodyPr rtlCol="0" anchor="ctr"/>
+          <a:lstStyle/>
+          <a:p>
+            <a:pPr algn="ctr"/>
+            <a:r>
+              <a:rPr lang="en-AU" sz="1200" dirty="0">
+                <a:solidFill>
+                  <a:schemeClr val="tx1"/>
+                </a:solidFill>
+              </a:rPr>
+              <a:t>Flowing</a:t>
+            </a:r>
+            <a:br>
+              <a:rPr lang="en-AU" sz="1200" dirty="0">
+                <a:solidFill>
+                  <a:schemeClr val="tx1"/>
+                </a:solidFill>
+              </a:rPr>
+            </a:br>
+            <a:r>
+              <a:rPr lang="en-AU" sz="1200" dirty="0">
+                <a:solidFill>
+                  <a:schemeClr val="tx1"/>
+                </a:solidFill>
+              </a:rPr>
+              <a:t>Vapour</a:t>
+            </a:r>
+          </a:p>
+        </p:txBody>
+      </p:sp>
+      <p:sp>
+        <p:nvSpPr>
+          <p:cNvPr id="28" name="TextBox 27">
+            <a:extLst>
+              <a:ext uri="{FF2B5EF4-FFF2-40B4-BE49-F238E27FC236}">
+                <a16:creationId xmlns:a16="http://schemas.microsoft.com/office/drawing/2014/main" id="{E96487B2-C868-9D84-2A20-6779A8DDC7EA}"/>
+              </a:ext>
+            </a:extLst>
+          </p:cNvPr>
+          <p:cNvSpPr txBox="1"/>
+          <p:nvPr/>
+        </p:nvSpPr>
+        <p:spPr>
+          <a:xfrm>
+            <a:off x="6966952" y="4903199"/>
+            <a:ext cx="595035" cy="338554"/>
+          </a:xfrm>
+          <a:prstGeom prst="rect">
+            <a:avLst/>
+          </a:prstGeom>
+          <a:noFill/>
+        </p:spPr>
+        <p:txBody>
+          <a:bodyPr wrap="none" rtlCol="0">
+            <a:spAutoFit/>
+          </a:bodyPr>
+          <a:lstStyle/>
+          <a:p>
+            <a:r>
+              <a:rPr lang="en-AU" sz="1600" dirty="0"/>
+              <a:t>HPG</a:t>
+            </a:r>
+          </a:p>
+        </p:txBody>
+      </p:sp>
+      <p:sp>
+        <p:nvSpPr>
+          <p:cNvPr id="29" name="TextBox 28">
+            <a:extLst>
+              <a:ext uri="{FF2B5EF4-FFF2-40B4-BE49-F238E27FC236}">
+                <a16:creationId xmlns:a16="http://schemas.microsoft.com/office/drawing/2014/main" id="{D95EE2E4-6A4B-1FD0-E2DC-CC053C98E13B}"/>
+              </a:ext>
+            </a:extLst>
+          </p:cNvPr>
+          <p:cNvSpPr txBox="1"/>
+          <p:nvPr/>
+        </p:nvSpPr>
+        <p:spPr>
+          <a:xfrm>
+            <a:off x="7780420" y="4903199"/>
+            <a:ext cx="556563" cy="338554"/>
+          </a:xfrm>
+          <a:prstGeom prst="rect">
+            <a:avLst/>
+          </a:prstGeom>
+          <a:noFill/>
+        </p:spPr>
+        <p:txBody>
+          <a:bodyPr wrap="none" rtlCol="0">
+            <a:spAutoFit/>
+          </a:bodyPr>
+          <a:lstStyle/>
+          <a:p>
+            <a:r>
+              <a:rPr lang="en-AU" sz="1600" dirty="0"/>
+              <a:t>FPG</a:t>
+            </a:r>
+          </a:p>
+        </p:txBody>
+      </p:sp>
+      <p:sp>
+        <p:nvSpPr>
+          <p:cNvPr id="30" name="TextBox 29">
+            <a:extLst>
+              <a:ext uri="{FF2B5EF4-FFF2-40B4-BE49-F238E27FC236}">
+                <a16:creationId xmlns:a16="http://schemas.microsoft.com/office/drawing/2014/main" id="{C0CA4DCD-851E-1014-A53A-79205705E721}"/>
+              </a:ext>
+            </a:extLst>
+          </p:cNvPr>
+          <p:cNvSpPr txBox="1"/>
+          <p:nvPr/>
+        </p:nvSpPr>
+        <p:spPr>
+          <a:xfrm>
+            <a:off x="8556100" y="4903199"/>
+            <a:ext cx="566181" cy="338554"/>
+          </a:xfrm>
+          <a:prstGeom prst="rect">
+            <a:avLst/>
+          </a:prstGeom>
+          <a:noFill/>
+        </p:spPr>
+        <p:txBody>
+          <a:bodyPr wrap="none" rtlCol="0">
+            <a:spAutoFit/>
+          </a:bodyPr>
+          <a:lstStyle/>
+          <a:p>
+            <a:r>
+              <a:rPr lang="en-AU" sz="1600" dirty="0"/>
+              <a:t>KPG</a:t>
+            </a:r>
+          </a:p>
+        </p:txBody>
+      </p:sp>
+      <p:sp>
+        <p:nvSpPr>
+          <p:cNvPr id="32" name="Oval 31">
+            <a:extLst>
+              <a:ext uri="{FF2B5EF4-FFF2-40B4-BE49-F238E27FC236}">
+                <a16:creationId xmlns:a16="http://schemas.microsoft.com/office/drawing/2014/main" id="{F3D1BA27-2DBC-70E2-1B91-74E525E40BF8}"/>
+              </a:ext>
+            </a:extLst>
+          </p:cNvPr>
+          <p:cNvSpPr/>
+          <p:nvPr/>
+        </p:nvSpPr>
+        <p:spPr>
+          <a:xfrm>
+            <a:off x="7756314" y="5697145"/>
+            <a:ext cx="606257" cy="539232"/>
+          </a:xfrm>
+          <a:prstGeom prst="ellipse">
+            <a:avLst/>
+          </a:prstGeom>
+        </p:spPr>
+        <p:style>
+          <a:lnRef idx="2">
+            <a:schemeClr val="accent4">
+              <a:shade val="15000"/>
+            </a:schemeClr>
+          </a:lnRef>
+          <a:fillRef idx="1">
+            <a:schemeClr val="accent4"/>
+          </a:fillRef>
+          <a:effectRef idx="0">
+            <a:schemeClr val="accent4"/>
+          </a:effectRef>
+          <a:fontRef idx="minor">
+            <a:schemeClr val="lt1"/>
+          </a:fontRef>
+        </p:style>
+        <p:txBody>
+          <a:bodyPr lIns="0" tIns="0" rIns="0" bIns="0" rtlCol="0" anchor="ctr"/>
+          <a:lstStyle/>
+          <a:p>
+            <a:pPr algn="ctr"/>
+            <a:r>
+              <a:rPr lang="el-GR" sz="1400" b="1" dirty="0"/>
+              <a:t>Δ</a:t>
+            </a:r>
+            <a:r>
+              <a:rPr lang="en-AU" sz="1400" b="1" dirty="0"/>
+              <a:t>P</a:t>
+            </a:r>
+          </a:p>
+        </p:txBody>
+      </p:sp>
+      <p:sp>
+        <p:nvSpPr>
+          <p:cNvPr id="33" name="Oval 32">
+            <a:extLst>
+              <a:ext uri="{FF2B5EF4-FFF2-40B4-BE49-F238E27FC236}">
+                <a16:creationId xmlns:a16="http://schemas.microsoft.com/office/drawing/2014/main" id="{D9568352-1CE1-34DD-AB60-BC5B85D7EE06}"/>
+              </a:ext>
+            </a:extLst>
+          </p:cNvPr>
+          <p:cNvSpPr/>
+          <p:nvPr/>
+        </p:nvSpPr>
+        <p:spPr>
+          <a:xfrm>
+            <a:off x="10508508" y="6283937"/>
+            <a:ext cx="606257" cy="539232"/>
+          </a:xfrm>
+          <a:prstGeom prst="ellipse">
+            <a:avLst/>
+          </a:prstGeom>
+          <a:ln>
+            <a:solidFill>
+              <a:srgbClr val="993300"/>
+            </a:solidFill>
+          </a:ln>
+        </p:spPr>
+        <p:style>
+          <a:lnRef idx="2">
+            <a:schemeClr val="accent2">
+              <a:shade val="15000"/>
+            </a:schemeClr>
+          </a:lnRef>
+          <a:fillRef idx="1">
+            <a:schemeClr val="accent2"/>
+          </a:fillRef>
+          <a:effectRef idx="0">
+            <a:schemeClr val="accent2"/>
+          </a:effectRef>
+          <a:fontRef idx="minor">
+            <a:schemeClr val="lt1"/>
+          </a:fontRef>
+        </p:style>
+        <p:txBody>
+          <a:bodyPr lIns="0" tIns="0" rIns="0" bIns="0" rtlCol="0" anchor="ctr"/>
+          <a:lstStyle/>
+          <a:p>
+            <a:pPr algn="ctr"/>
+            <a:r>
+              <a:rPr lang="el-GR" sz="1400" b="1" dirty="0"/>
+              <a:t>Δ</a:t>
+            </a:r>
+            <a:r>
+              <a:rPr lang="en-AU" sz="1400" b="1" dirty="0"/>
+              <a:t>T</a:t>
+            </a:r>
+          </a:p>
+        </p:txBody>
+      </p:sp>
+      <p:grpSp>
+        <p:nvGrpSpPr>
+          <p:cNvPr id="39" name="Group 38">
+            <a:extLst>
+              <a:ext uri="{FF2B5EF4-FFF2-40B4-BE49-F238E27FC236}">
+                <a16:creationId xmlns:a16="http://schemas.microsoft.com/office/drawing/2014/main" id="{56DAD1BE-A940-87B6-C4EB-0666ACCC4794}"/>
+              </a:ext>
+            </a:extLst>
+          </p:cNvPr>
+          <p:cNvGrpSpPr/>
+          <p:nvPr/>
+        </p:nvGrpSpPr>
+        <p:grpSpPr>
+          <a:xfrm>
+            <a:off x="4116519" y="2542606"/>
+            <a:ext cx="962789" cy="1444503"/>
+            <a:chOff x="4409768" y="3387378"/>
+            <a:chExt cx="1061884" cy="1593178"/>
+          </a:xfrm>
+        </p:grpSpPr>
+        <p:sp>
+          <p:nvSpPr>
+            <p:cNvPr id="10" name="Rectangle: Rounded Corners 9">
+              <a:extLst>
+                <a:ext uri="{FF2B5EF4-FFF2-40B4-BE49-F238E27FC236}">
+                  <a16:creationId xmlns:a16="http://schemas.microsoft.com/office/drawing/2014/main" id="{9E430047-AABA-962A-C8B5-51DBB1C2AFFE}"/>
+                </a:ext>
+              </a:extLst>
+            </p:cNvPr>
+            <p:cNvSpPr/>
+            <p:nvPr/>
+          </p:nvSpPr>
+          <p:spPr>
+            <a:xfrm>
+              <a:off x="4409768" y="4257885"/>
+              <a:ext cx="1061884" cy="722671"/>
+            </a:xfrm>
+            <a:prstGeom prst="roundRect">
+              <a:avLst/>
+            </a:prstGeom>
+            <a:solidFill>
+              <a:srgbClr val="92D050"/>
+            </a:solidFill>
+          </p:spPr>
+          <p:style>
+            <a:lnRef idx="2">
+              <a:schemeClr val="accent1">
+                <a:shade val="15000"/>
+              </a:schemeClr>
+            </a:lnRef>
+            <a:fillRef idx="1">
+              <a:schemeClr val="accent1"/>
+            </a:fillRef>
+            <a:effectRef idx="0">
+              <a:schemeClr val="accent1"/>
+            </a:effectRef>
+            <a:fontRef idx="minor">
+              <a:schemeClr val="lt1"/>
+            </a:fontRef>
+          </p:style>
+          <p:txBody>
+            <a:bodyPr rtlCol="0" anchor="ctr"/>
+            <a:lstStyle/>
+            <a:p>
+              <a:pPr algn="ctr"/>
+              <a:r>
+                <a:rPr lang="en-AU" sz="1200" dirty="0"/>
+                <a:t>Vaporised Oil</a:t>
+              </a:r>
+            </a:p>
+          </p:txBody>
+        </p:sp>
+        <p:sp>
+          <p:nvSpPr>
+            <p:cNvPr id="37" name="Rectangle: Rounded Corners 36">
+              <a:extLst>
+                <a:ext uri="{FF2B5EF4-FFF2-40B4-BE49-F238E27FC236}">
+                  <a16:creationId xmlns:a16="http://schemas.microsoft.com/office/drawing/2014/main" id="{8626D781-DEB1-5D6E-47C6-EEFF994963F6}"/>
+                </a:ext>
+              </a:extLst>
+            </p:cNvPr>
+            <p:cNvSpPr/>
+            <p:nvPr/>
+          </p:nvSpPr>
+          <p:spPr>
+            <a:xfrm>
+              <a:off x="4409768" y="3387378"/>
+              <a:ext cx="1061884" cy="722671"/>
+            </a:xfrm>
+            <a:prstGeom prst="roundRect">
+              <a:avLst/>
+            </a:prstGeom>
+            <a:solidFill>
+              <a:srgbClr val="00B0F0"/>
+            </a:solidFill>
+          </p:spPr>
+          <p:style>
+            <a:lnRef idx="2">
+              <a:schemeClr val="accent1">
+                <a:shade val="15000"/>
+              </a:schemeClr>
+            </a:lnRef>
+            <a:fillRef idx="1">
+              <a:schemeClr val="accent1"/>
+            </a:fillRef>
+            <a:effectRef idx="0">
+              <a:schemeClr val="accent1"/>
+            </a:effectRef>
+            <a:fontRef idx="minor">
+              <a:schemeClr val="lt1"/>
+            </a:fontRef>
+          </p:style>
+          <p:txBody>
+            <a:bodyPr rtlCol="0" anchor="ctr"/>
+            <a:lstStyle/>
+            <a:p>
+              <a:pPr algn="ctr"/>
+              <a:r>
+                <a:rPr lang="en-AU" sz="1200" dirty="0"/>
+                <a:t>Water of </a:t>
+              </a:r>
+              <a:r>
+                <a:rPr lang="en-AU" sz="1200" dirty="0" err="1"/>
+                <a:t>Condens</a:t>
+              </a:r>
+              <a:r>
+                <a:rPr lang="en-AU" sz="1200" dirty="0"/>
+                <a:t>.</a:t>
+              </a:r>
+            </a:p>
+          </p:txBody>
+        </p:sp>
+      </p:grpSp>
+      <p:sp>
+        <p:nvSpPr>
+          <p:cNvPr id="40" name="TextBox 39">
+            <a:extLst>
+              <a:ext uri="{FF2B5EF4-FFF2-40B4-BE49-F238E27FC236}">
+                <a16:creationId xmlns:a16="http://schemas.microsoft.com/office/drawing/2014/main" id="{342210A9-5DF1-FC0E-DA39-1030524F8B83}"/>
+              </a:ext>
+            </a:extLst>
+          </p:cNvPr>
+          <p:cNvSpPr txBox="1"/>
+          <p:nvPr/>
+        </p:nvSpPr>
+        <p:spPr>
+          <a:xfrm>
+            <a:off x="1814177" y="739586"/>
+            <a:ext cx="615873" cy="830997"/>
+          </a:xfrm>
+          <a:prstGeom prst="rect">
+            <a:avLst/>
+          </a:prstGeom>
+          <a:noFill/>
+        </p:spPr>
+        <p:txBody>
+          <a:bodyPr wrap="none" rtlCol="0">
+            <a:spAutoFit/>
+          </a:bodyPr>
+          <a:lstStyle/>
+          <a:p>
+            <a:pPr algn="ctr"/>
+            <a:r>
+              <a:rPr lang="en-AU" sz="1600" dirty="0">
+                <a:latin typeface="Times New Roman" panose="02020603050405020304" pitchFamily="18" charset="0"/>
+                <a:cs typeface="Times New Roman" panose="02020603050405020304" pitchFamily="18" charset="0"/>
+              </a:rPr>
+              <a:t>API</a:t>
+            </a:r>
+            <a:br>
+              <a:rPr lang="en-AU" sz="1600" dirty="0">
+                <a:latin typeface="Times New Roman" panose="02020603050405020304" pitchFamily="18" charset="0"/>
+                <a:cs typeface="Times New Roman" panose="02020603050405020304" pitchFamily="18" charset="0"/>
+              </a:rPr>
+            </a:br>
+            <a:r>
+              <a:rPr lang="en-AU" sz="1600" dirty="0">
+                <a:latin typeface="Times New Roman" panose="02020603050405020304" pitchFamily="18" charset="0"/>
+                <a:cs typeface="Times New Roman" panose="02020603050405020304" pitchFamily="18" charset="0"/>
+              </a:rPr>
+              <a:t>S</a:t>
+            </a:r>
+            <a:r>
+              <a:rPr lang="en-AU" sz="1600" baseline="-25000" dirty="0">
+                <a:latin typeface="Times New Roman" panose="02020603050405020304" pitchFamily="18" charset="0"/>
+                <a:cs typeface="Times New Roman" panose="02020603050405020304" pitchFamily="18" charset="0"/>
+              </a:rPr>
+              <a:t>G</a:t>
+            </a:r>
+            <a:endParaRPr lang="en-AU" sz="1600" baseline="30000" dirty="0">
+              <a:latin typeface="Times New Roman" panose="02020603050405020304" pitchFamily="18" charset="0"/>
+              <a:cs typeface="Times New Roman" panose="02020603050405020304" pitchFamily="18" charset="0"/>
+            </a:endParaRPr>
+          </a:p>
+          <a:p>
+            <a:pPr algn="ctr"/>
+            <a:r>
+              <a:rPr lang="en-AU" sz="1600" dirty="0">
+                <a:latin typeface="Times New Roman" panose="02020603050405020304" pitchFamily="18" charset="0"/>
+                <a:cs typeface="Times New Roman" panose="02020603050405020304" pitchFamily="18" charset="0"/>
+              </a:rPr>
+              <a:t>GOR</a:t>
+            </a:r>
+          </a:p>
+        </p:txBody>
+      </p:sp>
+      <p:cxnSp>
+        <p:nvCxnSpPr>
+          <p:cNvPr id="42" name="Connector: Elbow 41">
+            <a:extLst>
+              <a:ext uri="{FF2B5EF4-FFF2-40B4-BE49-F238E27FC236}">
+                <a16:creationId xmlns:a16="http://schemas.microsoft.com/office/drawing/2014/main" id="{64306C2A-27FC-68A9-629C-8FABD569C20D}"/>
+              </a:ext>
+            </a:extLst>
+          </p:cNvPr>
+          <p:cNvCxnSpPr>
+            <a:stCxn id="7" idx="3"/>
+            <a:endCxn id="35" idx="1"/>
+          </p:cNvCxnSpPr>
+          <p:nvPr/>
+        </p:nvCxnSpPr>
+        <p:spPr>
+          <a:xfrm flipV="1">
+            <a:off x="2600840" y="1937316"/>
+            <a:ext cx="329109" cy="1"/>
+          </a:xfrm>
+          <a:prstGeom prst="bentConnector3">
+            <a:avLst/>
+          </a:prstGeom>
+          <a:ln w="28575">
+            <a:solidFill>
+              <a:srgbClr val="FF0000"/>
+            </a:solidFill>
+            <a:tailEnd type="triangle"/>
+          </a:ln>
+        </p:spPr>
+        <p:style>
+          <a:lnRef idx="2">
+            <a:schemeClr val="accent1"/>
+          </a:lnRef>
+          <a:fillRef idx="0">
+            <a:schemeClr val="accent1"/>
+          </a:fillRef>
+          <a:effectRef idx="1">
+            <a:schemeClr val="accent1"/>
+          </a:effectRef>
+          <a:fontRef idx="minor">
+            <a:schemeClr val="tx1"/>
+          </a:fontRef>
+        </p:style>
+      </p:cxnSp>
+      <p:cxnSp>
+        <p:nvCxnSpPr>
+          <p:cNvPr id="52" name="Connector: Elbow 51">
+            <a:extLst>
+              <a:ext uri="{FF2B5EF4-FFF2-40B4-BE49-F238E27FC236}">
+                <a16:creationId xmlns:a16="http://schemas.microsoft.com/office/drawing/2014/main" id="{37F8A0B0-C360-45B5-972F-0D8B361192D1}"/>
+              </a:ext>
+            </a:extLst>
+          </p:cNvPr>
+          <p:cNvCxnSpPr>
+            <a:stCxn id="8" idx="3"/>
+            <a:endCxn id="26" idx="1"/>
+          </p:cNvCxnSpPr>
+          <p:nvPr/>
+        </p:nvCxnSpPr>
+        <p:spPr>
+          <a:xfrm>
+            <a:off x="2600840" y="3509116"/>
+            <a:ext cx="329109" cy="1"/>
+          </a:xfrm>
+          <a:prstGeom prst="bentConnector3">
+            <a:avLst/>
+          </a:prstGeom>
+          <a:ln w="28575">
+            <a:solidFill>
+              <a:srgbClr val="00B050"/>
+            </a:solidFill>
+            <a:tailEnd type="triangle"/>
+          </a:ln>
+        </p:spPr>
+        <p:style>
+          <a:lnRef idx="2">
+            <a:schemeClr val="accent1"/>
+          </a:lnRef>
+          <a:fillRef idx="0">
+            <a:schemeClr val="accent1"/>
+          </a:fillRef>
+          <a:effectRef idx="1">
+            <a:schemeClr val="accent1"/>
+          </a:effectRef>
+          <a:fontRef idx="minor">
+            <a:schemeClr val="tx1"/>
+          </a:fontRef>
+        </p:style>
+      </p:cxnSp>
+      <p:cxnSp>
+        <p:nvCxnSpPr>
+          <p:cNvPr id="54" name="Connector: Elbow 53">
+            <a:extLst>
+              <a:ext uri="{FF2B5EF4-FFF2-40B4-BE49-F238E27FC236}">
+                <a16:creationId xmlns:a16="http://schemas.microsoft.com/office/drawing/2014/main" id="{0B320A0C-A380-A3FA-0432-975EF756672F}"/>
+              </a:ext>
+            </a:extLst>
+          </p:cNvPr>
+          <p:cNvCxnSpPr>
+            <a:stCxn id="7" idx="2"/>
+            <a:endCxn id="37" idx="1"/>
+          </p:cNvCxnSpPr>
+          <p:nvPr/>
+        </p:nvCxnSpPr>
+        <p:spPr>
+          <a:xfrm rot="16200000" flipH="1">
+            <a:off x="2815338" y="1569040"/>
+            <a:ext cx="605289" cy="1997073"/>
+          </a:xfrm>
+          <a:prstGeom prst="bentConnector2">
+            <a:avLst/>
+          </a:prstGeom>
+          <a:ln w="28575">
+            <a:solidFill>
+              <a:srgbClr val="00B0F0"/>
+            </a:solidFill>
+            <a:tailEnd type="triangle"/>
+          </a:ln>
+        </p:spPr>
+        <p:style>
+          <a:lnRef idx="2">
+            <a:schemeClr val="accent1"/>
+          </a:lnRef>
+          <a:fillRef idx="0">
+            <a:schemeClr val="accent1"/>
+          </a:fillRef>
+          <a:effectRef idx="1">
+            <a:schemeClr val="accent1"/>
+          </a:effectRef>
+          <a:fontRef idx="minor">
+            <a:schemeClr val="tx1"/>
+          </a:fontRef>
+        </p:style>
+      </p:cxnSp>
+      <p:cxnSp>
+        <p:nvCxnSpPr>
+          <p:cNvPr id="56" name="Connector: Elbow 55">
+            <a:extLst>
+              <a:ext uri="{FF2B5EF4-FFF2-40B4-BE49-F238E27FC236}">
+                <a16:creationId xmlns:a16="http://schemas.microsoft.com/office/drawing/2014/main" id="{2B74E359-61FB-B7D2-6008-88B3D31F6190}"/>
+              </a:ext>
+            </a:extLst>
+          </p:cNvPr>
+          <p:cNvCxnSpPr>
+            <a:cxnSpLocks/>
+            <a:stCxn id="26" idx="3"/>
+            <a:endCxn id="12" idx="1"/>
+          </p:cNvCxnSpPr>
+          <p:nvPr/>
+        </p:nvCxnSpPr>
+        <p:spPr>
+          <a:xfrm flipV="1">
+            <a:off x="3694208" y="1298422"/>
+            <a:ext cx="422311" cy="2210695"/>
+          </a:xfrm>
+          <a:prstGeom prst="bentConnector3">
+            <a:avLst>
+              <a:gd name="adj1" fmla="val 33687"/>
+            </a:avLst>
+          </a:prstGeom>
+          <a:ln w="28575">
+            <a:solidFill>
+              <a:srgbClr val="00B050"/>
+            </a:solidFill>
+            <a:tailEnd type="triangle"/>
+          </a:ln>
+        </p:spPr>
+        <p:style>
+          <a:lnRef idx="2">
+            <a:schemeClr val="accent1"/>
+          </a:lnRef>
+          <a:fillRef idx="0">
+            <a:schemeClr val="accent1"/>
+          </a:fillRef>
+          <a:effectRef idx="1">
+            <a:schemeClr val="accent1"/>
+          </a:effectRef>
+          <a:fontRef idx="minor">
+            <a:schemeClr val="tx1"/>
+          </a:fontRef>
+        </p:style>
+      </p:cxnSp>
+      <p:cxnSp>
+        <p:nvCxnSpPr>
+          <p:cNvPr id="67" name="Connector: Elbow 66">
+            <a:extLst>
+              <a:ext uri="{FF2B5EF4-FFF2-40B4-BE49-F238E27FC236}">
+                <a16:creationId xmlns:a16="http://schemas.microsoft.com/office/drawing/2014/main" id="{2864F8BF-74CF-0899-999D-212CB584AD4F}"/>
+              </a:ext>
+            </a:extLst>
+          </p:cNvPr>
+          <p:cNvCxnSpPr>
+            <a:cxnSpLocks/>
+            <a:stCxn id="26" idx="3"/>
+            <a:endCxn id="13" idx="1"/>
+          </p:cNvCxnSpPr>
+          <p:nvPr/>
+        </p:nvCxnSpPr>
+        <p:spPr>
+          <a:xfrm>
+            <a:off x="3694208" y="3509117"/>
+            <a:ext cx="422311" cy="939648"/>
+          </a:xfrm>
+          <a:prstGeom prst="bentConnector3">
+            <a:avLst>
+              <a:gd name="adj1" fmla="val 33687"/>
+            </a:avLst>
+          </a:prstGeom>
+          <a:ln w="28575">
+            <a:solidFill>
+              <a:srgbClr val="00B050"/>
+            </a:solidFill>
+            <a:tailEnd type="triangle"/>
+          </a:ln>
+        </p:spPr>
+        <p:style>
+          <a:lnRef idx="2">
+            <a:schemeClr val="accent1"/>
+          </a:lnRef>
+          <a:fillRef idx="0">
+            <a:schemeClr val="accent1"/>
+          </a:fillRef>
+          <a:effectRef idx="1">
+            <a:schemeClr val="accent1"/>
+          </a:effectRef>
+          <a:fontRef idx="minor">
+            <a:schemeClr val="tx1"/>
+          </a:fontRef>
+        </p:style>
+      </p:cxnSp>
+      <p:cxnSp>
+        <p:nvCxnSpPr>
+          <p:cNvPr id="72" name="Connector: Elbow 71">
+            <a:extLst>
+              <a:ext uri="{FF2B5EF4-FFF2-40B4-BE49-F238E27FC236}">
+                <a16:creationId xmlns:a16="http://schemas.microsoft.com/office/drawing/2014/main" id="{993B0B6D-789D-FF25-3564-29749FCAB36D}"/>
+              </a:ext>
+            </a:extLst>
+          </p:cNvPr>
+          <p:cNvCxnSpPr>
+            <a:cxnSpLocks/>
+            <a:stCxn id="35" idx="3"/>
+            <a:endCxn id="11" idx="1"/>
+          </p:cNvCxnSpPr>
+          <p:nvPr/>
+        </p:nvCxnSpPr>
+        <p:spPr>
+          <a:xfrm>
+            <a:off x="3694208" y="1937316"/>
+            <a:ext cx="422311" cy="150377"/>
+          </a:xfrm>
+          <a:prstGeom prst="bentConnector3">
+            <a:avLst>
+              <a:gd name="adj1" fmla="val 63509"/>
+            </a:avLst>
+          </a:prstGeom>
+          <a:ln w="28575">
+            <a:solidFill>
+              <a:srgbClr val="FF0000"/>
+            </a:solidFill>
+            <a:tailEnd type="triangle"/>
+          </a:ln>
+        </p:spPr>
+        <p:style>
+          <a:lnRef idx="2">
+            <a:schemeClr val="accent1"/>
+          </a:lnRef>
+          <a:fillRef idx="0">
+            <a:schemeClr val="accent1"/>
+          </a:fillRef>
+          <a:effectRef idx="1">
+            <a:schemeClr val="accent1"/>
+          </a:effectRef>
+          <a:fontRef idx="minor">
+            <a:schemeClr val="tx1"/>
+          </a:fontRef>
+        </p:style>
+      </p:cxnSp>
+      <p:cxnSp>
+        <p:nvCxnSpPr>
+          <p:cNvPr id="74" name="Connector: Elbow 73">
+            <a:extLst>
+              <a:ext uri="{FF2B5EF4-FFF2-40B4-BE49-F238E27FC236}">
+                <a16:creationId xmlns:a16="http://schemas.microsoft.com/office/drawing/2014/main" id="{E070321B-58B3-EE8F-5681-970D7A75A907}"/>
+              </a:ext>
+            </a:extLst>
+          </p:cNvPr>
+          <p:cNvCxnSpPr>
+            <a:cxnSpLocks/>
+            <a:endCxn id="10" idx="1"/>
+          </p:cNvCxnSpPr>
+          <p:nvPr/>
+        </p:nvCxnSpPr>
+        <p:spPr>
+          <a:xfrm>
+            <a:off x="3892738" y="1937316"/>
+            <a:ext cx="223781" cy="1722177"/>
+          </a:xfrm>
+          <a:prstGeom prst="bentConnector3">
+            <a:avLst>
+              <a:gd name="adj1" fmla="val 30410"/>
+            </a:avLst>
+          </a:prstGeom>
+          <a:ln w="28575">
+            <a:solidFill>
+              <a:srgbClr val="FF0000"/>
+            </a:solidFill>
+            <a:tailEnd type="triangle"/>
+          </a:ln>
+        </p:spPr>
+        <p:style>
+          <a:lnRef idx="2">
+            <a:schemeClr val="accent1"/>
+          </a:lnRef>
+          <a:fillRef idx="0">
+            <a:schemeClr val="accent1"/>
+          </a:fillRef>
+          <a:effectRef idx="1">
+            <a:schemeClr val="accent1"/>
+          </a:effectRef>
+          <a:fontRef idx="minor">
+            <a:schemeClr val="tx1"/>
+          </a:fontRef>
+        </p:style>
+      </p:cxnSp>
+      <p:sp>
+        <p:nvSpPr>
+          <p:cNvPr id="77" name="Flowchart: Process 76">
+            <a:extLst>
+              <a:ext uri="{FF2B5EF4-FFF2-40B4-BE49-F238E27FC236}">
+                <a16:creationId xmlns:a16="http://schemas.microsoft.com/office/drawing/2014/main" id="{5751F415-0DFA-3224-1617-75B3938FD39A}"/>
+              </a:ext>
+            </a:extLst>
+          </p:cNvPr>
+          <p:cNvSpPr/>
+          <p:nvPr/>
+        </p:nvSpPr>
+        <p:spPr>
+          <a:xfrm>
+            <a:off x="1533123" y="182700"/>
+            <a:ext cx="1172698" cy="539232"/>
+          </a:xfrm>
+          <a:prstGeom prst="flowChartProcess">
+            <a:avLst/>
+          </a:prstGeom>
+          <a:solidFill>
+            <a:schemeClr val="bg1">
+              <a:lumMod val="95000"/>
+            </a:schemeClr>
+          </a:solidFill>
+          <a:ln>
+            <a:noFill/>
+          </a:ln>
+        </p:spPr>
+        <p:style>
+          <a:lnRef idx="2">
+            <a:schemeClr val="dk1"/>
+          </a:lnRef>
+          <a:fillRef idx="1">
+            <a:schemeClr val="lt1"/>
+          </a:fillRef>
+          <a:effectRef idx="0">
+            <a:schemeClr val="dk1"/>
+          </a:effectRef>
+          <a:fontRef idx="minor">
+            <a:schemeClr val="dk1"/>
+          </a:fontRef>
+        </p:style>
+        <p:txBody>
+          <a:bodyPr rtlCol="0" anchor="ctr"/>
+          <a:lstStyle/>
+          <a:p>
+            <a:pPr algn="ctr"/>
+            <a:r>
+              <a:rPr lang="en-AU" sz="1100" dirty="0"/>
+              <a:t>Actual or Estimated Composition</a:t>
+            </a:r>
+          </a:p>
+        </p:txBody>
+      </p:sp>
+      <p:sp>
+        <p:nvSpPr>
+          <p:cNvPr id="31" name="Rectangle: Rounded Corners 30">
+            <a:extLst>
+              <a:ext uri="{FF2B5EF4-FFF2-40B4-BE49-F238E27FC236}">
+                <a16:creationId xmlns:a16="http://schemas.microsoft.com/office/drawing/2014/main" id="{184A65E8-EA42-EB19-0599-B85328DFD96B}"/>
+              </a:ext>
+            </a:extLst>
+          </p:cNvPr>
+          <p:cNvSpPr/>
+          <p:nvPr/>
+        </p:nvSpPr>
+        <p:spPr>
+          <a:xfrm>
+            <a:off x="1533123" y="44951"/>
+            <a:ext cx="1172698" cy="3947726"/>
+          </a:xfrm>
+          <a:prstGeom prst="roundRect">
+            <a:avLst>
+              <a:gd name="adj" fmla="val 14957"/>
+            </a:avLst>
+          </a:prstGeom>
+          <a:noFill/>
+          <a:ln>
+            <a:prstDash val="dash"/>
+          </a:ln>
+        </p:spPr>
+        <p:style>
+          <a:lnRef idx="2">
+            <a:schemeClr val="accent1">
+              <a:shade val="15000"/>
+            </a:schemeClr>
+          </a:lnRef>
+          <a:fillRef idx="1">
+            <a:schemeClr val="accent1"/>
+          </a:fillRef>
+          <a:effectRef idx="0">
+            <a:schemeClr val="accent1"/>
+          </a:effectRef>
+          <a:fontRef idx="minor">
+            <a:schemeClr val="lt1"/>
+          </a:fontRef>
+        </p:style>
+        <p:txBody>
+          <a:bodyPr rtlCol="0" anchor="ctr"/>
+          <a:lstStyle/>
+          <a:p>
+            <a:pPr algn="ctr"/>
+            <a:endParaRPr lang="en-AU" sz="1600"/>
+          </a:p>
+        </p:txBody>
+      </p:sp>
+      <p:sp>
+        <p:nvSpPr>
+          <p:cNvPr id="81" name="TextBox 80">
+            <a:extLst>
+              <a:ext uri="{FF2B5EF4-FFF2-40B4-BE49-F238E27FC236}">
+                <a16:creationId xmlns:a16="http://schemas.microsoft.com/office/drawing/2014/main" id="{E7059329-844A-7609-E38A-B96C52E8AAA9}"/>
+              </a:ext>
+            </a:extLst>
+          </p:cNvPr>
+          <p:cNvSpPr txBox="1"/>
+          <p:nvPr/>
+        </p:nvSpPr>
+        <p:spPr>
+          <a:xfrm>
+            <a:off x="6998253" y="1876141"/>
+            <a:ext cx="497251" cy="1107996"/>
+          </a:xfrm>
+          <a:prstGeom prst="rect">
+            <a:avLst/>
+          </a:prstGeom>
+          <a:noFill/>
+        </p:spPr>
+        <p:txBody>
+          <a:bodyPr wrap="none" rtlCol="0">
+            <a:spAutoFit/>
+          </a:bodyPr>
+          <a:lstStyle/>
+          <a:p>
+            <a:pPr algn="ctr"/>
+            <a:r>
+              <a:rPr lang="en-AU" sz="1600" dirty="0">
+                <a:latin typeface="Times New Roman" panose="02020603050405020304" pitchFamily="18" charset="0"/>
+                <a:cs typeface="Times New Roman" panose="02020603050405020304" pitchFamily="18" charset="0"/>
+              </a:rPr>
+              <a:t>g</a:t>
+            </a:r>
+            <a:br>
+              <a:rPr lang="en-AU" sz="1600" dirty="0">
+                <a:latin typeface="Times New Roman" panose="02020603050405020304" pitchFamily="18" charset="0"/>
+                <a:cs typeface="Times New Roman" panose="02020603050405020304" pitchFamily="18" charset="0"/>
+              </a:rPr>
+            </a:br>
+            <a:r>
+              <a:rPr lang="el-GR" sz="1600" dirty="0">
+                <a:latin typeface="Times New Roman" panose="02020603050405020304" pitchFamily="18" charset="0"/>
+                <a:cs typeface="Times New Roman" panose="02020603050405020304" pitchFamily="18" charset="0"/>
+              </a:rPr>
+              <a:t>θ</a:t>
+            </a:r>
+            <a:endParaRPr lang="en-AU" sz="1600" dirty="0">
+              <a:latin typeface="Times New Roman" panose="02020603050405020304" pitchFamily="18" charset="0"/>
+              <a:cs typeface="Times New Roman" panose="02020603050405020304" pitchFamily="18" charset="0"/>
+            </a:endParaRPr>
+          </a:p>
+          <a:p>
+            <a:pPr algn="ctr"/>
+            <a:br>
+              <a:rPr lang="en-AU" sz="1400" dirty="0">
+                <a:latin typeface="Times New Roman" panose="02020603050405020304" pitchFamily="18" charset="0"/>
+                <a:cs typeface="Times New Roman" panose="02020603050405020304" pitchFamily="18" charset="0"/>
+              </a:rPr>
+            </a:br>
+            <a:r>
+              <a:rPr lang="en-AU" sz="2000" b="1" dirty="0">
+                <a:latin typeface="Times New Roman" panose="02020603050405020304" pitchFamily="18" charset="0"/>
+                <a:cs typeface="Times New Roman" panose="02020603050405020304" pitchFamily="18" charset="0"/>
+              </a:rPr>
+              <a:t>H</a:t>
+            </a:r>
+            <a:r>
+              <a:rPr lang="en-AU" sz="2000" b="1" baseline="-25000" dirty="0">
+                <a:latin typeface="Times New Roman" panose="02020603050405020304" pitchFamily="18" charset="0"/>
+                <a:cs typeface="Times New Roman" panose="02020603050405020304" pitchFamily="18" charset="0"/>
+              </a:rPr>
+              <a:t>L</a:t>
+            </a:r>
+            <a:endParaRPr lang="en-AU" sz="1600" b="1" dirty="0">
+              <a:latin typeface="Times New Roman" panose="02020603050405020304" pitchFamily="18" charset="0"/>
+              <a:cs typeface="Times New Roman" panose="02020603050405020304" pitchFamily="18" charset="0"/>
+            </a:endParaRPr>
+          </a:p>
+        </p:txBody>
+      </p:sp>
+      <p:sp>
+        <p:nvSpPr>
+          <p:cNvPr id="82" name="TextBox 81">
+            <a:extLst>
+              <a:ext uri="{FF2B5EF4-FFF2-40B4-BE49-F238E27FC236}">
+                <a16:creationId xmlns:a16="http://schemas.microsoft.com/office/drawing/2014/main" id="{4AEDFF5F-720A-A2A9-36AC-8687943988DD}"/>
+              </a:ext>
+            </a:extLst>
+          </p:cNvPr>
+          <p:cNvSpPr txBox="1"/>
+          <p:nvPr/>
+        </p:nvSpPr>
+        <p:spPr>
+          <a:xfrm>
+            <a:off x="5808487" y="2134084"/>
+            <a:ext cx="497252" cy="1272143"/>
+          </a:xfrm>
+          <a:prstGeom prst="rect">
+            <a:avLst/>
+          </a:prstGeom>
+          <a:noFill/>
+        </p:spPr>
+        <p:txBody>
+          <a:bodyPr wrap="none" rtlCol="0">
+            <a:spAutoFit/>
+          </a:bodyPr>
+          <a:lstStyle/>
+          <a:p>
+            <a:pPr algn="ctr"/>
+            <a:r>
+              <a:rPr lang="en-AU" sz="1600" dirty="0" err="1">
+                <a:latin typeface="Times New Roman" panose="02020603050405020304" pitchFamily="18" charset="0"/>
+                <a:cs typeface="Times New Roman" panose="02020603050405020304" pitchFamily="18" charset="0"/>
+              </a:rPr>
+              <a:t>v</a:t>
+            </a:r>
+            <a:r>
+              <a:rPr lang="en-AU" sz="1600" baseline="-25000" dirty="0" err="1">
+                <a:latin typeface="Times New Roman" panose="02020603050405020304" pitchFamily="18" charset="0"/>
+                <a:cs typeface="Times New Roman" panose="02020603050405020304" pitchFamily="18" charset="0"/>
+              </a:rPr>
+              <a:t>sg</a:t>
+            </a:r>
+            <a:endParaRPr lang="en-AU" sz="1600" baseline="-25000" dirty="0">
+              <a:latin typeface="Times New Roman" panose="02020603050405020304" pitchFamily="18" charset="0"/>
+              <a:cs typeface="Times New Roman" panose="02020603050405020304" pitchFamily="18" charset="0"/>
+            </a:endParaRPr>
+          </a:p>
+          <a:p>
+            <a:pPr algn="ctr"/>
+            <a:r>
+              <a:rPr lang="el-GR" sz="1600" dirty="0">
+                <a:latin typeface="Times New Roman" panose="02020603050405020304" pitchFamily="18" charset="0"/>
+                <a:cs typeface="Times New Roman" panose="02020603050405020304" pitchFamily="18" charset="0"/>
+              </a:rPr>
+              <a:t>ρ</a:t>
+            </a:r>
+            <a:r>
+              <a:rPr lang="en-AU" sz="1600" baseline="-25000" dirty="0">
+                <a:latin typeface="Times New Roman" panose="02020603050405020304" pitchFamily="18" charset="0"/>
+                <a:cs typeface="Times New Roman" panose="02020603050405020304" pitchFamily="18" charset="0"/>
+              </a:rPr>
+              <a:t>g</a:t>
+            </a:r>
+          </a:p>
+          <a:p>
+            <a:pPr algn="ctr"/>
+            <a:br>
+              <a:rPr lang="en-AU" sz="1600" baseline="30000" dirty="0">
+                <a:latin typeface="Times New Roman" panose="02020603050405020304" pitchFamily="18" charset="0"/>
+                <a:cs typeface="Times New Roman" panose="02020603050405020304" pitchFamily="18" charset="0"/>
+              </a:rPr>
+            </a:br>
+            <a:r>
+              <a:rPr lang="en-AU" sz="1600" dirty="0">
+                <a:latin typeface="Times New Roman" panose="02020603050405020304" pitchFamily="18" charset="0"/>
+                <a:cs typeface="Times New Roman" panose="02020603050405020304" pitchFamily="18" charset="0"/>
+              </a:rPr>
+              <a:t>Re</a:t>
+            </a:r>
+            <a:r>
+              <a:rPr lang="en-AU" sz="1600" baseline="-25000" dirty="0">
+                <a:latin typeface="Times New Roman" panose="02020603050405020304" pitchFamily="18" charset="0"/>
+                <a:cs typeface="Times New Roman" panose="02020603050405020304" pitchFamily="18" charset="0"/>
+              </a:rPr>
+              <a:t>g</a:t>
+            </a:r>
+            <a:endParaRPr lang="en-AU" sz="1600" baseline="30000" dirty="0">
+              <a:latin typeface="Times New Roman" panose="02020603050405020304" pitchFamily="18" charset="0"/>
+              <a:cs typeface="Times New Roman" panose="02020603050405020304" pitchFamily="18" charset="0"/>
+            </a:endParaRPr>
+          </a:p>
+          <a:p>
+            <a:pPr algn="ctr"/>
+            <a:r>
+              <a:rPr lang="en-AU" sz="1600" dirty="0" err="1">
+                <a:latin typeface="Times New Roman" panose="02020603050405020304" pitchFamily="18" charset="0"/>
+                <a:cs typeface="Times New Roman" panose="02020603050405020304" pitchFamily="18" charset="0"/>
+              </a:rPr>
+              <a:t>f</a:t>
+            </a:r>
+            <a:r>
+              <a:rPr lang="en-AU" sz="1600" baseline="-25000" dirty="0" err="1">
+                <a:latin typeface="Times New Roman" panose="02020603050405020304" pitchFamily="18" charset="0"/>
+                <a:cs typeface="Times New Roman" panose="02020603050405020304" pitchFamily="18" charset="0"/>
+              </a:rPr>
+              <a:t>m,g</a:t>
+            </a:r>
+            <a:endParaRPr lang="en-AU" sz="1600" baseline="-25000" dirty="0">
+              <a:latin typeface="Times New Roman" panose="02020603050405020304" pitchFamily="18" charset="0"/>
+              <a:cs typeface="Times New Roman" panose="02020603050405020304" pitchFamily="18" charset="0"/>
+            </a:endParaRPr>
+          </a:p>
+        </p:txBody>
+      </p:sp>
+      <p:sp>
+        <p:nvSpPr>
+          <p:cNvPr id="83" name="TextBox 82">
+            <a:extLst>
+              <a:ext uri="{FF2B5EF4-FFF2-40B4-BE49-F238E27FC236}">
+                <a16:creationId xmlns:a16="http://schemas.microsoft.com/office/drawing/2014/main" id="{80BB2A82-D47E-D51A-3350-EF86220929F7}"/>
+              </a:ext>
+            </a:extLst>
+          </p:cNvPr>
+          <p:cNvSpPr txBox="1"/>
+          <p:nvPr/>
+        </p:nvSpPr>
+        <p:spPr>
+          <a:xfrm>
+            <a:off x="5801627" y="4295614"/>
+            <a:ext cx="495649" cy="1241365"/>
+          </a:xfrm>
+          <a:prstGeom prst="rect">
+            <a:avLst/>
+          </a:prstGeom>
+          <a:noFill/>
+        </p:spPr>
+        <p:txBody>
+          <a:bodyPr wrap="none" rtlCol="0">
+            <a:spAutoFit/>
+          </a:bodyPr>
+          <a:lstStyle/>
+          <a:p>
+            <a:pPr algn="ctr"/>
+            <a:r>
+              <a:rPr lang="en-AU" sz="1600" dirty="0" err="1">
+                <a:latin typeface="Times New Roman" panose="02020603050405020304" pitchFamily="18" charset="0"/>
+                <a:cs typeface="Times New Roman" panose="02020603050405020304" pitchFamily="18" charset="0"/>
+              </a:rPr>
+              <a:t>v</a:t>
+            </a:r>
+            <a:r>
+              <a:rPr lang="en-AU" sz="1600" baseline="-25000" dirty="0" err="1">
+                <a:latin typeface="Times New Roman" panose="02020603050405020304" pitchFamily="18" charset="0"/>
+                <a:cs typeface="Times New Roman" panose="02020603050405020304" pitchFamily="18" charset="0"/>
+              </a:rPr>
+              <a:t>sL</a:t>
+            </a:r>
+            <a:endParaRPr lang="en-AU" sz="1600" baseline="-25000" dirty="0">
+              <a:latin typeface="Times New Roman" panose="02020603050405020304" pitchFamily="18" charset="0"/>
+              <a:cs typeface="Times New Roman" panose="02020603050405020304" pitchFamily="18" charset="0"/>
+            </a:endParaRPr>
+          </a:p>
+          <a:p>
+            <a:pPr algn="ctr"/>
+            <a:r>
+              <a:rPr lang="el-GR" sz="1600" dirty="0">
+                <a:latin typeface="Times New Roman" panose="02020603050405020304" pitchFamily="18" charset="0"/>
+                <a:cs typeface="Times New Roman" panose="02020603050405020304" pitchFamily="18" charset="0"/>
+              </a:rPr>
+              <a:t>ρ</a:t>
+            </a:r>
+            <a:r>
+              <a:rPr lang="en-AU" sz="1600" baseline="-25000" dirty="0">
+                <a:latin typeface="Times New Roman" panose="02020603050405020304" pitchFamily="18" charset="0"/>
+                <a:cs typeface="Times New Roman" panose="02020603050405020304" pitchFamily="18" charset="0"/>
+              </a:rPr>
+              <a:t>L</a:t>
+            </a:r>
+          </a:p>
+          <a:p>
+            <a:pPr algn="ctr"/>
+            <a:br>
+              <a:rPr lang="en-AU" sz="1600" baseline="-25000" dirty="0">
+                <a:latin typeface="Times New Roman" panose="02020603050405020304" pitchFamily="18" charset="0"/>
+                <a:cs typeface="Times New Roman" panose="02020603050405020304" pitchFamily="18" charset="0"/>
+              </a:rPr>
+            </a:br>
+            <a:r>
+              <a:rPr lang="en-AU" sz="1600" dirty="0" err="1">
+                <a:latin typeface="Times New Roman" panose="02020603050405020304" pitchFamily="18" charset="0"/>
+                <a:cs typeface="Times New Roman" panose="02020603050405020304" pitchFamily="18" charset="0"/>
+              </a:rPr>
+              <a:t>Re</a:t>
+            </a:r>
+            <a:r>
+              <a:rPr lang="en-AU" sz="1600" baseline="-25000" dirty="0" err="1">
+                <a:latin typeface="Times New Roman" panose="02020603050405020304" pitchFamily="18" charset="0"/>
+                <a:cs typeface="Times New Roman" panose="02020603050405020304" pitchFamily="18" charset="0"/>
+              </a:rPr>
+              <a:t>L</a:t>
+            </a:r>
+            <a:br>
+              <a:rPr lang="en-AU" sz="1600" baseline="-25000" dirty="0">
+                <a:latin typeface="Times New Roman" panose="02020603050405020304" pitchFamily="18" charset="0"/>
+                <a:cs typeface="Times New Roman" panose="02020603050405020304" pitchFamily="18" charset="0"/>
+              </a:rPr>
+            </a:br>
+            <a:r>
+              <a:rPr lang="en-AU" sz="1600" dirty="0" err="1">
+                <a:latin typeface="Times New Roman" panose="02020603050405020304" pitchFamily="18" charset="0"/>
+                <a:cs typeface="Times New Roman" panose="02020603050405020304" pitchFamily="18" charset="0"/>
+              </a:rPr>
+              <a:t>f</a:t>
+            </a:r>
+            <a:r>
+              <a:rPr lang="en-AU" sz="1600" baseline="-25000" dirty="0" err="1">
+                <a:latin typeface="Times New Roman" panose="02020603050405020304" pitchFamily="18" charset="0"/>
+                <a:cs typeface="Times New Roman" panose="02020603050405020304" pitchFamily="18" charset="0"/>
+              </a:rPr>
+              <a:t>m,L</a:t>
+            </a:r>
+            <a:endParaRPr lang="en-AU" sz="1600" baseline="30000" dirty="0">
+              <a:latin typeface="Times New Roman" panose="02020603050405020304" pitchFamily="18" charset="0"/>
+              <a:cs typeface="Times New Roman" panose="02020603050405020304" pitchFamily="18" charset="0"/>
+            </a:endParaRPr>
+          </a:p>
+        </p:txBody>
+      </p:sp>
+      <p:sp>
+        <p:nvSpPr>
+          <p:cNvPr id="84" name="TextBox 83">
+            <a:extLst>
+              <a:ext uri="{FF2B5EF4-FFF2-40B4-BE49-F238E27FC236}">
+                <a16:creationId xmlns:a16="http://schemas.microsoft.com/office/drawing/2014/main" id="{796D4D8A-9C16-44CA-655D-4DC701C69019}"/>
+              </a:ext>
+            </a:extLst>
+          </p:cNvPr>
+          <p:cNvSpPr txBox="1"/>
+          <p:nvPr/>
+        </p:nvSpPr>
+        <p:spPr>
+          <a:xfrm>
+            <a:off x="7853271" y="3255047"/>
+            <a:ext cx="401071" cy="584775"/>
+          </a:xfrm>
+          <a:prstGeom prst="rect">
+            <a:avLst/>
+          </a:prstGeom>
+          <a:noFill/>
+        </p:spPr>
+        <p:txBody>
+          <a:bodyPr wrap="none" rtlCol="0">
+            <a:spAutoFit/>
+          </a:bodyPr>
+          <a:lstStyle/>
+          <a:p>
+            <a:pPr algn="ctr"/>
+            <a:r>
+              <a:rPr lang="el-GR" sz="1600" dirty="0">
+                <a:latin typeface="Times New Roman" panose="02020603050405020304" pitchFamily="18" charset="0"/>
+                <a:cs typeface="Times New Roman" panose="02020603050405020304" pitchFamily="18" charset="0"/>
+              </a:rPr>
+              <a:t>ε</a:t>
+            </a:r>
+            <a:endParaRPr lang="en-AU" sz="1600" dirty="0">
+              <a:latin typeface="Times New Roman" panose="02020603050405020304" pitchFamily="18" charset="0"/>
+              <a:cs typeface="Times New Roman" panose="02020603050405020304" pitchFamily="18" charset="0"/>
+            </a:endParaRPr>
+          </a:p>
+          <a:p>
+            <a:pPr algn="ctr"/>
+            <a:r>
+              <a:rPr lang="en-AU" sz="1600" dirty="0">
+                <a:latin typeface="Times New Roman" panose="02020603050405020304" pitchFamily="18" charset="0"/>
+                <a:cs typeface="Times New Roman" panose="02020603050405020304" pitchFamily="18" charset="0"/>
+              </a:rPr>
+              <a:t>D</a:t>
+            </a:r>
+            <a:r>
+              <a:rPr lang="en-AU" sz="1600" baseline="-25000" dirty="0">
+                <a:latin typeface="Times New Roman" panose="02020603050405020304" pitchFamily="18" charset="0"/>
+                <a:cs typeface="Times New Roman" panose="02020603050405020304" pitchFamily="18" charset="0"/>
+              </a:rPr>
+              <a:t>h</a:t>
+            </a:r>
+            <a:endParaRPr lang="en-AU" sz="1600" dirty="0">
+              <a:latin typeface="Times New Roman" panose="02020603050405020304" pitchFamily="18" charset="0"/>
+              <a:cs typeface="Times New Roman" panose="02020603050405020304" pitchFamily="18" charset="0"/>
+            </a:endParaRPr>
+          </a:p>
+        </p:txBody>
+      </p:sp>
+      <p:sp>
+        <p:nvSpPr>
+          <p:cNvPr id="96" name="Rectangle: Rounded Corners 95">
+            <a:extLst>
+              <a:ext uri="{FF2B5EF4-FFF2-40B4-BE49-F238E27FC236}">
+                <a16:creationId xmlns:a16="http://schemas.microsoft.com/office/drawing/2014/main" id="{DBF2B27F-3A88-F2AA-6562-EA290C52E12A}"/>
+              </a:ext>
+            </a:extLst>
+          </p:cNvPr>
+          <p:cNvSpPr/>
+          <p:nvPr/>
+        </p:nvSpPr>
+        <p:spPr>
+          <a:xfrm>
+            <a:off x="5822242" y="2175037"/>
+            <a:ext cx="497006" cy="561740"/>
+          </a:xfrm>
+          <a:prstGeom prst="roundRect">
+            <a:avLst>
+              <a:gd name="adj" fmla="val 14957"/>
+            </a:avLst>
+          </a:prstGeom>
+          <a:noFill/>
+          <a:ln>
+            <a:solidFill>
+              <a:srgbClr val="800080"/>
+            </a:solidFill>
+            <a:prstDash val="dash"/>
+          </a:ln>
+        </p:spPr>
+        <p:style>
+          <a:lnRef idx="2">
+            <a:schemeClr val="accent1">
+              <a:shade val="15000"/>
+            </a:schemeClr>
+          </a:lnRef>
+          <a:fillRef idx="1">
+            <a:schemeClr val="accent1"/>
+          </a:fillRef>
+          <a:effectRef idx="0">
+            <a:schemeClr val="accent1"/>
+          </a:effectRef>
+          <a:fontRef idx="minor">
+            <a:schemeClr val="lt1"/>
+          </a:fontRef>
+        </p:style>
+        <p:txBody>
+          <a:bodyPr rtlCol="0" anchor="ctr"/>
+          <a:lstStyle/>
+          <a:p>
+            <a:pPr algn="ctr"/>
+            <a:endParaRPr lang="en-AU" sz="1600"/>
+          </a:p>
+        </p:txBody>
+      </p:sp>
+      <p:sp>
+        <p:nvSpPr>
+          <p:cNvPr id="97" name="Rectangle: Rounded Corners 96">
+            <a:extLst>
+              <a:ext uri="{FF2B5EF4-FFF2-40B4-BE49-F238E27FC236}">
+                <a16:creationId xmlns:a16="http://schemas.microsoft.com/office/drawing/2014/main" id="{28279521-5025-C8FF-7360-64F013C9B994}"/>
+              </a:ext>
+            </a:extLst>
+          </p:cNvPr>
+          <p:cNvSpPr/>
+          <p:nvPr/>
+        </p:nvSpPr>
+        <p:spPr>
+          <a:xfrm>
+            <a:off x="5814159" y="4338975"/>
+            <a:ext cx="497006" cy="561740"/>
+          </a:xfrm>
+          <a:prstGeom prst="roundRect">
+            <a:avLst>
+              <a:gd name="adj" fmla="val 14957"/>
+            </a:avLst>
+          </a:prstGeom>
+          <a:noFill/>
+          <a:ln>
+            <a:solidFill>
+              <a:srgbClr val="800080"/>
+            </a:solidFill>
+            <a:prstDash val="dash"/>
+          </a:ln>
+        </p:spPr>
+        <p:style>
+          <a:lnRef idx="2">
+            <a:schemeClr val="accent1">
+              <a:shade val="15000"/>
+            </a:schemeClr>
+          </a:lnRef>
+          <a:fillRef idx="1">
+            <a:schemeClr val="accent1"/>
+          </a:fillRef>
+          <a:effectRef idx="0">
+            <a:schemeClr val="accent1"/>
+          </a:effectRef>
+          <a:fontRef idx="minor">
+            <a:schemeClr val="lt1"/>
+          </a:fontRef>
+        </p:style>
+        <p:txBody>
+          <a:bodyPr rtlCol="0" anchor="ctr"/>
+          <a:lstStyle/>
+          <a:p>
+            <a:pPr algn="ctr"/>
+            <a:endParaRPr lang="en-AU" sz="1600"/>
+          </a:p>
+        </p:txBody>
+      </p:sp>
+      <p:sp>
+        <p:nvSpPr>
+          <p:cNvPr id="98" name="Rectangle: Rounded Corners 97">
+            <a:extLst>
+              <a:ext uri="{FF2B5EF4-FFF2-40B4-BE49-F238E27FC236}">
+                <a16:creationId xmlns:a16="http://schemas.microsoft.com/office/drawing/2014/main" id="{F1F60114-8CE0-E9F2-30F6-C6495105E5BB}"/>
+              </a:ext>
+            </a:extLst>
+          </p:cNvPr>
+          <p:cNvSpPr/>
+          <p:nvPr/>
+        </p:nvSpPr>
+        <p:spPr>
+          <a:xfrm>
+            <a:off x="6998375" y="2586014"/>
+            <a:ext cx="497006" cy="420080"/>
+          </a:xfrm>
+          <a:prstGeom prst="roundRect">
+            <a:avLst>
+              <a:gd name="adj" fmla="val 14957"/>
+            </a:avLst>
+          </a:prstGeom>
+          <a:noFill/>
+          <a:ln w="38100">
+            <a:solidFill>
+              <a:srgbClr val="993300"/>
+            </a:solidFill>
+            <a:prstDash val="sysDash"/>
+          </a:ln>
+        </p:spPr>
+        <p:style>
+          <a:lnRef idx="2">
+            <a:schemeClr val="accent1">
+              <a:shade val="15000"/>
+            </a:schemeClr>
+          </a:lnRef>
+          <a:fillRef idx="1">
+            <a:schemeClr val="accent1"/>
+          </a:fillRef>
+          <a:effectRef idx="0">
+            <a:schemeClr val="accent1"/>
+          </a:effectRef>
+          <a:fontRef idx="minor">
+            <a:schemeClr val="lt1"/>
+          </a:fontRef>
+        </p:style>
+        <p:txBody>
+          <a:bodyPr rtlCol="0" anchor="ctr"/>
+          <a:lstStyle/>
+          <a:p>
+            <a:pPr algn="ctr"/>
+            <a:endParaRPr lang="en-AU" sz="1600"/>
+          </a:p>
+        </p:txBody>
+      </p:sp>
+      <p:sp>
+        <p:nvSpPr>
+          <p:cNvPr id="132" name="TextBox 131">
+            <a:extLst>
+              <a:ext uri="{FF2B5EF4-FFF2-40B4-BE49-F238E27FC236}">
+                <a16:creationId xmlns:a16="http://schemas.microsoft.com/office/drawing/2014/main" id="{08C4DE1A-47F1-3693-F579-CC29C5C0BAAF}"/>
+              </a:ext>
+            </a:extLst>
+          </p:cNvPr>
+          <p:cNvSpPr txBox="1"/>
+          <p:nvPr/>
+        </p:nvSpPr>
+        <p:spPr>
+          <a:xfrm>
+            <a:off x="8624445" y="3953784"/>
+            <a:ext cx="441146" cy="338554"/>
+          </a:xfrm>
+          <a:prstGeom prst="rect">
+            <a:avLst/>
+          </a:prstGeom>
+          <a:noFill/>
+        </p:spPr>
+        <p:txBody>
+          <a:bodyPr wrap="none" rtlCol="0">
+            <a:spAutoFit/>
+          </a:bodyPr>
+          <a:lstStyle/>
+          <a:p>
+            <a:pPr algn="ctr"/>
+            <a:r>
+              <a:rPr lang="el-GR" sz="1600" dirty="0">
+                <a:latin typeface="Times New Roman" panose="02020603050405020304" pitchFamily="18" charset="0"/>
+                <a:cs typeface="Times New Roman" panose="02020603050405020304" pitchFamily="18" charset="0"/>
+              </a:rPr>
+              <a:t>Δ</a:t>
+            </a:r>
+            <a:r>
+              <a:rPr lang="en-AU" sz="1600" dirty="0">
+                <a:latin typeface="Times New Roman" panose="02020603050405020304" pitchFamily="18" charset="0"/>
+                <a:cs typeface="Times New Roman" panose="02020603050405020304" pitchFamily="18" charset="0"/>
+              </a:rPr>
+              <a:t>L</a:t>
+            </a:r>
+          </a:p>
+        </p:txBody>
+      </p:sp>
+      <p:sp>
+        <p:nvSpPr>
+          <p:cNvPr id="161" name="Right Brace 160">
+            <a:extLst>
+              <a:ext uri="{FF2B5EF4-FFF2-40B4-BE49-F238E27FC236}">
+                <a16:creationId xmlns:a16="http://schemas.microsoft.com/office/drawing/2014/main" id="{5660D6D1-1176-5305-7995-DD1E7F632051}"/>
+              </a:ext>
+            </a:extLst>
+          </p:cNvPr>
+          <p:cNvSpPr/>
+          <p:nvPr/>
+        </p:nvSpPr>
+        <p:spPr>
+          <a:xfrm rot="5400000">
+            <a:off x="7935016" y="4335865"/>
+            <a:ext cx="267732" cy="2211221"/>
+          </a:xfrm>
+          <a:prstGeom prst="rightBrace">
+            <a:avLst/>
+          </a:prstGeom>
+          <a:ln>
+            <a:solidFill>
+              <a:schemeClr val="tx1"/>
+            </a:solidFill>
+          </a:ln>
+        </p:spPr>
+        <p:style>
+          <a:lnRef idx="2">
+            <a:schemeClr val="accent1"/>
+          </a:lnRef>
+          <a:fillRef idx="0">
+            <a:schemeClr val="accent1"/>
+          </a:fillRef>
+          <a:effectRef idx="1">
+            <a:schemeClr val="accent1"/>
+          </a:effectRef>
+          <a:fontRef idx="minor">
+            <a:schemeClr val="tx1"/>
+          </a:fontRef>
+        </p:style>
+        <p:txBody>
+          <a:bodyPr rtlCol="0" anchor="ctr"/>
+          <a:lstStyle/>
+          <a:p>
+            <a:pPr algn="ctr"/>
+            <a:endParaRPr lang="en-AU" sz="1600"/>
+          </a:p>
+        </p:txBody>
+      </p:sp>
+      <p:sp>
+        <p:nvSpPr>
+          <p:cNvPr id="170" name="TextBox 169">
+            <a:extLst>
+              <a:ext uri="{FF2B5EF4-FFF2-40B4-BE49-F238E27FC236}">
+                <a16:creationId xmlns:a16="http://schemas.microsoft.com/office/drawing/2014/main" id="{F87697F7-7929-AE2D-E520-8CDAA09C7187}"/>
+              </a:ext>
+            </a:extLst>
+          </p:cNvPr>
+          <p:cNvSpPr txBox="1"/>
+          <p:nvPr/>
+        </p:nvSpPr>
+        <p:spPr>
+          <a:xfrm>
+            <a:off x="9623188" y="2042128"/>
+            <a:ext cx="2389886" cy="338554"/>
+          </a:xfrm>
+          <a:prstGeom prst="rect">
+            <a:avLst/>
+          </a:prstGeom>
+          <a:noFill/>
+        </p:spPr>
+        <p:txBody>
+          <a:bodyPr wrap="none" rtlCol="0">
+            <a:spAutoFit/>
+          </a:bodyPr>
+          <a:lstStyle/>
+          <a:p>
+            <a:pPr algn="ctr"/>
+            <a:r>
+              <a:rPr lang="en-AU" sz="1600" i="1" dirty="0">
+                <a:latin typeface="Times New Roman" panose="02020603050405020304" pitchFamily="18" charset="0"/>
+                <a:cs typeface="Times New Roman" panose="02020603050405020304" pitchFamily="18" charset="0"/>
+              </a:rPr>
+              <a:t>f </a:t>
+            </a:r>
+            <a:r>
+              <a:rPr lang="en-AU" sz="1600" dirty="0">
+                <a:latin typeface="Times New Roman" panose="02020603050405020304" pitchFamily="18" charset="0"/>
+                <a:cs typeface="Times New Roman" panose="02020603050405020304" pitchFamily="18" charset="0"/>
+              </a:rPr>
+              <a:t>(</a:t>
+            </a:r>
+            <a:r>
+              <a:rPr lang="en-AU" sz="1600" dirty="0" err="1">
+                <a:latin typeface="Times New Roman" panose="02020603050405020304" pitchFamily="18" charset="0"/>
+                <a:cs typeface="Times New Roman" panose="02020603050405020304" pitchFamily="18" charset="0"/>
+              </a:rPr>
+              <a:t>T</a:t>
+            </a:r>
+            <a:r>
+              <a:rPr lang="en-AU" sz="1600" baseline="-25000" dirty="0" err="1">
+                <a:latin typeface="Times New Roman" panose="02020603050405020304" pitchFamily="18" charset="0"/>
+                <a:cs typeface="Times New Roman" panose="02020603050405020304" pitchFamily="18" charset="0"/>
+              </a:rPr>
+              <a:t>f</a:t>
+            </a:r>
+            <a:r>
+              <a:rPr lang="en-AU" sz="1600" dirty="0">
+                <a:latin typeface="Times New Roman" panose="02020603050405020304" pitchFamily="18" charset="0"/>
+                <a:cs typeface="Times New Roman" panose="02020603050405020304" pitchFamily="18" charset="0"/>
+              </a:rPr>
+              <a:t>, </a:t>
+            </a:r>
+            <a:r>
+              <a:rPr lang="en-AU" sz="1600" dirty="0" err="1">
+                <a:latin typeface="Times New Roman" panose="02020603050405020304" pitchFamily="18" charset="0"/>
+                <a:cs typeface="Times New Roman" panose="02020603050405020304" pitchFamily="18" charset="0"/>
+              </a:rPr>
+              <a:t>T</a:t>
+            </a:r>
+            <a:r>
+              <a:rPr lang="en-AU" sz="1600" baseline="-25000" dirty="0" err="1">
+                <a:latin typeface="Times New Roman" panose="02020603050405020304" pitchFamily="18" charset="0"/>
+                <a:cs typeface="Times New Roman" panose="02020603050405020304" pitchFamily="18" charset="0"/>
+              </a:rPr>
+              <a:t>e</a:t>
+            </a:r>
+            <a:r>
+              <a:rPr lang="en-AU" sz="1600" dirty="0">
+                <a:latin typeface="Times New Roman" panose="02020603050405020304" pitchFamily="18" charset="0"/>
+                <a:cs typeface="Times New Roman" panose="02020603050405020304" pitchFamily="18" charset="0"/>
+              </a:rPr>
+              <a:t>, g, θ, J, </a:t>
+            </a:r>
+            <a:r>
+              <a:rPr lang="en-AU" sz="1600" dirty="0" err="1">
+                <a:latin typeface="Times New Roman" panose="02020603050405020304" pitchFamily="18" charset="0"/>
+                <a:cs typeface="Times New Roman" panose="02020603050405020304" pitchFamily="18" charset="0"/>
+              </a:rPr>
+              <a:t>C</a:t>
+            </a:r>
+            <a:r>
+              <a:rPr lang="en-AU" sz="1600" baseline="-25000" dirty="0" err="1">
+                <a:latin typeface="Times New Roman" panose="02020603050405020304" pitchFamily="18" charset="0"/>
+                <a:cs typeface="Times New Roman" panose="02020603050405020304" pitchFamily="18" charset="0"/>
+              </a:rPr>
+              <a:t>pm</a:t>
+            </a:r>
+            <a:r>
+              <a:rPr lang="en-AU" sz="1600" dirty="0">
+                <a:latin typeface="Times New Roman" panose="02020603050405020304" pitchFamily="18" charset="0"/>
+                <a:cs typeface="Times New Roman" panose="02020603050405020304" pitchFamily="18" charset="0"/>
+              </a:rPr>
+              <a:t>, A, F</a:t>
+            </a:r>
+            <a:r>
+              <a:rPr lang="en-AU" sz="1600" baseline="-25000" dirty="0">
+                <a:latin typeface="Times New Roman" panose="02020603050405020304" pitchFamily="18" charset="0"/>
+                <a:cs typeface="Times New Roman" panose="02020603050405020304" pitchFamily="18" charset="0"/>
+              </a:rPr>
+              <a:t>c</a:t>
+            </a:r>
+            <a:r>
+              <a:rPr lang="en-AU" sz="1600" dirty="0">
+                <a:latin typeface="Times New Roman" panose="02020603050405020304" pitchFamily="18" charset="0"/>
+                <a:cs typeface="Times New Roman" panose="02020603050405020304" pitchFamily="18" charset="0"/>
+              </a:rPr>
+              <a:t>)</a:t>
+            </a:r>
+            <a:endParaRPr lang="en-AU" sz="1600" baseline="-25000" dirty="0">
+              <a:latin typeface="Times New Roman" panose="02020603050405020304" pitchFamily="18" charset="0"/>
+              <a:cs typeface="Times New Roman" panose="02020603050405020304" pitchFamily="18" charset="0"/>
+            </a:endParaRPr>
+          </a:p>
+        </p:txBody>
+      </p:sp>
+      <p:sp>
+        <p:nvSpPr>
+          <p:cNvPr id="171" name="Flowchart: Process 170">
+            <a:extLst>
+              <a:ext uri="{FF2B5EF4-FFF2-40B4-BE49-F238E27FC236}">
+                <a16:creationId xmlns:a16="http://schemas.microsoft.com/office/drawing/2014/main" id="{A0F441E6-3169-B387-0549-E3295F4AA48F}"/>
+              </a:ext>
+            </a:extLst>
+          </p:cNvPr>
+          <p:cNvSpPr/>
+          <p:nvPr/>
+        </p:nvSpPr>
+        <p:spPr>
+          <a:xfrm>
+            <a:off x="9547695" y="1372915"/>
+            <a:ext cx="2544346" cy="539232"/>
+          </a:xfrm>
+          <a:prstGeom prst="flowChartProcess">
+            <a:avLst/>
+          </a:prstGeom>
+          <a:solidFill>
+            <a:schemeClr val="bg1">
+              <a:lumMod val="95000"/>
+            </a:schemeClr>
+          </a:solidFill>
+          <a:ln>
+            <a:noFill/>
+          </a:ln>
+        </p:spPr>
+        <p:style>
+          <a:lnRef idx="2">
+            <a:schemeClr val="dk1"/>
+          </a:lnRef>
+          <a:fillRef idx="1">
+            <a:schemeClr val="lt1"/>
+          </a:fillRef>
+          <a:effectRef idx="0">
+            <a:schemeClr val="dk1"/>
+          </a:effectRef>
+          <a:fontRef idx="minor">
+            <a:schemeClr val="dk1"/>
+          </a:fontRef>
+        </p:style>
+        <p:txBody>
+          <a:bodyPr rtlCol="0" anchor="ctr"/>
+          <a:lstStyle/>
+          <a:p>
+            <a:pPr algn="ctr"/>
+            <a:r>
+              <a:rPr lang="en-AU" sz="1100" dirty="0"/>
+              <a:t>Wellbore Temperature Model</a:t>
+            </a:r>
+          </a:p>
+        </p:txBody>
+      </p:sp>
+      <p:sp>
+        <p:nvSpPr>
+          <p:cNvPr id="172" name="Rectangle: Rounded Corners 171">
+            <a:extLst>
+              <a:ext uri="{FF2B5EF4-FFF2-40B4-BE49-F238E27FC236}">
+                <a16:creationId xmlns:a16="http://schemas.microsoft.com/office/drawing/2014/main" id="{A1A8709C-5A6C-557A-102D-C085D187B26E}"/>
+              </a:ext>
+            </a:extLst>
+          </p:cNvPr>
+          <p:cNvSpPr/>
+          <p:nvPr/>
+        </p:nvSpPr>
+        <p:spPr>
+          <a:xfrm>
+            <a:off x="9547694" y="1223974"/>
+            <a:ext cx="2544347" cy="3796100"/>
+          </a:xfrm>
+          <a:prstGeom prst="roundRect">
+            <a:avLst>
+              <a:gd name="adj" fmla="val 6588"/>
+            </a:avLst>
+          </a:prstGeom>
+          <a:noFill/>
+          <a:ln>
+            <a:solidFill>
+              <a:srgbClr val="FF6600"/>
+            </a:solidFill>
+            <a:prstDash val="dash"/>
+          </a:ln>
+        </p:spPr>
+        <p:style>
+          <a:lnRef idx="2">
+            <a:schemeClr val="accent1">
+              <a:shade val="15000"/>
+            </a:schemeClr>
+          </a:lnRef>
+          <a:fillRef idx="1">
+            <a:schemeClr val="accent1"/>
+          </a:fillRef>
+          <a:effectRef idx="0">
+            <a:schemeClr val="accent1"/>
+          </a:effectRef>
+          <a:fontRef idx="minor">
+            <a:schemeClr val="lt1"/>
+          </a:fontRef>
+        </p:style>
+        <p:txBody>
+          <a:bodyPr rtlCol="0" anchor="ctr"/>
+          <a:lstStyle/>
+          <a:p>
+            <a:pPr algn="ctr"/>
+            <a:endParaRPr lang="en-AU" sz="1600"/>
+          </a:p>
+        </p:txBody>
+      </p:sp>
+      <p:cxnSp>
+        <p:nvCxnSpPr>
+          <p:cNvPr id="174" name="Connector: Elbow 173">
+            <a:extLst>
+              <a:ext uri="{FF2B5EF4-FFF2-40B4-BE49-F238E27FC236}">
+                <a16:creationId xmlns:a16="http://schemas.microsoft.com/office/drawing/2014/main" id="{79ED6429-4881-08BB-D6F7-62B8EDF27B88}"/>
+              </a:ext>
+            </a:extLst>
+          </p:cNvPr>
+          <p:cNvCxnSpPr>
+            <a:cxnSpLocks/>
+            <a:stCxn id="32" idx="6"/>
+            <a:endCxn id="172" idx="1"/>
+          </p:cNvCxnSpPr>
+          <p:nvPr/>
+        </p:nvCxnSpPr>
+        <p:spPr>
+          <a:xfrm flipV="1">
+            <a:off x="8362571" y="3122024"/>
+            <a:ext cx="1185123" cy="2844737"/>
+          </a:xfrm>
+          <a:prstGeom prst="bentConnector3">
+            <a:avLst>
+              <a:gd name="adj1" fmla="val 88064"/>
+            </a:avLst>
+          </a:prstGeom>
+          <a:ln w="28575">
+            <a:tailEnd type="triangle"/>
+          </a:ln>
+        </p:spPr>
+        <p:style>
+          <a:lnRef idx="2">
+            <a:schemeClr val="accent1"/>
+          </a:lnRef>
+          <a:fillRef idx="0">
+            <a:schemeClr val="accent1"/>
+          </a:fillRef>
+          <a:effectRef idx="1">
+            <a:schemeClr val="accent1"/>
+          </a:effectRef>
+          <a:fontRef idx="minor">
+            <a:schemeClr val="tx1"/>
+          </a:fontRef>
+        </p:style>
+      </p:cxnSp>
+      <p:sp>
+        <p:nvSpPr>
+          <p:cNvPr id="176" name="Arrow: Up 175">
+            <a:extLst>
+              <a:ext uri="{FF2B5EF4-FFF2-40B4-BE49-F238E27FC236}">
+                <a16:creationId xmlns:a16="http://schemas.microsoft.com/office/drawing/2014/main" id="{1730FE70-3805-FBA3-0EB0-0B6455DA278C}"/>
+              </a:ext>
+            </a:extLst>
+          </p:cNvPr>
+          <p:cNvSpPr/>
+          <p:nvPr/>
+        </p:nvSpPr>
+        <p:spPr>
+          <a:xfrm rot="10800000">
+            <a:off x="10716187" y="5093020"/>
+            <a:ext cx="190900" cy="1109659"/>
+          </a:xfrm>
+          <a:prstGeom prst="upArrow">
+            <a:avLst/>
+          </a:prstGeom>
+          <a:solidFill>
+            <a:schemeClr val="bg1"/>
+          </a:solidFill>
+          <a:ln>
+            <a:solidFill>
+              <a:srgbClr val="FF6600"/>
+            </a:solidFill>
+          </a:ln>
+        </p:spPr>
+        <p:style>
+          <a:lnRef idx="2">
+            <a:schemeClr val="accent1">
+              <a:shade val="15000"/>
+            </a:schemeClr>
+          </a:lnRef>
+          <a:fillRef idx="1">
+            <a:schemeClr val="accent1"/>
+          </a:fillRef>
+          <a:effectRef idx="0">
+            <a:schemeClr val="accent1"/>
+          </a:effectRef>
+          <a:fontRef idx="minor">
+            <a:schemeClr val="lt1"/>
+          </a:fontRef>
+        </p:style>
+        <p:txBody>
+          <a:bodyPr rtlCol="0" anchor="ctr"/>
+          <a:lstStyle/>
+          <a:p>
+            <a:pPr algn="ctr"/>
+            <a:endParaRPr lang="en-AU" sz="1600">
+              <a:ln>
+                <a:solidFill>
+                  <a:srgbClr val="FF6600"/>
+                </a:solidFill>
+              </a:ln>
+            </a:endParaRPr>
+          </a:p>
+        </p:txBody>
+      </p:sp>
+      <p:sp>
+        <p:nvSpPr>
+          <p:cNvPr id="179" name="Rectangle: Rounded Corners 178">
+            <a:extLst>
+              <a:ext uri="{FF2B5EF4-FFF2-40B4-BE49-F238E27FC236}">
+                <a16:creationId xmlns:a16="http://schemas.microsoft.com/office/drawing/2014/main" id="{A8139625-E906-DFAC-29C6-B300589FDB8B}"/>
+              </a:ext>
+            </a:extLst>
+          </p:cNvPr>
+          <p:cNvSpPr/>
+          <p:nvPr/>
+        </p:nvSpPr>
+        <p:spPr>
+          <a:xfrm>
+            <a:off x="7001487" y="1913589"/>
+            <a:ext cx="497006" cy="513228"/>
+          </a:xfrm>
+          <a:prstGeom prst="roundRect">
+            <a:avLst>
+              <a:gd name="adj" fmla="val 14957"/>
+            </a:avLst>
+          </a:prstGeom>
+          <a:noFill/>
+          <a:ln>
+            <a:solidFill>
+              <a:srgbClr val="CC9900"/>
+            </a:solidFill>
+            <a:prstDash val="dash"/>
+          </a:ln>
+        </p:spPr>
+        <p:style>
+          <a:lnRef idx="2">
+            <a:schemeClr val="accent1">
+              <a:shade val="15000"/>
+            </a:schemeClr>
+          </a:lnRef>
+          <a:fillRef idx="1">
+            <a:schemeClr val="accent1"/>
+          </a:fillRef>
+          <a:effectRef idx="0">
+            <a:schemeClr val="accent1"/>
+          </a:effectRef>
+          <a:fontRef idx="minor">
+            <a:schemeClr val="lt1"/>
+          </a:fontRef>
+        </p:style>
+        <p:txBody>
+          <a:bodyPr rtlCol="0" anchor="ctr"/>
+          <a:lstStyle/>
+          <a:p>
+            <a:pPr algn="ctr"/>
+            <a:endParaRPr lang="en-AU" sz="1600"/>
+          </a:p>
+        </p:txBody>
+      </p:sp>
+      <p:cxnSp>
+        <p:nvCxnSpPr>
+          <p:cNvPr id="187" name="Straight Arrow Connector 186">
+            <a:extLst>
+              <a:ext uri="{FF2B5EF4-FFF2-40B4-BE49-F238E27FC236}">
+                <a16:creationId xmlns:a16="http://schemas.microsoft.com/office/drawing/2014/main" id="{38A04611-5641-A6FE-5B1C-CB33869BBAE4}"/>
+              </a:ext>
+            </a:extLst>
+          </p:cNvPr>
+          <p:cNvCxnSpPr>
+            <a:stCxn id="179" idx="3"/>
+          </p:cNvCxnSpPr>
+          <p:nvPr/>
+        </p:nvCxnSpPr>
+        <p:spPr>
+          <a:xfrm flipV="1">
+            <a:off x="7498493" y="2147757"/>
+            <a:ext cx="2049202" cy="22447"/>
+          </a:xfrm>
+          <a:prstGeom prst="straightConnector1">
+            <a:avLst/>
+          </a:prstGeom>
+          <a:ln w="28575">
+            <a:solidFill>
+              <a:srgbClr val="CC9900"/>
+            </a:solidFill>
+            <a:tailEnd type="triangle"/>
+          </a:ln>
+        </p:spPr>
+        <p:style>
+          <a:lnRef idx="2">
+            <a:schemeClr val="accent1"/>
+          </a:lnRef>
+          <a:fillRef idx="0">
+            <a:schemeClr val="accent1"/>
+          </a:fillRef>
+          <a:effectRef idx="1">
+            <a:schemeClr val="accent1"/>
+          </a:effectRef>
+          <a:fontRef idx="minor">
+            <a:schemeClr val="tx1"/>
+          </a:fontRef>
+        </p:style>
+      </p:cxnSp>
+      <p:sp>
+        <p:nvSpPr>
+          <p:cNvPr id="143" name="Arrow: Up 142">
+            <a:extLst>
+              <a:ext uri="{FF2B5EF4-FFF2-40B4-BE49-F238E27FC236}">
+                <a16:creationId xmlns:a16="http://schemas.microsoft.com/office/drawing/2014/main" id="{FA10CE75-57D8-D781-1C94-CF0DD2D4D005}"/>
+              </a:ext>
+            </a:extLst>
+          </p:cNvPr>
+          <p:cNvSpPr/>
+          <p:nvPr/>
+        </p:nvSpPr>
+        <p:spPr>
+          <a:xfrm rot="10800000">
+            <a:off x="8753058" y="4374730"/>
+            <a:ext cx="190900" cy="507110"/>
+          </a:xfrm>
+          <a:prstGeom prst="upArrow">
+            <a:avLst/>
+          </a:prstGeom>
+          <a:solidFill>
+            <a:schemeClr val="bg1"/>
+          </a:solidFill>
+          <a:ln>
+            <a:solidFill>
+              <a:srgbClr val="9999FF"/>
+            </a:solidFill>
+          </a:ln>
+        </p:spPr>
+        <p:style>
+          <a:lnRef idx="2">
+            <a:schemeClr val="accent1">
+              <a:shade val="15000"/>
+            </a:schemeClr>
+          </a:lnRef>
+          <a:fillRef idx="1">
+            <a:schemeClr val="accent1"/>
+          </a:fillRef>
+          <a:effectRef idx="0">
+            <a:schemeClr val="accent1"/>
+          </a:effectRef>
+          <a:fontRef idx="minor">
+            <a:schemeClr val="lt1"/>
+          </a:fontRef>
+        </p:style>
+        <p:txBody>
+          <a:bodyPr rtlCol="0" anchor="ctr"/>
+          <a:lstStyle/>
+          <a:p>
+            <a:pPr algn="ctr"/>
+            <a:endParaRPr lang="en-AU" sz="1600"/>
+          </a:p>
+        </p:txBody>
+      </p:sp>
+      <p:sp>
+        <p:nvSpPr>
+          <p:cNvPr id="199" name="Arrow: Up 198">
+            <a:extLst>
+              <a:ext uri="{FF2B5EF4-FFF2-40B4-BE49-F238E27FC236}">
+                <a16:creationId xmlns:a16="http://schemas.microsoft.com/office/drawing/2014/main" id="{E64FD364-18F9-34DD-D6CE-FD99BEFD1CFA}"/>
+              </a:ext>
+            </a:extLst>
+          </p:cNvPr>
+          <p:cNvSpPr/>
+          <p:nvPr/>
+        </p:nvSpPr>
+        <p:spPr>
+          <a:xfrm rot="16200000">
+            <a:off x="5584514" y="3981641"/>
+            <a:ext cx="190900" cy="3971512"/>
+          </a:xfrm>
+          <a:prstGeom prst="upArrow">
+            <a:avLst/>
+          </a:prstGeom>
+          <a:solidFill>
+            <a:schemeClr val="bg1"/>
+          </a:solidFill>
+          <a:ln>
+            <a:solidFill>
+              <a:schemeClr val="accent1"/>
+            </a:solidFill>
+            <a:prstDash val="sysDash"/>
+          </a:ln>
+        </p:spPr>
+        <p:style>
+          <a:lnRef idx="2">
+            <a:schemeClr val="accent1">
+              <a:shade val="15000"/>
+            </a:schemeClr>
+          </a:lnRef>
+          <a:fillRef idx="1">
+            <a:schemeClr val="accent1"/>
+          </a:fillRef>
+          <a:effectRef idx="0">
+            <a:schemeClr val="accent1"/>
+          </a:effectRef>
+          <a:fontRef idx="minor">
+            <a:schemeClr val="lt1"/>
+          </a:fontRef>
+        </p:style>
+        <p:txBody>
+          <a:bodyPr rtlCol="0" anchor="ctr"/>
+          <a:lstStyle/>
+          <a:p>
+            <a:pPr algn="ctr"/>
+            <a:endParaRPr lang="en-AU" sz="1600"/>
+          </a:p>
+        </p:txBody>
+      </p:sp>
+      <p:sp>
+        <p:nvSpPr>
+          <p:cNvPr id="200" name="Arrow: Up 199">
+            <a:extLst>
+              <a:ext uri="{FF2B5EF4-FFF2-40B4-BE49-F238E27FC236}">
+                <a16:creationId xmlns:a16="http://schemas.microsoft.com/office/drawing/2014/main" id="{63B4E6D4-892A-AB0B-8C37-427408C389B3}"/>
+              </a:ext>
+            </a:extLst>
+          </p:cNvPr>
+          <p:cNvSpPr/>
+          <p:nvPr/>
+        </p:nvSpPr>
+        <p:spPr>
+          <a:xfrm rot="16200000">
+            <a:off x="6942146" y="3227389"/>
+            <a:ext cx="190900" cy="6686770"/>
+          </a:xfrm>
+          <a:prstGeom prst="upArrow">
+            <a:avLst/>
+          </a:prstGeom>
+          <a:solidFill>
+            <a:schemeClr val="bg1"/>
+          </a:solidFill>
+          <a:ln>
+            <a:solidFill>
+              <a:srgbClr val="FF6600"/>
+            </a:solidFill>
+            <a:prstDash val="sysDash"/>
+          </a:ln>
+        </p:spPr>
+        <p:style>
+          <a:lnRef idx="2">
+            <a:schemeClr val="accent1">
+              <a:shade val="15000"/>
+            </a:schemeClr>
+          </a:lnRef>
+          <a:fillRef idx="1">
+            <a:schemeClr val="accent1"/>
+          </a:fillRef>
+          <a:effectRef idx="0">
+            <a:schemeClr val="accent1"/>
+          </a:effectRef>
+          <a:fontRef idx="minor">
+            <a:schemeClr val="lt1"/>
+          </a:fontRef>
+        </p:style>
+        <p:txBody>
+          <a:bodyPr rtlCol="0" anchor="ctr"/>
+          <a:lstStyle/>
+          <a:p>
+            <a:pPr algn="ctr"/>
+            <a:endParaRPr lang="en-AU" sz="1600"/>
+          </a:p>
+        </p:txBody>
+      </p:sp>
+      <p:sp>
+        <p:nvSpPr>
+          <p:cNvPr id="224" name="Flowchart: Process 223">
+            <a:extLst>
+              <a:ext uri="{FF2B5EF4-FFF2-40B4-BE49-F238E27FC236}">
+                <a16:creationId xmlns:a16="http://schemas.microsoft.com/office/drawing/2014/main" id="{5850D544-B913-B65A-8C60-D618611FE5BE}"/>
+              </a:ext>
+            </a:extLst>
+          </p:cNvPr>
+          <p:cNvSpPr/>
+          <p:nvPr/>
+        </p:nvSpPr>
+        <p:spPr>
+          <a:xfrm>
+            <a:off x="2916364" y="182700"/>
+            <a:ext cx="3712239" cy="539232"/>
+          </a:xfrm>
+          <a:prstGeom prst="flowChartProcess">
+            <a:avLst/>
+          </a:prstGeom>
+          <a:solidFill>
+            <a:schemeClr val="bg1">
+              <a:lumMod val="95000"/>
+            </a:schemeClr>
+          </a:solidFill>
+          <a:ln>
+            <a:noFill/>
+          </a:ln>
+        </p:spPr>
+        <p:style>
+          <a:lnRef idx="2">
+            <a:schemeClr val="dk1"/>
+          </a:lnRef>
+          <a:fillRef idx="1">
+            <a:schemeClr val="lt1"/>
+          </a:fillRef>
+          <a:effectRef idx="0">
+            <a:schemeClr val="dk1"/>
+          </a:effectRef>
+          <a:fontRef idx="minor">
+            <a:schemeClr val="dk1"/>
+          </a:fontRef>
+        </p:style>
+        <p:txBody>
+          <a:bodyPr rtlCol="0" anchor="ctr"/>
+          <a:lstStyle/>
+          <a:p>
+            <a:pPr algn="ctr"/>
+            <a:r>
+              <a:rPr lang="en-AU" sz="1100" dirty="0"/>
+              <a:t>Equation of State Fluid Properties</a:t>
+            </a:r>
+            <a:br>
+              <a:rPr lang="en-AU" sz="1100" dirty="0"/>
+            </a:br>
+            <a:r>
+              <a:rPr lang="en-AU" sz="1100" dirty="0"/>
+              <a:t>for Two-Phase Combined Fluids</a:t>
+            </a:r>
+          </a:p>
+        </p:txBody>
+      </p:sp>
+      <p:sp>
+        <p:nvSpPr>
+          <p:cNvPr id="225" name="Flowchart: Process 224">
+            <a:extLst>
+              <a:ext uri="{FF2B5EF4-FFF2-40B4-BE49-F238E27FC236}">
+                <a16:creationId xmlns:a16="http://schemas.microsoft.com/office/drawing/2014/main" id="{73962CF5-560B-40B2-C5C0-9C0ACB98FB0D}"/>
+              </a:ext>
+            </a:extLst>
+          </p:cNvPr>
+          <p:cNvSpPr/>
+          <p:nvPr/>
+        </p:nvSpPr>
+        <p:spPr>
+          <a:xfrm>
+            <a:off x="6841989" y="182700"/>
+            <a:ext cx="2428273" cy="539232"/>
+          </a:xfrm>
+          <a:prstGeom prst="flowChartProcess">
+            <a:avLst/>
+          </a:prstGeom>
+          <a:solidFill>
+            <a:schemeClr val="bg1">
+              <a:lumMod val="95000"/>
+            </a:schemeClr>
+          </a:solidFill>
+          <a:ln>
+            <a:noFill/>
+          </a:ln>
+        </p:spPr>
+        <p:style>
+          <a:lnRef idx="2">
+            <a:schemeClr val="dk1"/>
+          </a:lnRef>
+          <a:fillRef idx="1">
+            <a:schemeClr val="lt1"/>
+          </a:fillRef>
+          <a:effectRef idx="0">
+            <a:schemeClr val="dk1"/>
+          </a:effectRef>
+          <a:fontRef idx="minor">
+            <a:schemeClr val="dk1"/>
+          </a:fontRef>
+        </p:style>
+        <p:txBody>
+          <a:bodyPr rtlCol="0" anchor="ctr"/>
+          <a:lstStyle/>
+          <a:p>
+            <a:pPr algn="ctr"/>
+            <a:r>
+              <a:rPr lang="en-AU" sz="1100" dirty="0"/>
+              <a:t>Total Pressure Gradient from Pipe Fractional Flow Theory</a:t>
+            </a:r>
+          </a:p>
+        </p:txBody>
+      </p:sp>
+      <p:cxnSp>
+        <p:nvCxnSpPr>
+          <p:cNvPr id="238" name="Straight Arrow Connector 237">
+            <a:extLst>
+              <a:ext uri="{FF2B5EF4-FFF2-40B4-BE49-F238E27FC236}">
+                <a16:creationId xmlns:a16="http://schemas.microsoft.com/office/drawing/2014/main" id="{5D058A83-D87D-9717-F17D-FDE319F62B05}"/>
+              </a:ext>
+            </a:extLst>
+          </p:cNvPr>
+          <p:cNvCxnSpPr>
+            <a:stCxn id="133" idx="3"/>
+          </p:cNvCxnSpPr>
+          <p:nvPr/>
+        </p:nvCxnSpPr>
+        <p:spPr>
+          <a:xfrm>
+            <a:off x="9174493" y="4121710"/>
+            <a:ext cx="373202" cy="0"/>
+          </a:xfrm>
+          <a:prstGeom prst="straightConnector1">
+            <a:avLst/>
+          </a:prstGeom>
+          <a:ln w="28575">
+            <a:solidFill>
+              <a:srgbClr val="CCCCFF"/>
+            </a:solidFill>
+            <a:tailEnd type="triangle"/>
+          </a:ln>
+        </p:spPr>
+        <p:style>
+          <a:lnRef idx="2">
+            <a:schemeClr val="accent1"/>
+          </a:lnRef>
+          <a:fillRef idx="0">
+            <a:schemeClr val="accent1"/>
+          </a:fillRef>
+          <a:effectRef idx="1">
+            <a:schemeClr val="accent1"/>
+          </a:effectRef>
+          <a:fontRef idx="minor">
+            <a:schemeClr val="tx1"/>
+          </a:fontRef>
+        </p:style>
+      </p:cxnSp>
+      <p:cxnSp>
+        <p:nvCxnSpPr>
+          <p:cNvPr id="253" name="Connector: Elbow 252">
+            <a:extLst>
+              <a:ext uri="{FF2B5EF4-FFF2-40B4-BE49-F238E27FC236}">
+                <a16:creationId xmlns:a16="http://schemas.microsoft.com/office/drawing/2014/main" id="{7DFCDFCD-F8C7-F81C-B24C-54581B1E73B6}"/>
+              </a:ext>
+            </a:extLst>
+          </p:cNvPr>
+          <p:cNvCxnSpPr>
+            <a:stCxn id="98" idx="3"/>
+            <a:endCxn id="133" idx="0"/>
+          </p:cNvCxnSpPr>
+          <p:nvPr/>
+        </p:nvCxnSpPr>
+        <p:spPr>
+          <a:xfrm>
+            <a:off x="7495381" y="2796054"/>
+            <a:ext cx="1349638" cy="1139442"/>
+          </a:xfrm>
+          <a:prstGeom prst="bentConnector2">
+            <a:avLst/>
+          </a:prstGeom>
+          <a:ln w="28575">
+            <a:solidFill>
+              <a:srgbClr val="993300"/>
+            </a:solidFill>
+            <a:tailEnd type="triangle"/>
+          </a:ln>
+        </p:spPr>
+        <p:style>
+          <a:lnRef idx="2">
+            <a:schemeClr val="accent1"/>
+          </a:lnRef>
+          <a:fillRef idx="0">
+            <a:schemeClr val="accent1"/>
+          </a:fillRef>
+          <a:effectRef idx="1">
+            <a:schemeClr val="accent1"/>
+          </a:effectRef>
+          <a:fontRef idx="minor">
+            <a:schemeClr val="tx1"/>
+          </a:fontRef>
+        </p:style>
+      </p:cxnSp>
+      <p:cxnSp>
+        <p:nvCxnSpPr>
+          <p:cNvPr id="255" name="Connector: Elbow 254">
+            <a:extLst>
+              <a:ext uri="{FF2B5EF4-FFF2-40B4-BE49-F238E27FC236}">
+                <a16:creationId xmlns:a16="http://schemas.microsoft.com/office/drawing/2014/main" id="{24F7D14A-9E15-F225-C0BA-BB38F6ACA6FA}"/>
+              </a:ext>
+            </a:extLst>
+          </p:cNvPr>
+          <p:cNvCxnSpPr>
+            <a:stCxn id="98" idx="3"/>
+            <a:endCxn id="84" idx="0"/>
+          </p:cNvCxnSpPr>
+          <p:nvPr/>
+        </p:nvCxnSpPr>
+        <p:spPr>
+          <a:xfrm>
+            <a:off x="7495381" y="2796054"/>
+            <a:ext cx="558426" cy="458993"/>
+          </a:xfrm>
+          <a:prstGeom prst="bentConnector2">
+            <a:avLst/>
+          </a:prstGeom>
+          <a:ln w="28575">
+            <a:solidFill>
+              <a:srgbClr val="993300"/>
+            </a:solidFill>
+            <a:tailEnd type="triangle"/>
+          </a:ln>
+        </p:spPr>
+        <p:style>
+          <a:lnRef idx="2">
+            <a:schemeClr val="accent1"/>
+          </a:lnRef>
+          <a:fillRef idx="0">
+            <a:schemeClr val="accent1"/>
+          </a:fillRef>
+          <a:effectRef idx="1">
+            <a:schemeClr val="accent1"/>
+          </a:effectRef>
+          <a:fontRef idx="minor">
+            <a:schemeClr val="tx1"/>
+          </a:fontRef>
+        </p:style>
+      </p:cxnSp>
+      <p:cxnSp>
+        <p:nvCxnSpPr>
+          <p:cNvPr id="266" name="Straight Arrow Connector 265">
+            <a:extLst>
+              <a:ext uri="{FF2B5EF4-FFF2-40B4-BE49-F238E27FC236}">
+                <a16:creationId xmlns:a16="http://schemas.microsoft.com/office/drawing/2014/main" id="{E1A261ED-DF3B-96C5-F496-EC76227D7F3B}"/>
+              </a:ext>
+            </a:extLst>
+          </p:cNvPr>
+          <p:cNvCxnSpPr>
+            <a:cxnSpLocks/>
+            <a:stCxn id="9" idx="3"/>
+            <a:endCxn id="14" idx="1"/>
+          </p:cNvCxnSpPr>
+          <p:nvPr/>
+        </p:nvCxnSpPr>
+        <p:spPr>
+          <a:xfrm>
+            <a:off x="2600839" y="5237450"/>
+            <a:ext cx="1515680" cy="0"/>
+          </a:xfrm>
+          <a:prstGeom prst="straightConnector1">
+            <a:avLst/>
+          </a:prstGeom>
+          <a:ln w="28575">
+            <a:solidFill>
+              <a:srgbClr val="0000FF"/>
+            </a:solidFill>
+            <a:tailEnd type="triangle"/>
+          </a:ln>
+        </p:spPr>
+        <p:style>
+          <a:lnRef idx="2">
+            <a:schemeClr val="accent1"/>
+          </a:lnRef>
+          <a:fillRef idx="0">
+            <a:schemeClr val="accent1"/>
+          </a:fillRef>
+          <a:effectRef idx="1">
+            <a:schemeClr val="accent1"/>
+          </a:effectRef>
+          <a:fontRef idx="minor">
+            <a:schemeClr val="tx1"/>
+          </a:fontRef>
+        </p:style>
+      </p:cxnSp>
+      <p:sp>
+        <p:nvSpPr>
+          <p:cNvPr id="279" name="TextBox 278">
+            <a:extLst>
+              <a:ext uri="{FF2B5EF4-FFF2-40B4-BE49-F238E27FC236}">
+                <a16:creationId xmlns:a16="http://schemas.microsoft.com/office/drawing/2014/main" id="{7E031518-48BF-96E3-76B8-1D3BC42BC213}"/>
+              </a:ext>
+            </a:extLst>
+          </p:cNvPr>
+          <p:cNvSpPr txBox="1"/>
+          <p:nvPr/>
+        </p:nvSpPr>
+        <p:spPr>
+          <a:xfrm>
+            <a:off x="9827442" y="2917955"/>
+            <a:ext cx="359394" cy="338554"/>
+          </a:xfrm>
+          <a:prstGeom prst="rect">
+            <a:avLst/>
+          </a:prstGeom>
+          <a:noFill/>
+        </p:spPr>
+        <p:txBody>
+          <a:bodyPr wrap="none" rtlCol="0">
+            <a:spAutoFit/>
+          </a:bodyPr>
+          <a:lstStyle/>
+          <a:p>
+            <a:pPr algn="ctr"/>
+            <a:r>
+              <a:rPr lang="en-AU" sz="1600" dirty="0">
+                <a:latin typeface="Times New Roman" panose="02020603050405020304" pitchFamily="18" charset="0"/>
+                <a:cs typeface="Times New Roman" panose="02020603050405020304" pitchFamily="18" charset="0"/>
+              </a:rPr>
+              <a:t>F</a:t>
+            </a:r>
+            <a:r>
+              <a:rPr lang="en-AU" sz="1600" baseline="-25000" dirty="0">
+                <a:latin typeface="Times New Roman" panose="02020603050405020304" pitchFamily="18" charset="0"/>
+                <a:cs typeface="Times New Roman" panose="02020603050405020304" pitchFamily="18" charset="0"/>
+              </a:rPr>
+              <a:t>c</a:t>
+            </a:r>
+          </a:p>
+        </p:txBody>
+      </p:sp>
+      <p:sp>
+        <p:nvSpPr>
+          <p:cNvPr id="280" name="TextBox 279">
+            <a:extLst>
+              <a:ext uri="{FF2B5EF4-FFF2-40B4-BE49-F238E27FC236}">
+                <a16:creationId xmlns:a16="http://schemas.microsoft.com/office/drawing/2014/main" id="{83AEF27C-422B-C5E2-804A-FC46E6CF3EE6}"/>
+              </a:ext>
+            </a:extLst>
+          </p:cNvPr>
+          <p:cNvSpPr txBox="1"/>
+          <p:nvPr/>
+        </p:nvSpPr>
+        <p:spPr>
+          <a:xfrm>
+            <a:off x="9841068" y="3687532"/>
+            <a:ext cx="332142" cy="338554"/>
+          </a:xfrm>
+          <a:prstGeom prst="rect">
+            <a:avLst/>
+          </a:prstGeom>
+          <a:noFill/>
+        </p:spPr>
+        <p:txBody>
+          <a:bodyPr wrap="none" rtlCol="0">
+            <a:spAutoFit/>
+          </a:bodyPr>
+          <a:lstStyle/>
+          <a:p>
+            <a:pPr algn="ctr"/>
+            <a:r>
+              <a:rPr lang="en-AU" sz="1600" dirty="0">
+                <a:latin typeface="Times New Roman" panose="02020603050405020304" pitchFamily="18" charset="0"/>
+                <a:cs typeface="Times New Roman" panose="02020603050405020304" pitchFamily="18" charset="0"/>
+              </a:rPr>
+              <a:t>A</a:t>
+            </a:r>
+            <a:endParaRPr lang="en-AU" sz="1600" baseline="-25000" dirty="0">
+              <a:latin typeface="Times New Roman" panose="02020603050405020304" pitchFamily="18" charset="0"/>
+              <a:cs typeface="Times New Roman" panose="02020603050405020304" pitchFamily="18" charset="0"/>
+            </a:endParaRPr>
+          </a:p>
+        </p:txBody>
+      </p:sp>
+      <p:sp>
+        <p:nvSpPr>
+          <p:cNvPr id="281" name="TextBox 280">
+            <a:extLst>
+              <a:ext uri="{FF2B5EF4-FFF2-40B4-BE49-F238E27FC236}">
+                <a16:creationId xmlns:a16="http://schemas.microsoft.com/office/drawing/2014/main" id="{B0FC9EEF-D8E2-C622-4A12-E87F4E6F2D3E}"/>
+              </a:ext>
+            </a:extLst>
+          </p:cNvPr>
+          <p:cNvSpPr txBox="1"/>
+          <p:nvPr/>
+        </p:nvSpPr>
+        <p:spPr>
+          <a:xfrm>
+            <a:off x="9841068" y="4457109"/>
+            <a:ext cx="332142" cy="338554"/>
+          </a:xfrm>
+          <a:prstGeom prst="rect">
+            <a:avLst/>
+          </a:prstGeom>
+          <a:noFill/>
+        </p:spPr>
+        <p:txBody>
+          <a:bodyPr wrap="none" rtlCol="0">
+            <a:spAutoFit/>
+          </a:bodyPr>
+          <a:lstStyle/>
+          <a:p>
+            <a:pPr algn="ctr"/>
+            <a:r>
+              <a:rPr lang="en-AU" sz="1600" dirty="0">
+                <a:latin typeface="Times New Roman" panose="02020603050405020304" pitchFamily="18" charset="0"/>
+                <a:cs typeface="Times New Roman" panose="02020603050405020304" pitchFamily="18" charset="0"/>
+              </a:rPr>
+              <a:t>U</a:t>
+            </a:r>
+            <a:endParaRPr lang="en-AU" sz="1600" baseline="-25000" dirty="0">
+              <a:latin typeface="Times New Roman" panose="02020603050405020304" pitchFamily="18" charset="0"/>
+              <a:cs typeface="Times New Roman" panose="02020603050405020304" pitchFamily="18" charset="0"/>
+            </a:endParaRPr>
+          </a:p>
+        </p:txBody>
+      </p:sp>
+      <p:sp>
+        <p:nvSpPr>
+          <p:cNvPr id="286" name="Flowchart: Process 285">
+            <a:extLst>
+              <a:ext uri="{FF2B5EF4-FFF2-40B4-BE49-F238E27FC236}">
+                <a16:creationId xmlns:a16="http://schemas.microsoft.com/office/drawing/2014/main" id="{EEA1192D-9C4B-13AB-AB5A-D423CF2B93E9}"/>
+              </a:ext>
+            </a:extLst>
+          </p:cNvPr>
+          <p:cNvSpPr/>
+          <p:nvPr/>
+        </p:nvSpPr>
+        <p:spPr>
+          <a:xfrm>
+            <a:off x="10228033" y="3595203"/>
+            <a:ext cx="1586023" cy="539232"/>
+          </a:xfrm>
+          <a:prstGeom prst="flowChartProcess">
+            <a:avLst/>
+          </a:prstGeom>
+          <a:solidFill>
+            <a:schemeClr val="bg1">
+              <a:lumMod val="95000"/>
+            </a:schemeClr>
+          </a:solidFill>
+          <a:ln>
+            <a:noFill/>
+          </a:ln>
+        </p:spPr>
+        <p:style>
+          <a:lnRef idx="2">
+            <a:schemeClr val="dk1"/>
+          </a:lnRef>
+          <a:fillRef idx="1">
+            <a:schemeClr val="lt1"/>
+          </a:fillRef>
+          <a:effectRef idx="0">
+            <a:schemeClr val="dk1"/>
+          </a:effectRef>
+          <a:fontRef idx="minor">
+            <a:schemeClr val="dk1"/>
+          </a:fontRef>
+        </p:style>
+        <p:txBody>
+          <a:bodyPr rtlCol="0" anchor="ctr"/>
+          <a:lstStyle/>
+          <a:p>
+            <a:pPr algn="ctr"/>
+            <a:r>
+              <a:rPr lang="en-AU" sz="1100" dirty="0"/>
+              <a:t>Coefficient</a:t>
+            </a:r>
+          </a:p>
+        </p:txBody>
+      </p:sp>
+      <p:sp>
+        <p:nvSpPr>
+          <p:cNvPr id="287" name="Flowchart: Process 286">
+            <a:extLst>
+              <a:ext uri="{FF2B5EF4-FFF2-40B4-BE49-F238E27FC236}">
+                <a16:creationId xmlns:a16="http://schemas.microsoft.com/office/drawing/2014/main" id="{7C93CE47-E60F-4BD1-A789-7EC36E9BF2EC}"/>
+              </a:ext>
+            </a:extLst>
+          </p:cNvPr>
+          <p:cNvSpPr/>
+          <p:nvPr/>
+        </p:nvSpPr>
+        <p:spPr>
+          <a:xfrm>
+            <a:off x="10230045" y="4337809"/>
+            <a:ext cx="1586023" cy="539232"/>
+          </a:xfrm>
+          <a:prstGeom prst="flowChartProcess">
+            <a:avLst/>
+          </a:prstGeom>
+          <a:solidFill>
+            <a:schemeClr val="bg1">
+              <a:lumMod val="95000"/>
+            </a:schemeClr>
+          </a:solidFill>
+          <a:ln>
+            <a:noFill/>
+          </a:ln>
+        </p:spPr>
+        <p:style>
+          <a:lnRef idx="2">
+            <a:schemeClr val="dk1"/>
+          </a:lnRef>
+          <a:fillRef idx="1">
+            <a:schemeClr val="lt1"/>
+          </a:fillRef>
+          <a:effectRef idx="0">
+            <a:schemeClr val="dk1"/>
+          </a:effectRef>
+          <a:fontRef idx="minor">
+            <a:schemeClr val="dk1"/>
+          </a:fontRef>
+        </p:style>
+        <p:txBody>
+          <a:bodyPr rtlCol="0" anchor="ctr"/>
+          <a:lstStyle/>
+          <a:p>
+            <a:pPr algn="ctr"/>
+            <a:r>
+              <a:rPr lang="en-AU" sz="1100" dirty="0"/>
+              <a:t>Wellbore Heat Transfer Coefficient</a:t>
+            </a:r>
+          </a:p>
+        </p:txBody>
+      </p:sp>
+      <p:sp>
+        <p:nvSpPr>
+          <p:cNvPr id="7" name="Rectangle: Rounded Corners 6">
+            <a:extLst>
+              <a:ext uri="{FF2B5EF4-FFF2-40B4-BE49-F238E27FC236}">
+                <a16:creationId xmlns:a16="http://schemas.microsoft.com/office/drawing/2014/main" id="{1C8CD95A-BE0C-85CD-0EE3-AFF8C6AA249A}"/>
+              </a:ext>
+            </a:extLst>
+          </p:cNvPr>
+          <p:cNvSpPr/>
+          <p:nvPr/>
+        </p:nvSpPr>
+        <p:spPr>
+          <a:xfrm>
+            <a:off x="1638051" y="1609701"/>
+            <a:ext cx="962789" cy="655232"/>
+          </a:xfrm>
+          <a:prstGeom prst="roundRect">
+            <a:avLst/>
+          </a:prstGeom>
+          <a:solidFill>
+            <a:schemeClr val="tx1">
+              <a:lumMod val="50000"/>
+              <a:lumOff val="50000"/>
+            </a:schemeClr>
+          </a:solidFill>
+          <a:ln w="57150">
+            <a:solidFill>
+              <a:srgbClr val="FF0000"/>
+            </a:solidFill>
+          </a:ln>
+        </p:spPr>
+        <p:style>
+          <a:lnRef idx="2">
+            <a:schemeClr val="accent1">
+              <a:shade val="15000"/>
+            </a:schemeClr>
+          </a:lnRef>
+          <a:fillRef idx="1">
+            <a:schemeClr val="accent1"/>
+          </a:fillRef>
+          <a:effectRef idx="0">
+            <a:schemeClr val="accent1"/>
+          </a:effectRef>
+          <a:fontRef idx="minor">
+            <a:schemeClr val="lt1"/>
+          </a:fontRef>
+        </p:style>
+        <p:txBody>
+          <a:bodyPr rtlCol="0" anchor="ctr"/>
+          <a:lstStyle/>
+          <a:p>
+            <a:pPr algn="ctr"/>
+            <a:r>
+              <a:rPr lang="en-AU" sz="1200" b="1" dirty="0"/>
+              <a:t>Reservoir</a:t>
+            </a:r>
+            <a:br>
+              <a:rPr lang="en-AU" sz="1200" b="1" dirty="0"/>
+            </a:br>
+            <a:r>
+              <a:rPr lang="en-AU" sz="1200" b="1" dirty="0"/>
+              <a:t>Gas</a:t>
+            </a:r>
+          </a:p>
+        </p:txBody>
+      </p:sp>
+      <p:cxnSp>
+        <p:nvCxnSpPr>
+          <p:cNvPr id="355" name="Straight Arrow Connector 354">
+            <a:extLst>
+              <a:ext uri="{FF2B5EF4-FFF2-40B4-BE49-F238E27FC236}">
+                <a16:creationId xmlns:a16="http://schemas.microsoft.com/office/drawing/2014/main" id="{AF47C431-8EA6-B331-CFDD-CCF6E943B5EF}"/>
+              </a:ext>
+            </a:extLst>
+          </p:cNvPr>
+          <p:cNvCxnSpPr>
+            <a:cxnSpLocks/>
+          </p:cNvCxnSpPr>
+          <p:nvPr/>
+        </p:nvCxnSpPr>
+        <p:spPr>
+          <a:xfrm flipV="1">
+            <a:off x="6319248" y="2455422"/>
+            <a:ext cx="598155" cy="970"/>
+          </a:xfrm>
+          <a:prstGeom prst="straightConnector1">
+            <a:avLst/>
+          </a:prstGeom>
+          <a:ln w="28575">
+            <a:solidFill>
+              <a:srgbClr val="800080"/>
+            </a:solidFill>
+            <a:tailEnd type="triangle"/>
+          </a:ln>
+        </p:spPr>
+        <p:style>
+          <a:lnRef idx="2">
+            <a:schemeClr val="accent1"/>
+          </a:lnRef>
+          <a:fillRef idx="0">
+            <a:schemeClr val="accent1"/>
+          </a:fillRef>
+          <a:effectRef idx="1">
+            <a:schemeClr val="accent1"/>
+          </a:effectRef>
+          <a:fontRef idx="minor">
+            <a:schemeClr val="tx1"/>
+          </a:fontRef>
+        </p:style>
+      </p:cxnSp>
+      <p:cxnSp>
+        <p:nvCxnSpPr>
+          <p:cNvPr id="361" name="Straight Connector 360">
+            <a:extLst>
+              <a:ext uri="{FF2B5EF4-FFF2-40B4-BE49-F238E27FC236}">
+                <a16:creationId xmlns:a16="http://schemas.microsoft.com/office/drawing/2014/main" id="{04A05102-9C07-61E4-291F-E148962744A9}"/>
+              </a:ext>
+            </a:extLst>
+          </p:cNvPr>
+          <p:cNvCxnSpPr>
+            <a:cxnSpLocks/>
+            <a:stCxn id="97" idx="3"/>
+          </p:cNvCxnSpPr>
+          <p:nvPr/>
+        </p:nvCxnSpPr>
+        <p:spPr>
+          <a:xfrm>
+            <a:off x="6311165" y="4619845"/>
+            <a:ext cx="371575" cy="0"/>
+          </a:xfrm>
+          <a:prstGeom prst="line">
+            <a:avLst/>
+          </a:prstGeom>
+          <a:ln w="28575">
+            <a:solidFill>
+              <a:srgbClr val="800080"/>
+            </a:solidFill>
+            <a:headEnd type="none" w="med" len="med"/>
+            <a:tailEnd type="none" w="med" len="med"/>
+          </a:ln>
+        </p:spPr>
+        <p:style>
+          <a:lnRef idx="2">
+            <a:schemeClr val="accent1"/>
+          </a:lnRef>
+          <a:fillRef idx="0">
+            <a:schemeClr val="accent1"/>
+          </a:fillRef>
+          <a:effectRef idx="1">
+            <a:schemeClr val="accent1"/>
+          </a:effectRef>
+          <a:fontRef idx="minor">
+            <a:schemeClr val="tx1"/>
+          </a:fontRef>
+        </p:style>
+      </p:cxnSp>
+      <p:cxnSp>
+        <p:nvCxnSpPr>
+          <p:cNvPr id="365" name="Straight Connector 364">
+            <a:extLst>
+              <a:ext uri="{FF2B5EF4-FFF2-40B4-BE49-F238E27FC236}">
+                <a16:creationId xmlns:a16="http://schemas.microsoft.com/office/drawing/2014/main" id="{44C973A5-DB24-CBBC-61B9-6D86F6C95AB2}"/>
+              </a:ext>
+            </a:extLst>
+          </p:cNvPr>
+          <p:cNvCxnSpPr>
+            <a:cxnSpLocks/>
+          </p:cNvCxnSpPr>
+          <p:nvPr/>
+        </p:nvCxnSpPr>
+        <p:spPr>
+          <a:xfrm>
+            <a:off x="6395872" y="4911713"/>
+            <a:ext cx="396088" cy="0"/>
+          </a:xfrm>
+          <a:prstGeom prst="line">
+            <a:avLst/>
+          </a:prstGeom>
+          <a:ln w="28575">
+            <a:solidFill>
+              <a:srgbClr val="FF33CC"/>
+            </a:solidFill>
+            <a:headEnd type="none" w="med" len="med"/>
+            <a:tailEnd type="none" w="med" len="med"/>
+          </a:ln>
+        </p:spPr>
+        <p:style>
+          <a:lnRef idx="2">
+            <a:schemeClr val="accent1"/>
+          </a:lnRef>
+          <a:fillRef idx="0">
+            <a:schemeClr val="accent1"/>
+          </a:fillRef>
+          <a:effectRef idx="1">
+            <a:schemeClr val="accent1"/>
+          </a:effectRef>
+          <a:fontRef idx="minor">
+            <a:schemeClr val="tx1"/>
+          </a:fontRef>
+        </p:style>
+      </p:cxnSp>
+      <p:cxnSp>
+        <p:nvCxnSpPr>
+          <p:cNvPr id="366" name="Straight Connector 365">
+            <a:extLst>
+              <a:ext uri="{FF2B5EF4-FFF2-40B4-BE49-F238E27FC236}">
+                <a16:creationId xmlns:a16="http://schemas.microsoft.com/office/drawing/2014/main" id="{6F45FD04-5700-EBD8-0B9A-DFB13DA662DF}"/>
+              </a:ext>
+            </a:extLst>
+          </p:cNvPr>
+          <p:cNvCxnSpPr>
+            <a:cxnSpLocks/>
+          </p:cNvCxnSpPr>
+          <p:nvPr/>
+        </p:nvCxnSpPr>
+        <p:spPr>
+          <a:xfrm>
+            <a:off x="6791299" y="2746038"/>
+            <a:ext cx="0" cy="2164908"/>
+          </a:xfrm>
+          <a:prstGeom prst="line">
+            <a:avLst/>
+          </a:prstGeom>
+          <a:ln w="28575">
+            <a:solidFill>
+              <a:srgbClr val="FF33CC"/>
+            </a:solidFill>
+            <a:headEnd type="none" w="med" len="med"/>
+            <a:tailEnd type="none" w="med" len="med"/>
+          </a:ln>
+        </p:spPr>
+        <p:style>
+          <a:lnRef idx="2">
+            <a:schemeClr val="accent1"/>
+          </a:lnRef>
+          <a:fillRef idx="0">
+            <a:schemeClr val="accent1"/>
+          </a:fillRef>
+          <a:effectRef idx="1">
+            <a:schemeClr val="accent1"/>
+          </a:effectRef>
+          <a:fontRef idx="minor">
+            <a:schemeClr val="tx1"/>
+          </a:fontRef>
+        </p:style>
+      </p:cxnSp>
+      <p:cxnSp>
+        <p:nvCxnSpPr>
+          <p:cNvPr id="368" name="Straight Connector 367">
+            <a:extLst>
+              <a:ext uri="{FF2B5EF4-FFF2-40B4-BE49-F238E27FC236}">
+                <a16:creationId xmlns:a16="http://schemas.microsoft.com/office/drawing/2014/main" id="{5A12CD69-01D4-E3C6-AB36-7CD19DF94974}"/>
+              </a:ext>
+            </a:extLst>
+          </p:cNvPr>
+          <p:cNvCxnSpPr>
+            <a:cxnSpLocks/>
+          </p:cNvCxnSpPr>
+          <p:nvPr/>
+        </p:nvCxnSpPr>
+        <p:spPr>
+          <a:xfrm>
+            <a:off x="6789420" y="3542374"/>
+            <a:ext cx="934913" cy="0"/>
+          </a:xfrm>
+          <a:prstGeom prst="line">
+            <a:avLst/>
+          </a:prstGeom>
+          <a:ln w="28575">
+            <a:solidFill>
+              <a:srgbClr val="FF33CC"/>
+            </a:solidFill>
+            <a:tailEnd type="triangle"/>
+          </a:ln>
+        </p:spPr>
+        <p:style>
+          <a:lnRef idx="2">
+            <a:schemeClr val="accent1"/>
+          </a:lnRef>
+          <a:fillRef idx="0">
+            <a:schemeClr val="accent1"/>
+          </a:fillRef>
+          <a:effectRef idx="1">
+            <a:schemeClr val="accent1"/>
+          </a:effectRef>
+          <a:fontRef idx="minor">
+            <a:schemeClr val="tx1"/>
+          </a:fontRef>
+        </p:style>
+      </p:cxnSp>
+      <p:cxnSp>
+        <p:nvCxnSpPr>
+          <p:cNvPr id="370" name="Straight Connector 369">
+            <a:extLst>
+              <a:ext uri="{FF2B5EF4-FFF2-40B4-BE49-F238E27FC236}">
+                <a16:creationId xmlns:a16="http://schemas.microsoft.com/office/drawing/2014/main" id="{58B2DC84-FA98-5D20-7888-FB4143CE2044}"/>
+              </a:ext>
+            </a:extLst>
+          </p:cNvPr>
+          <p:cNvCxnSpPr>
+            <a:cxnSpLocks/>
+          </p:cNvCxnSpPr>
+          <p:nvPr/>
+        </p:nvCxnSpPr>
+        <p:spPr>
+          <a:xfrm>
+            <a:off x="6395872" y="2750471"/>
+            <a:ext cx="396088" cy="0"/>
+          </a:xfrm>
+          <a:prstGeom prst="line">
+            <a:avLst/>
+          </a:prstGeom>
+          <a:ln w="28575">
+            <a:solidFill>
+              <a:srgbClr val="FF33CC"/>
+            </a:solidFill>
+            <a:headEnd type="none" w="med" len="med"/>
+            <a:tailEnd type="none" w="med" len="med"/>
+          </a:ln>
+        </p:spPr>
+        <p:style>
+          <a:lnRef idx="2">
+            <a:schemeClr val="accent1"/>
+          </a:lnRef>
+          <a:fillRef idx="0">
+            <a:schemeClr val="accent1"/>
+          </a:fillRef>
+          <a:effectRef idx="1">
+            <a:schemeClr val="accent1"/>
+          </a:effectRef>
+          <a:fontRef idx="minor">
+            <a:schemeClr val="tx1"/>
+          </a:fontRef>
+        </p:style>
+      </p:cxnSp>
+      <p:cxnSp>
+        <p:nvCxnSpPr>
+          <p:cNvPr id="357" name="Straight Connector 356">
+            <a:extLst>
+              <a:ext uri="{FF2B5EF4-FFF2-40B4-BE49-F238E27FC236}">
+                <a16:creationId xmlns:a16="http://schemas.microsoft.com/office/drawing/2014/main" id="{5985BFA6-FE14-B80D-8DEE-6DF44820FCD5}"/>
+              </a:ext>
+            </a:extLst>
+          </p:cNvPr>
+          <p:cNvCxnSpPr>
+            <a:cxnSpLocks/>
+          </p:cNvCxnSpPr>
+          <p:nvPr/>
+        </p:nvCxnSpPr>
+        <p:spPr>
+          <a:xfrm>
+            <a:off x="6682740" y="2454937"/>
+            <a:ext cx="0" cy="2164908"/>
+          </a:xfrm>
+          <a:prstGeom prst="line">
+            <a:avLst/>
+          </a:prstGeom>
+          <a:ln w="28575">
+            <a:solidFill>
+              <a:srgbClr val="800080"/>
+            </a:solidFill>
+            <a:headEnd type="none" w="med" len="med"/>
+            <a:tailEnd type="none" w="med" len="med"/>
+          </a:ln>
+        </p:spPr>
+        <p:style>
+          <a:lnRef idx="2">
+            <a:schemeClr val="accent1"/>
+          </a:lnRef>
+          <a:fillRef idx="0">
+            <a:schemeClr val="accent1"/>
+          </a:fillRef>
+          <a:effectRef idx="1">
+            <a:schemeClr val="accent1"/>
+          </a:effectRef>
+          <a:fontRef idx="minor">
+            <a:schemeClr val="tx1"/>
+          </a:fontRef>
+        </p:style>
+      </p:cxnSp>
+      <p:cxnSp>
+        <p:nvCxnSpPr>
+          <p:cNvPr id="358" name="Straight Arrow Connector 357">
+            <a:extLst>
+              <a:ext uri="{FF2B5EF4-FFF2-40B4-BE49-F238E27FC236}">
+                <a16:creationId xmlns:a16="http://schemas.microsoft.com/office/drawing/2014/main" id="{0FE86AF2-6B88-2700-63F2-5DB6C44EE183}"/>
+              </a:ext>
+            </a:extLst>
+          </p:cNvPr>
+          <p:cNvCxnSpPr>
+            <a:cxnSpLocks/>
+          </p:cNvCxnSpPr>
+          <p:nvPr/>
+        </p:nvCxnSpPr>
+        <p:spPr>
+          <a:xfrm>
+            <a:off x="6677913" y="4124140"/>
+            <a:ext cx="1837630" cy="0"/>
+          </a:xfrm>
+          <a:prstGeom prst="straightConnector1">
+            <a:avLst/>
+          </a:prstGeom>
+          <a:ln w="28575">
+            <a:solidFill>
+              <a:srgbClr val="800080"/>
+            </a:solidFill>
+            <a:tailEnd type="triangle"/>
+          </a:ln>
+        </p:spPr>
+        <p:style>
+          <a:lnRef idx="2">
+            <a:schemeClr val="accent1"/>
+          </a:lnRef>
+          <a:fillRef idx="0">
+            <a:schemeClr val="accent1"/>
+          </a:fillRef>
+          <a:effectRef idx="1">
+            <a:schemeClr val="accent1"/>
+          </a:effectRef>
+          <a:fontRef idx="minor">
+            <a:schemeClr val="tx1"/>
+          </a:fontRef>
+        </p:style>
+      </p:cxnSp>
+      <p:sp>
+        <p:nvSpPr>
+          <p:cNvPr id="100" name="Arrow: Up 99">
+            <a:extLst>
+              <a:ext uri="{FF2B5EF4-FFF2-40B4-BE49-F238E27FC236}">
+                <a16:creationId xmlns:a16="http://schemas.microsoft.com/office/drawing/2014/main" id="{2A9A2C53-F438-AFEF-EB86-EE0ECB49FE8E}"/>
+              </a:ext>
+            </a:extLst>
+          </p:cNvPr>
+          <p:cNvSpPr/>
+          <p:nvPr/>
+        </p:nvSpPr>
+        <p:spPr>
+          <a:xfrm rot="10800000">
+            <a:off x="7163783" y="3159791"/>
+            <a:ext cx="190900" cy="1722050"/>
+          </a:xfrm>
+          <a:prstGeom prst="upArrow">
+            <a:avLst/>
+          </a:prstGeom>
+          <a:solidFill>
+            <a:schemeClr val="bg1"/>
+          </a:solidFill>
+          <a:ln>
+            <a:solidFill>
+              <a:srgbClr val="800080"/>
+            </a:solidFill>
+          </a:ln>
+        </p:spPr>
+        <p:style>
+          <a:lnRef idx="2">
+            <a:schemeClr val="accent1">
+              <a:shade val="15000"/>
+            </a:schemeClr>
+          </a:lnRef>
+          <a:fillRef idx="1">
+            <a:schemeClr val="accent1"/>
+          </a:fillRef>
+          <a:effectRef idx="0">
+            <a:schemeClr val="accent1"/>
+          </a:effectRef>
+          <a:fontRef idx="minor">
+            <a:schemeClr val="lt1"/>
+          </a:fontRef>
+        </p:style>
+        <p:txBody>
+          <a:bodyPr rtlCol="0" anchor="ctr"/>
+          <a:lstStyle/>
+          <a:p>
+            <a:pPr algn="ctr"/>
+            <a:endParaRPr lang="en-AU" sz="1600"/>
+          </a:p>
+        </p:txBody>
+      </p:sp>
+      <p:sp>
+        <p:nvSpPr>
+          <p:cNvPr id="131" name="Arrow: Up 130">
+            <a:extLst>
+              <a:ext uri="{FF2B5EF4-FFF2-40B4-BE49-F238E27FC236}">
+                <a16:creationId xmlns:a16="http://schemas.microsoft.com/office/drawing/2014/main" id="{BBA2E57A-045E-4387-8355-75C906915D06}"/>
+              </a:ext>
+            </a:extLst>
+          </p:cNvPr>
+          <p:cNvSpPr/>
+          <p:nvPr/>
+        </p:nvSpPr>
+        <p:spPr>
+          <a:xfrm rot="10800000">
+            <a:off x="7958420" y="3907123"/>
+            <a:ext cx="190900" cy="974717"/>
+          </a:xfrm>
+          <a:prstGeom prst="upArrow">
+            <a:avLst/>
+          </a:prstGeom>
+          <a:solidFill>
+            <a:schemeClr val="bg1"/>
+          </a:solidFill>
+          <a:ln>
+            <a:solidFill>
+              <a:srgbClr val="FF33CC"/>
+            </a:solidFill>
+          </a:ln>
+        </p:spPr>
+        <p:style>
+          <a:lnRef idx="2">
+            <a:schemeClr val="accent1">
+              <a:shade val="15000"/>
+            </a:schemeClr>
+          </a:lnRef>
+          <a:fillRef idx="1">
+            <a:schemeClr val="accent1"/>
+          </a:fillRef>
+          <a:effectRef idx="0">
+            <a:schemeClr val="accent1"/>
+          </a:effectRef>
+          <a:fontRef idx="minor">
+            <a:schemeClr val="lt1"/>
+          </a:fontRef>
+        </p:style>
+        <p:txBody>
+          <a:bodyPr rtlCol="0" anchor="ctr"/>
+          <a:lstStyle/>
+          <a:p>
+            <a:pPr algn="ctr"/>
+            <a:endParaRPr lang="en-AU" sz="1600"/>
+          </a:p>
+        </p:txBody>
+      </p:sp>
+      <p:sp>
+        <p:nvSpPr>
+          <p:cNvPr id="371" name="Oval 370">
+            <a:extLst>
+              <a:ext uri="{FF2B5EF4-FFF2-40B4-BE49-F238E27FC236}">
+                <a16:creationId xmlns:a16="http://schemas.microsoft.com/office/drawing/2014/main" id="{4047F546-9E43-1DAD-7D2C-7C16C58FD49F}"/>
+              </a:ext>
+            </a:extLst>
+          </p:cNvPr>
+          <p:cNvSpPr/>
+          <p:nvPr/>
+        </p:nvSpPr>
+        <p:spPr>
+          <a:xfrm>
+            <a:off x="1359366" y="278559"/>
+            <a:ext cx="347514" cy="347514"/>
+          </a:xfrm>
+          <a:prstGeom prst="ellipse">
+            <a:avLst/>
+          </a:prstGeom>
+        </p:spPr>
+        <p:style>
+          <a:lnRef idx="2">
+            <a:schemeClr val="dk1"/>
+          </a:lnRef>
+          <a:fillRef idx="1">
+            <a:schemeClr val="lt1"/>
+          </a:fillRef>
+          <a:effectRef idx="0">
+            <a:schemeClr val="dk1"/>
+          </a:effectRef>
+          <a:fontRef idx="minor">
+            <a:schemeClr val="dk1"/>
+          </a:fontRef>
+        </p:style>
+        <p:txBody>
+          <a:bodyPr rtlCol="0" anchor="ctr"/>
+          <a:lstStyle/>
+          <a:p>
+            <a:pPr algn="ctr"/>
+            <a:r>
+              <a:rPr lang="en-AU" b="1" dirty="0"/>
+              <a:t>1</a:t>
+            </a:r>
+          </a:p>
+        </p:txBody>
+      </p:sp>
+      <p:sp>
+        <p:nvSpPr>
+          <p:cNvPr id="372" name="Oval 371">
+            <a:extLst>
+              <a:ext uri="{FF2B5EF4-FFF2-40B4-BE49-F238E27FC236}">
+                <a16:creationId xmlns:a16="http://schemas.microsoft.com/office/drawing/2014/main" id="{766FA1EA-B7FA-8FE9-36A5-67966B012E5F}"/>
+              </a:ext>
+            </a:extLst>
+          </p:cNvPr>
+          <p:cNvSpPr/>
+          <p:nvPr/>
+        </p:nvSpPr>
+        <p:spPr>
+          <a:xfrm>
+            <a:off x="3346694" y="278559"/>
+            <a:ext cx="347514" cy="347514"/>
+          </a:xfrm>
+          <a:prstGeom prst="ellipse">
+            <a:avLst/>
+          </a:prstGeom>
+        </p:spPr>
+        <p:style>
+          <a:lnRef idx="2">
+            <a:schemeClr val="dk1"/>
+          </a:lnRef>
+          <a:fillRef idx="1">
+            <a:schemeClr val="lt1"/>
+          </a:fillRef>
+          <a:effectRef idx="0">
+            <a:schemeClr val="dk1"/>
+          </a:effectRef>
+          <a:fontRef idx="minor">
+            <a:schemeClr val="dk1"/>
+          </a:fontRef>
+        </p:style>
+        <p:txBody>
+          <a:bodyPr rtlCol="0" anchor="ctr"/>
+          <a:lstStyle/>
+          <a:p>
+            <a:pPr algn="ctr"/>
+            <a:r>
+              <a:rPr lang="en-AU" b="1" dirty="0"/>
+              <a:t>2</a:t>
+            </a:r>
+          </a:p>
+        </p:txBody>
+      </p:sp>
+      <p:sp>
+        <p:nvSpPr>
+          <p:cNvPr id="373" name="Oval 372">
+            <a:extLst>
+              <a:ext uri="{FF2B5EF4-FFF2-40B4-BE49-F238E27FC236}">
+                <a16:creationId xmlns:a16="http://schemas.microsoft.com/office/drawing/2014/main" id="{97058358-3596-8B3D-B8E1-5AA620AC9161}"/>
+              </a:ext>
+            </a:extLst>
+          </p:cNvPr>
+          <p:cNvSpPr/>
+          <p:nvPr/>
+        </p:nvSpPr>
+        <p:spPr>
+          <a:xfrm>
+            <a:off x="6665389" y="278559"/>
+            <a:ext cx="347514" cy="347514"/>
+          </a:xfrm>
+          <a:prstGeom prst="ellipse">
+            <a:avLst/>
+          </a:prstGeom>
+        </p:spPr>
+        <p:style>
+          <a:lnRef idx="2">
+            <a:schemeClr val="dk1"/>
+          </a:lnRef>
+          <a:fillRef idx="1">
+            <a:schemeClr val="lt1"/>
+          </a:fillRef>
+          <a:effectRef idx="0">
+            <a:schemeClr val="dk1"/>
+          </a:effectRef>
+          <a:fontRef idx="minor">
+            <a:schemeClr val="dk1"/>
+          </a:fontRef>
+        </p:style>
+        <p:txBody>
+          <a:bodyPr rtlCol="0" anchor="ctr"/>
+          <a:lstStyle/>
+          <a:p>
+            <a:pPr algn="ctr"/>
+            <a:r>
+              <a:rPr lang="en-AU" b="1" dirty="0"/>
+              <a:t>3</a:t>
+            </a:r>
+          </a:p>
+        </p:txBody>
+      </p:sp>
+      <p:sp>
+        <p:nvSpPr>
+          <p:cNvPr id="374" name="Oval 373">
+            <a:extLst>
+              <a:ext uri="{FF2B5EF4-FFF2-40B4-BE49-F238E27FC236}">
+                <a16:creationId xmlns:a16="http://schemas.microsoft.com/office/drawing/2014/main" id="{4413F634-9BF1-63BB-BC57-30D64E1FD9F2}"/>
+              </a:ext>
+            </a:extLst>
+          </p:cNvPr>
+          <p:cNvSpPr/>
+          <p:nvPr/>
+        </p:nvSpPr>
+        <p:spPr>
+          <a:xfrm>
+            <a:off x="9534208" y="1467008"/>
+            <a:ext cx="347514" cy="347514"/>
+          </a:xfrm>
+          <a:prstGeom prst="ellipse">
+            <a:avLst/>
+          </a:prstGeom>
+        </p:spPr>
+        <p:style>
+          <a:lnRef idx="2">
+            <a:schemeClr val="dk1"/>
+          </a:lnRef>
+          <a:fillRef idx="1">
+            <a:schemeClr val="lt1"/>
+          </a:fillRef>
+          <a:effectRef idx="0">
+            <a:schemeClr val="dk1"/>
+          </a:effectRef>
+          <a:fontRef idx="minor">
+            <a:schemeClr val="dk1"/>
+          </a:fontRef>
+        </p:style>
+        <p:txBody>
+          <a:bodyPr rtlCol="0" anchor="ctr"/>
+          <a:lstStyle/>
+          <a:p>
+            <a:pPr algn="ctr"/>
+            <a:r>
+              <a:rPr lang="en-AU" b="1" dirty="0"/>
+              <a:t>4</a:t>
+            </a:r>
+          </a:p>
+        </p:txBody>
+      </p:sp>
+      <p:cxnSp>
+        <p:nvCxnSpPr>
+          <p:cNvPr id="376" name="Straight Connector 375">
+            <a:extLst>
+              <a:ext uri="{FF2B5EF4-FFF2-40B4-BE49-F238E27FC236}">
+                <a16:creationId xmlns:a16="http://schemas.microsoft.com/office/drawing/2014/main" id="{B111F9F4-43A7-E4E9-A647-8BE77A038D0A}"/>
+              </a:ext>
+            </a:extLst>
+          </p:cNvPr>
+          <p:cNvCxnSpPr>
+            <a:cxnSpLocks/>
+            <a:stCxn id="36" idx="0"/>
+          </p:cNvCxnSpPr>
+          <p:nvPr/>
+        </p:nvCxnSpPr>
+        <p:spPr>
+          <a:xfrm flipH="1">
+            <a:off x="3296149" y="1797787"/>
+            <a:ext cx="15929" cy="4755766"/>
+          </a:xfrm>
+          <a:prstGeom prst="line">
+            <a:avLst/>
+          </a:prstGeom>
+          <a:ln>
+            <a:solidFill>
+              <a:schemeClr val="bg1">
+                <a:lumMod val="50000"/>
+              </a:schemeClr>
+            </a:solidFill>
+            <a:prstDash val="sysDot"/>
+          </a:ln>
+        </p:spPr>
+        <p:style>
+          <a:lnRef idx="2">
+            <a:schemeClr val="accent1"/>
+          </a:lnRef>
+          <a:fillRef idx="0">
+            <a:schemeClr val="accent1"/>
+          </a:fillRef>
+          <a:effectRef idx="1">
+            <a:schemeClr val="accent1"/>
+          </a:effectRef>
+          <a:fontRef idx="minor">
+            <a:schemeClr val="tx1"/>
+          </a:fontRef>
+        </p:style>
+      </p:cxnSp>
+      <p:sp>
+        <p:nvSpPr>
+          <p:cNvPr id="5" name="Oval 4">
+            <a:extLst>
+              <a:ext uri="{FF2B5EF4-FFF2-40B4-BE49-F238E27FC236}">
+                <a16:creationId xmlns:a16="http://schemas.microsoft.com/office/drawing/2014/main" id="{5C81BB12-D680-211C-BA73-40D49EE4C71F}"/>
+              </a:ext>
+            </a:extLst>
+          </p:cNvPr>
+          <p:cNvSpPr/>
+          <p:nvPr/>
+        </p:nvSpPr>
+        <p:spPr>
+          <a:xfrm>
+            <a:off x="3008950" y="5697145"/>
+            <a:ext cx="606257" cy="539232"/>
+          </a:xfrm>
+          <a:prstGeom prst="ellipse">
+            <a:avLst/>
+          </a:prstGeom>
+        </p:spPr>
+        <p:style>
+          <a:lnRef idx="2">
+            <a:schemeClr val="accent4">
+              <a:shade val="15000"/>
+            </a:schemeClr>
+          </a:lnRef>
+          <a:fillRef idx="1">
+            <a:schemeClr val="accent4"/>
+          </a:fillRef>
+          <a:effectRef idx="0">
+            <a:schemeClr val="accent4"/>
+          </a:effectRef>
+          <a:fontRef idx="minor">
+            <a:schemeClr val="lt1"/>
+          </a:fontRef>
+        </p:style>
+        <p:txBody>
+          <a:bodyPr lIns="0" tIns="0" rIns="0" bIns="0" rtlCol="0" anchor="ctr"/>
+          <a:lstStyle/>
+          <a:p>
+            <a:pPr algn="ctr"/>
+            <a:r>
+              <a:rPr lang="en-AU" sz="1100" dirty="0"/>
+              <a:t>Inlet</a:t>
+            </a:r>
+            <a:br>
+              <a:rPr lang="en-AU" sz="1100" dirty="0"/>
+            </a:br>
+            <a:r>
+              <a:rPr lang="en-AU" sz="1400" b="1" dirty="0"/>
+              <a:t>P</a:t>
+            </a:r>
+            <a:endParaRPr lang="en-AU" sz="1100" b="1" dirty="0"/>
+          </a:p>
+        </p:txBody>
+      </p:sp>
+      <p:sp>
+        <p:nvSpPr>
+          <p:cNvPr id="6" name="Oval 5">
+            <a:extLst>
+              <a:ext uri="{FF2B5EF4-FFF2-40B4-BE49-F238E27FC236}">
+                <a16:creationId xmlns:a16="http://schemas.microsoft.com/office/drawing/2014/main" id="{B6D45A65-8063-49EC-409F-073C162A344A}"/>
+              </a:ext>
+            </a:extLst>
+          </p:cNvPr>
+          <p:cNvSpPr/>
+          <p:nvPr/>
+        </p:nvSpPr>
+        <p:spPr>
+          <a:xfrm>
+            <a:off x="3008950" y="6283937"/>
+            <a:ext cx="606257" cy="539232"/>
+          </a:xfrm>
+          <a:prstGeom prst="ellipse">
+            <a:avLst/>
+          </a:prstGeom>
+          <a:ln>
+            <a:solidFill>
+              <a:srgbClr val="993300"/>
+            </a:solidFill>
+          </a:ln>
+        </p:spPr>
+        <p:style>
+          <a:lnRef idx="2">
+            <a:schemeClr val="accent2">
+              <a:shade val="15000"/>
+            </a:schemeClr>
+          </a:lnRef>
+          <a:fillRef idx="1">
+            <a:schemeClr val="accent2"/>
+          </a:fillRef>
+          <a:effectRef idx="0">
+            <a:schemeClr val="accent2"/>
+          </a:effectRef>
+          <a:fontRef idx="minor">
+            <a:schemeClr val="lt1"/>
+          </a:fontRef>
+        </p:style>
+        <p:txBody>
+          <a:bodyPr lIns="0" tIns="0" rIns="0" bIns="0" rtlCol="0" anchor="ctr"/>
+          <a:lstStyle/>
+          <a:p>
+            <a:pPr algn="ctr"/>
+            <a:r>
+              <a:rPr lang="en-AU" sz="1100" dirty="0"/>
+              <a:t>Inlet</a:t>
+            </a:r>
+            <a:br>
+              <a:rPr lang="en-AU" sz="1400" b="1" dirty="0"/>
+            </a:br>
+            <a:r>
+              <a:rPr lang="en-AU" sz="1400" b="1" dirty="0"/>
+              <a:t>T</a:t>
+            </a:r>
+          </a:p>
+        </p:txBody>
+      </p:sp>
+      <p:grpSp>
+        <p:nvGrpSpPr>
+          <p:cNvPr id="25" name="Group 24">
+            <a:extLst>
+              <a:ext uri="{FF2B5EF4-FFF2-40B4-BE49-F238E27FC236}">
+                <a16:creationId xmlns:a16="http://schemas.microsoft.com/office/drawing/2014/main" id="{F35E5A3E-5AAA-B079-04DF-A280A60137AA}"/>
+              </a:ext>
+            </a:extLst>
+          </p:cNvPr>
+          <p:cNvGrpSpPr/>
+          <p:nvPr/>
+        </p:nvGrpSpPr>
+        <p:grpSpPr>
+          <a:xfrm>
+            <a:off x="2929949" y="3253090"/>
+            <a:ext cx="764259" cy="512053"/>
+            <a:chOff x="4320946" y="2300748"/>
+            <a:chExt cx="842920" cy="564756"/>
+          </a:xfrm>
+        </p:grpSpPr>
+        <p:sp>
+          <p:nvSpPr>
+            <p:cNvPr id="26" name="Flowchart: Decision 25">
+              <a:extLst>
+                <a:ext uri="{FF2B5EF4-FFF2-40B4-BE49-F238E27FC236}">
+                  <a16:creationId xmlns:a16="http://schemas.microsoft.com/office/drawing/2014/main" id="{23B3C8F2-7F96-0AFC-D1A6-D0B9BD3AC816}"/>
+                </a:ext>
+              </a:extLst>
+            </p:cNvPr>
+            <p:cNvSpPr/>
+            <p:nvPr/>
+          </p:nvSpPr>
+          <p:spPr>
+            <a:xfrm>
+              <a:off x="4320946" y="2300748"/>
+              <a:ext cx="842920" cy="564756"/>
+            </a:xfrm>
+            <a:prstGeom prst="flowChartDecision">
+              <a:avLst/>
+            </a:prstGeom>
+          </p:spPr>
+          <p:style>
+            <a:lnRef idx="2">
+              <a:schemeClr val="dk1"/>
+            </a:lnRef>
+            <a:fillRef idx="1">
+              <a:schemeClr val="lt1"/>
+            </a:fillRef>
+            <a:effectRef idx="0">
+              <a:schemeClr val="dk1"/>
+            </a:effectRef>
+            <a:fontRef idx="minor">
+              <a:schemeClr val="dk1"/>
+            </a:fontRef>
+          </p:style>
+          <p:txBody>
+            <a:bodyPr rtlCol="0" anchor="ctr" anchorCtr="0"/>
+            <a:lstStyle/>
+            <a:p>
+              <a:pPr algn="ctr"/>
+              <a:endParaRPr lang="en-AU" sz="1050" dirty="0">
+                <a:solidFill>
+                  <a:schemeClr val="bg1"/>
+                </a:solidFill>
+              </a:endParaRPr>
+            </a:p>
+          </p:txBody>
+        </p:sp>
+        <p:sp>
+          <p:nvSpPr>
+            <p:cNvPr id="27" name="TextBox 26">
+              <a:extLst>
+                <a:ext uri="{FF2B5EF4-FFF2-40B4-BE49-F238E27FC236}">
+                  <a16:creationId xmlns:a16="http://schemas.microsoft.com/office/drawing/2014/main" id="{2FA83F1C-C351-0ECA-839D-D61349944501}"/>
+                </a:ext>
+              </a:extLst>
+            </p:cNvPr>
+            <p:cNvSpPr txBox="1"/>
+            <p:nvPr/>
+          </p:nvSpPr>
+          <p:spPr>
+            <a:xfrm>
+              <a:off x="4438476" y="2429237"/>
+              <a:ext cx="607859" cy="307777"/>
+            </a:xfrm>
+            <a:prstGeom prst="rect">
+              <a:avLst/>
+            </a:prstGeom>
+            <a:noFill/>
+            <a:ln>
+              <a:noFill/>
+            </a:ln>
+          </p:spPr>
+          <p:style>
+            <a:lnRef idx="2">
+              <a:schemeClr val="dk1"/>
+            </a:lnRef>
+            <a:fillRef idx="1">
+              <a:schemeClr val="lt1"/>
+            </a:fillRef>
+            <a:effectRef idx="0">
+              <a:schemeClr val="dk1"/>
+            </a:effectRef>
+            <a:fontRef idx="minor">
+              <a:schemeClr val="dk1"/>
+            </a:fontRef>
+          </p:style>
+          <p:txBody>
+            <a:bodyPr wrap="none" rtlCol="0" anchor="ctr" anchorCtr="0">
+              <a:spAutoFit/>
+            </a:bodyPr>
+            <a:lstStyle/>
+            <a:p>
+              <a:pPr algn="ctr"/>
+              <a:r>
+                <a:rPr lang="en-AU" sz="1200" dirty="0">
+                  <a:solidFill>
+                    <a:schemeClr val="tx1"/>
+                  </a:solidFill>
+                </a:rPr>
+                <a:t>Flash</a:t>
+              </a:r>
+            </a:p>
+          </p:txBody>
+        </p:sp>
+      </p:grpSp>
+      <p:grpSp>
+        <p:nvGrpSpPr>
+          <p:cNvPr id="34" name="Group 33">
+            <a:extLst>
+              <a:ext uri="{FF2B5EF4-FFF2-40B4-BE49-F238E27FC236}">
+                <a16:creationId xmlns:a16="http://schemas.microsoft.com/office/drawing/2014/main" id="{EE359FA1-6BF8-D138-62D6-2C5AFC2A81C0}"/>
+              </a:ext>
+            </a:extLst>
+          </p:cNvPr>
+          <p:cNvGrpSpPr/>
+          <p:nvPr/>
+        </p:nvGrpSpPr>
+        <p:grpSpPr>
+          <a:xfrm>
+            <a:off x="2929949" y="1681289"/>
+            <a:ext cx="764259" cy="512053"/>
+            <a:chOff x="4320946" y="2300748"/>
+            <a:chExt cx="842920" cy="564756"/>
+          </a:xfrm>
+        </p:grpSpPr>
+        <p:sp>
+          <p:nvSpPr>
+            <p:cNvPr id="35" name="Flowchart: Decision 34">
+              <a:extLst>
+                <a:ext uri="{FF2B5EF4-FFF2-40B4-BE49-F238E27FC236}">
+                  <a16:creationId xmlns:a16="http://schemas.microsoft.com/office/drawing/2014/main" id="{E205618A-4C90-20B5-061A-407C4EF3542C}"/>
+                </a:ext>
+              </a:extLst>
+            </p:cNvPr>
+            <p:cNvSpPr/>
+            <p:nvPr/>
+          </p:nvSpPr>
+          <p:spPr>
+            <a:xfrm>
+              <a:off x="4320946" y="2300748"/>
+              <a:ext cx="842920" cy="564756"/>
+            </a:xfrm>
+            <a:prstGeom prst="flowChartDecision">
+              <a:avLst/>
+            </a:prstGeom>
+          </p:spPr>
+          <p:style>
+            <a:lnRef idx="2">
+              <a:schemeClr val="dk1"/>
+            </a:lnRef>
+            <a:fillRef idx="1">
+              <a:schemeClr val="lt1"/>
+            </a:fillRef>
+            <a:effectRef idx="0">
+              <a:schemeClr val="dk1"/>
+            </a:effectRef>
+            <a:fontRef idx="minor">
+              <a:schemeClr val="dk1"/>
+            </a:fontRef>
+          </p:style>
+          <p:txBody>
+            <a:bodyPr rtlCol="0" anchor="ctr" anchorCtr="0"/>
+            <a:lstStyle/>
+            <a:p>
+              <a:pPr algn="ctr"/>
+              <a:endParaRPr lang="en-AU" sz="1050" dirty="0">
+                <a:solidFill>
+                  <a:schemeClr val="bg1"/>
+                </a:solidFill>
+              </a:endParaRPr>
+            </a:p>
+          </p:txBody>
+        </p:sp>
+        <p:sp>
+          <p:nvSpPr>
+            <p:cNvPr id="36" name="TextBox 35">
+              <a:extLst>
+                <a:ext uri="{FF2B5EF4-FFF2-40B4-BE49-F238E27FC236}">
+                  <a16:creationId xmlns:a16="http://schemas.microsoft.com/office/drawing/2014/main" id="{EC2D47BF-2612-1220-EBB9-9A850A37C864}"/>
+                </a:ext>
+              </a:extLst>
+            </p:cNvPr>
+            <p:cNvSpPr txBox="1"/>
+            <p:nvPr/>
+          </p:nvSpPr>
+          <p:spPr>
+            <a:xfrm>
+              <a:off x="4438476" y="2429237"/>
+              <a:ext cx="607859" cy="307777"/>
+            </a:xfrm>
+            <a:prstGeom prst="rect">
+              <a:avLst/>
+            </a:prstGeom>
+            <a:noFill/>
+            <a:ln>
+              <a:noFill/>
+            </a:ln>
+          </p:spPr>
+          <p:style>
+            <a:lnRef idx="2">
+              <a:schemeClr val="dk1"/>
+            </a:lnRef>
+            <a:fillRef idx="1">
+              <a:schemeClr val="lt1"/>
+            </a:fillRef>
+            <a:effectRef idx="0">
+              <a:schemeClr val="dk1"/>
+            </a:effectRef>
+            <a:fontRef idx="minor">
+              <a:schemeClr val="dk1"/>
+            </a:fontRef>
+          </p:style>
+          <p:txBody>
+            <a:bodyPr wrap="none" rtlCol="0" anchor="ctr" anchorCtr="0">
+              <a:spAutoFit/>
+            </a:bodyPr>
+            <a:lstStyle/>
+            <a:p>
+              <a:pPr algn="ctr"/>
+              <a:r>
+                <a:rPr lang="en-AU" sz="1200" dirty="0">
+                  <a:solidFill>
+                    <a:schemeClr val="tx1"/>
+                  </a:solidFill>
+                </a:rPr>
+                <a:t>Flash</a:t>
+              </a:r>
+            </a:p>
+          </p:txBody>
+        </p:sp>
+      </p:grpSp>
+      <p:cxnSp>
+        <p:nvCxnSpPr>
+          <p:cNvPr id="384" name="Straight Arrow Connector 383">
+            <a:extLst>
+              <a:ext uri="{FF2B5EF4-FFF2-40B4-BE49-F238E27FC236}">
+                <a16:creationId xmlns:a16="http://schemas.microsoft.com/office/drawing/2014/main" id="{CA62025B-E239-C3E2-7419-97ECD81705FB}"/>
+              </a:ext>
+            </a:extLst>
+          </p:cNvPr>
+          <p:cNvCxnSpPr>
+            <a:cxnSpLocks/>
+          </p:cNvCxnSpPr>
+          <p:nvPr/>
+        </p:nvCxnSpPr>
+        <p:spPr>
+          <a:xfrm flipV="1">
+            <a:off x="10173210" y="2454937"/>
+            <a:ext cx="0" cy="349357"/>
+          </a:xfrm>
+          <a:prstGeom prst="straightConnector1">
+            <a:avLst/>
+          </a:prstGeom>
+          <a:ln w="28575">
+            <a:solidFill>
+              <a:srgbClr val="000000"/>
+            </a:solidFill>
+            <a:tailEnd type="triangle"/>
+          </a:ln>
+        </p:spPr>
+        <p:style>
+          <a:lnRef idx="2">
+            <a:schemeClr val="accent1"/>
+          </a:lnRef>
+          <a:fillRef idx="0">
+            <a:schemeClr val="accent1"/>
+          </a:fillRef>
+          <a:effectRef idx="1">
+            <a:schemeClr val="accent1"/>
+          </a:effectRef>
+          <a:fontRef idx="minor">
+            <a:schemeClr val="tx1"/>
+          </a:fontRef>
+        </p:style>
+      </p:cxnSp>
+      <p:cxnSp>
+        <p:nvCxnSpPr>
+          <p:cNvPr id="385" name="Straight Arrow Connector 384">
+            <a:extLst>
+              <a:ext uri="{FF2B5EF4-FFF2-40B4-BE49-F238E27FC236}">
+                <a16:creationId xmlns:a16="http://schemas.microsoft.com/office/drawing/2014/main" id="{A9D43CE6-78B1-DE4F-AA96-5F242AAB2EBF}"/>
+              </a:ext>
+            </a:extLst>
+          </p:cNvPr>
+          <p:cNvCxnSpPr>
+            <a:cxnSpLocks/>
+          </p:cNvCxnSpPr>
+          <p:nvPr/>
+        </p:nvCxnSpPr>
+        <p:spPr>
+          <a:xfrm flipV="1">
+            <a:off x="10805222" y="2454937"/>
+            <a:ext cx="0" cy="1119221"/>
+          </a:xfrm>
+          <a:prstGeom prst="straightConnector1">
+            <a:avLst/>
+          </a:prstGeom>
+          <a:ln w="28575">
+            <a:solidFill>
+              <a:srgbClr val="000000"/>
+            </a:solidFill>
+            <a:tailEnd type="triangle"/>
+          </a:ln>
+        </p:spPr>
+        <p:style>
+          <a:lnRef idx="2">
+            <a:schemeClr val="accent1"/>
+          </a:lnRef>
+          <a:fillRef idx="0">
+            <a:schemeClr val="accent1"/>
+          </a:fillRef>
+          <a:effectRef idx="1">
+            <a:schemeClr val="accent1"/>
+          </a:effectRef>
+          <a:fontRef idx="minor">
+            <a:schemeClr val="tx1"/>
+          </a:fontRef>
+        </p:style>
+      </p:cxnSp>
+      <p:cxnSp>
+        <p:nvCxnSpPr>
+          <p:cNvPr id="386" name="Straight Arrow Connector 385">
+            <a:extLst>
+              <a:ext uri="{FF2B5EF4-FFF2-40B4-BE49-F238E27FC236}">
+                <a16:creationId xmlns:a16="http://schemas.microsoft.com/office/drawing/2014/main" id="{FE73BECA-3416-5D98-D70D-1AED32D3F61B}"/>
+              </a:ext>
+            </a:extLst>
+          </p:cNvPr>
+          <p:cNvCxnSpPr>
+            <a:cxnSpLocks/>
+          </p:cNvCxnSpPr>
+          <p:nvPr/>
+        </p:nvCxnSpPr>
+        <p:spPr>
+          <a:xfrm flipV="1">
+            <a:off x="11437233" y="4134435"/>
+            <a:ext cx="0" cy="197512"/>
+          </a:xfrm>
+          <a:prstGeom prst="straightConnector1">
+            <a:avLst/>
+          </a:prstGeom>
+          <a:ln w="28575">
+            <a:solidFill>
+              <a:srgbClr val="000000"/>
+            </a:solidFill>
+            <a:tailEnd type="triangle"/>
+          </a:ln>
+        </p:spPr>
+        <p:style>
+          <a:lnRef idx="2">
+            <a:schemeClr val="accent1"/>
+          </a:lnRef>
+          <a:fillRef idx="0">
+            <a:schemeClr val="accent1"/>
+          </a:fillRef>
+          <a:effectRef idx="1">
+            <a:schemeClr val="accent1"/>
+          </a:effectRef>
+          <a:fontRef idx="minor">
+            <a:schemeClr val="tx1"/>
+          </a:fontRef>
+        </p:style>
+      </p:cxnSp>
+      <p:sp>
+        <p:nvSpPr>
+          <p:cNvPr id="285" name="Flowchart: Process 284">
+            <a:extLst>
+              <a:ext uri="{FF2B5EF4-FFF2-40B4-BE49-F238E27FC236}">
+                <a16:creationId xmlns:a16="http://schemas.microsoft.com/office/drawing/2014/main" id="{BC35B63E-BCFB-2425-18FB-FB421B506086}"/>
+              </a:ext>
+            </a:extLst>
+          </p:cNvPr>
+          <p:cNvSpPr/>
+          <p:nvPr/>
+        </p:nvSpPr>
+        <p:spPr>
+          <a:xfrm>
+            <a:off x="10226021" y="2815548"/>
+            <a:ext cx="1586023" cy="539232"/>
+          </a:xfrm>
+          <a:prstGeom prst="flowChartProcess">
+            <a:avLst/>
+          </a:prstGeom>
+          <a:solidFill>
+            <a:schemeClr val="bg1">
+              <a:lumMod val="95000"/>
+            </a:schemeClr>
+          </a:solidFill>
+          <a:ln>
+            <a:noFill/>
+          </a:ln>
+        </p:spPr>
+        <p:style>
+          <a:lnRef idx="2">
+            <a:schemeClr val="dk1"/>
+          </a:lnRef>
+          <a:fillRef idx="1">
+            <a:schemeClr val="lt1"/>
+          </a:fillRef>
+          <a:effectRef idx="0">
+            <a:schemeClr val="dk1"/>
+          </a:effectRef>
+          <a:fontRef idx="minor">
+            <a:schemeClr val="dk1"/>
+          </a:fontRef>
+        </p:style>
+        <p:txBody>
+          <a:bodyPr rtlCol="0" anchor="ctr"/>
+          <a:lstStyle/>
+          <a:p>
+            <a:pPr algn="ctr"/>
+            <a:r>
+              <a:rPr lang="en-AU" sz="1100" dirty="0"/>
+              <a:t>Joule-Thomson + Kinetic Effect</a:t>
+            </a:r>
+          </a:p>
+        </p:txBody>
+      </p:sp>
+      <p:sp>
+        <p:nvSpPr>
+          <p:cNvPr id="283" name="Rectangle: Rounded Corners 282">
+            <a:extLst>
+              <a:ext uri="{FF2B5EF4-FFF2-40B4-BE49-F238E27FC236}">
+                <a16:creationId xmlns:a16="http://schemas.microsoft.com/office/drawing/2014/main" id="{6B9FC9F6-5003-7E02-8BFD-720F25F40B71}"/>
+              </a:ext>
+            </a:extLst>
+          </p:cNvPr>
+          <p:cNvSpPr/>
+          <p:nvPr/>
+        </p:nvSpPr>
+        <p:spPr>
+          <a:xfrm>
+            <a:off x="9693067" y="3587677"/>
+            <a:ext cx="2235365" cy="561740"/>
+          </a:xfrm>
+          <a:prstGeom prst="roundRect">
+            <a:avLst>
+              <a:gd name="adj" fmla="val 14957"/>
+            </a:avLst>
+          </a:prstGeom>
+          <a:noFill/>
+          <a:ln>
+            <a:solidFill>
+              <a:srgbClr val="000000"/>
+            </a:solidFill>
+            <a:prstDash val="dash"/>
+          </a:ln>
+        </p:spPr>
+        <p:style>
+          <a:lnRef idx="2">
+            <a:schemeClr val="accent1">
+              <a:shade val="15000"/>
+            </a:schemeClr>
+          </a:lnRef>
+          <a:fillRef idx="1">
+            <a:schemeClr val="accent1"/>
+          </a:fillRef>
+          <a:effectRef idx="0">
+            <a:schemeClr val="accent1"/>
+          </a:effectRef>
+          <a:fontRef idx="minor">
+            <a:schemeClr val="lt1"/>
+          </a:fontRef>
+        </p:style>
+        <p:txBody>
+          <a:bodyPr rtlCol="0" anchor="ctr"/>
+          <a:lstStyle/>
+          <a:p>
+            <a:pPr algn="ctr"/>
+            <a:endParaRPr lang="en-AU" sz="1600"/>
+          </a:p>
+        </p:txBody>
+      </p:sp>
+      <p:sp>
+        <p:nvSpPr>
+          <p:cNvPr id="284" name="Rectangle: Rounded Corners 283">
+            <a:extLst>
+              <a:ext uri="{FF2B5EF4-FFF2-40B4-BE49-F238E27FC236}">
+                <a16:creationId xmlns:a16="http://schemas.microsoft.com/office/drawing/2014/main" id="{D9DA7AF6-B5B9-7179-64C1-57B6689114E5}"/>
+              </a:ext>
+            </a:extLst>
+          </p:cNvPr>
+          <p:cNvSpPr/>
+          <p:nvPr/>
+        </p:nvSpPr>
+        <p:spPr>
+          <a:xfrm>
+            <a:off x="9688159" y="4317482"/>
+            <a:ext cx="2235365" cy="561740"/>
+          </a:xfrm>
+          <a:prstGeom prst="roundRect">
+            <a:avLst>
+              <a:gd name="adj" fmla="val 14957"/>
+            </a:avLst>
+          </a:prstGeom>
+          <a:noFill/>
+          <a:ln>
+            <a:solidFill>
+              <a:srgbClr val="000000"/>
+            </a:solidFill>
+            <a:prstDash val="dash"/>
+          </a:ln>
+        </p:spPr>
+        <p:style>
+          <a:lnRef idx="2">
+            <a:schemeClr val="accent1">
+              <a:shade val="15000"/>
+            </a:schemeClr>
+          </a:lnRef>
+          <a:fillRef idx="1">
+            <a:schemeClr val="accent1"/>
+          </a:fillRef>
+          <a:effectRef idx="0">
+            <a:schemeClr val="accent1"/>
+          </a:effectRef>
+          <a:fontRef idx="minor">
+            <a:schemeClr val="lt1"/>
+          </a:fontRef>
+        </p:style>
+        <p:txBody>
+          <a:bodyPr rtlCol="0" anchor="ctr"/>
+          <a:lstStyle/>
+          <a:p>
+            <a:pPr algn="ctr"/>
+            <a:endParaRPr lang="en-AU" sz="1600"/>
+          </a:p>
+        </p:txBody>
+      </p:sp>
+      <p:sp>
+        <p:nvSpPr>
+          <p:cNvPr id="282" name="Rectangle: Rounded Corners 281">
+            <a:extLst>
+              <a:ext uri="{FF2B5EF4-FFF2-40B4-BE49-F238E27FC236}">
+                <a16:creationId xmlns:a16="http://schemas.microsoft.com/office/drawing/2014/main" id="{B2E09F8A-A4EF-6E53-7ADE-481895CFE111}"/>
+              </a:ext>
+            </a:extLst>
+          </p:cNvPr>
+          <p:cNvSpPr/>
+          <p:nvPr/>
+        </p:nvSpPr>
+        <p:spPr>
+          <a:xfrm>
+            <a:off x="9695675" y="2804294"/>
+            <a:ext cx="2235365" cy="561740"/>
+          </a:xfrm>
+          <a:prstGeom prst="roundRect">
+            <a:avLst>
+              <a:gd name="adj" fmla="val 14957"/>
+            </a:avLst>
+          </a:prstGeom>
+          <a:noFill/>
+          <a:ln>
+            <a:solidFill>
+              <a:srgbClr val="000000"/>
+            </a:solidFill>
+            <a:prstDash val="dash"/>
+          </a:ln>
+        </p:spPr>
+        <p:style>
+          <a:lnRef idx="2">
+            <a:schemeClr val="accent1">
+              <a:shade val="15000"/>
+            </a:schemeClr>
+          </a:lnRef>
+          <a:fillRef idx="1">
+            <a:schemeClr val="accent1"/>
+          </a:fillRef>
+          <a:effectRef idx="0">
+            <a:schemeClr val="accent1"/>
+          </a:effectRef>
+          <a:fontRef idx="minor">
+            <a:schemeClr val="lt1"/>
+          </a:fontRef>
+        </p:style>
+        <p:txBody>
+          <a:bodyPr rtlCol="0" anchor="ctr"/>
+          <a:lstStyle/>
+          <a:p>
+            <a:pPr algn="ctr"/>
+            <a:endParaRPr lang="en-AU" sz="1600"/>
+          </a:p>
+        </p:txBody>
+      </p:sp>
+    </p:spTree>
+    <p:extLst>
+      <p:ext uri="{BB962C8B-B14F-4D97-AF65-F5344CB8AC3E}">
+        <p14:creationId xmlns:p14="http://schemas.microsoft.com/office/powerpoint/2010/main" val="3499518516"/>
+      </p:ext>
+    </p:extLst>
+  </p:cSld>
+  <p:clrMapOvr>
+    <a:masterClrMapping/>
+  </p:clrMapOvr>
+</p:sld>
+</file>
+
 <file path=ppt/theme/theme1.xml><?xml version="1.0" encoding="utf-8"?>
 <a:theme xmlns:a="http://schemas.openxmlformats.org/drawingml/2006/main" name="Office Theme">
   <a:themeElements>

--- a/images/Analysis/multiphase-pipe-flow/figures.pptx
+++ b/images/Analysis/multiphase-pipe-flow/figures.pptx
@@ -3703,7 +3703,7 @@
           <a:p>
             <a:fld id="{CB20CB70-0AD5-4FB1-BEA8-D36B0E353B3C}" type="datetimeFigureOut">
               <a:rPr lang="en-AU" smtClean="0"/>
-              <a:t>25/02/2025</a:t>
+              <a:t>26/02/2025</a:t>
             </a:fld>
             <a:endParaRPr lang="en-AU"/>
           </a:p>
@@ -3903,7 +3903,7 @@
           <a:p>
             <a:fld id="{CB20CB70-0AD5-4FB1-BEA8-D36B0E353B3C}" type="datetimeFigureOut">
               <a:rPr lang="en-AU" smtClean="0"/>
-              <a:t>25/02/2025</a:t>
+              <a:t>26/02/2025</a:t>
             </a:fld>
             <a:endParaRPr lang="en-AU"/>
           </a:p>
@@ -4113,7 +4113,7 @@
           <a:p>
             <a:fld id="{CB20CB70-0AD5-4FB1-BEA8-D36B0E353B3C}" type="datetimeFigureOut">
               <a:rPr lang="en-AU" smtClean="0"/>
-              <a:t>25/02/2025</a:t>
+              <a:t>26/02/2025</a:t>
             </a:fld>
             <a:endParaRPr lang="en-AU"/>
           </a:p>
@@ -4313,7 +4313,7 @@
           <a:p>
             <a:fld id="{CB20CB70-0AD5-4FB1-BEA8-D36B0E353B3C}" type="datetimeFigureOut">
               <a:rPr lang="en-AU" smtClean="0"/>
-              <a:t>25/02/2025</a:t>
+              <a:t>26/02/2025</a:t>
             </a:fld>
             <a:endParaRPr lang="en-AU"/>
           </a:p>
@@ -4589,7 +4589,7 @@
           <a:p>
             <a:fld id="{CB20CB70-0AD5-4FB1-BEA8-D36B0E353B3C}" type="datetimeFigureOut">
               <a:rPr lang="en-AU" smtClean="0"/>
-              <a:t>25/02/2025</a:t>
+              <a:t>26/02/2025</a:t>
             </a:fld>
             <a:endParaRPr lang="en-AU"/>
           </a:p>
@@ -4857,7 +4857,7 @@
           <a:p>
             <a:fld id="{CB20CB70-0AD5-4FB1-BEA8-D36B0E353B3C}" type="datetimeFigureOut">
               <a:rPr lang="en-AU" smtClean="0"/>
-              <a:t>25/02/2025</a:t>
+              <a:t>26/02/2025</a:t>
             </a:fld>
             <a:endParaRPr lang="en-AU"/>
           </a:p>
@@ -5272,7 +5272,7 @@
           <a:p>
             <a:fld id="{CB20CB70-0AD5-4FB1-BEA8-D36B0E353B3C}" type="datetimeFigureOut">
               <a:rPr lang="en-AU" smtClean="0"/>
-              <a:t>25/02/2025</a:t>
+              <a:t>26/02/2025</a:t>
             </a:fld>
             <a:endParaRPr lang="en-AU"/>
           </a:p>
@@ -5414,7 +5414,7 @@
           <a:p>
             <a:fld id="{CB20CB70-0AD5-4FB1-BEA8-D36B0E353B3C}" type="datetimeFigureOut">
               <a:rPr lang="en-AU" smtClean="0"/>
-              <a:t>25/02/2025</a:t>
+              <a:t>26/02/2025</a:t>
             </a:fld>
             <a:endParaRPr lang="en-AU"/>
           </a:p>
@@ -5527,7 +5527,7 @@
           <a:p>
             <a:fld id="{CB20CB70-0AD5-4FB1-BEA8-D36B0E353B3C}" type="datetimeFigureOut">
               <a:rPr lang="en-AU" smtClean="0"/>
-              <a:t>25/02/2025</a:t>
+              <a:t>26/02/2025</a:t>
             </a:fld>
             <a:endParaRPr lang="en-AU"/>
           </a:p>
@@ -5840,7 +5840,7 @@
           <a:p>
             <a:fld id="{CB20CB70-0AD5-4FB1-BEA8-D36B0E353B3C}" type="datetimeFigureOut">
               <a:rPr lang="en-AU" smtClean="0"/>
-              <a:t>25/02/2025</a:t>
+              <a:t>26/02/2025</a:t>
             </a:fld>
             <a:endParaRPr lang="en-AU"/>
           </a:p>
@@ -6129,7 +6129,7 @@
           <a:p>
             <a:fld id="{CB20CB70-0AD5-4FB1-BEA8-D36B0E353B3C}" type="datetimeFigureOut">
               <a:rPr lang="en-AU" smtClean="0"/>
-              <a:t>25/02/2025</a:t>
+              <a:t>26/02/2025</a:t>
             </a:fld>
             <a:endParaRPr lang="en-AU"/>
           </a:p>
@@ -6372,7 +6372,7 @@
           <a:p>
             <a:fld id="{CB20CB70-0AD5-4FB1-BEA8-D36B0E353B3C}" type="datetimeFigureOut">
               <a:rPr lang="en-AU" smtClean="0"/>
-              <a:t>25/02/2025</a:t>
+              <a:t>26/02/2025</a:t>
             </a:fld>
             <a:endParaRPr lang="en-AU"/>
           </a:p>
@@ -45341,18 +45341,18 @@
           <p:cNvCxnSpPr>
             <a:cxnSpLocks/>
             <a:stCxn id="32" idx="6"/>
-            <a:endCxn id="172" idx="1"/>
+            <a:endCxn id="282" idx="1"/>
           </p:cNvCxnSpPr>
           <p:nvPr/>
         </p:nvCxnSpPr>
         <p:spPr>
           <a:xfrm flipV="1">
-            <a:off x="8362571" y="3122024"/>
-            <a:ext cx="1185123" cy="2844737"/>
+            <a:off x="8362571" y="3085164"/>
+            <a:ext cx="1333104" cy="2881597"/>
           </a:xfrm>
           <a:prstGeom prst="bentConnector3">
             <a:avLst>
-              <a:gd name="adj1" fmla="val 88064"/>
+              <a:gd name="adj1" fmla="val 77541"/>
             </a:avLst>
           </a:prstGeom>
           <a:ln w="28575">
@@ -45747,7 +45747,15 @@
             <a:pPr algn="ctr"/>
             <a:r>
               <a:rPr lang="en-AU" sz="1100" dirty="0"/>
-              <a:t>Equation of State Fluid Properties</a:t>
+              <a:t>EPPR78 Cubic </a:t>
+            </a:r>
+            <a:r>
+              <a:rPr lang="en-AU" sz="1100" dirty="0" err="1"/>
+              <a:t>EoS</a:t>
+            </a:r>
+            <a:r>
+              <a:rPr lang="en-AU" sz="1100" dirty="0"/>
+              <a:t> Fluid Properties</a:t>
             </a:r>
             <a:br>
               <a:rPr lang="en-AU" sz="1100" dirty="0"/>
@@ -45814,50 +45822,6 @@
           </a:p>
         </p:txBody>
       </p:sp>
-      <p:cxnSp>
-        <p:nvCxnSpPr>
-          <p:cNvPr id="238" name="Straight Arrow Connector 237">
-            <a:extLst>
-              <a:ext uri="{FF2B5EF4-FFF2-40B4-BE49-F238E27FC236}">
-                <a16:creationId xmlns:a16="http://schemas.microsoft.com/office/drawing/2014/main" id="{5D058A83-D87D-9717-F17D-FDE319F62B05}"/>
-              </a:ext>
-            </a:extLst>
-          </p:cNvPr>
-          <p:cNvCxnSpPr>
-            <a:stCxn id="133" idx="3"/>
-          </p:cNvCxnSpPr>
-          <p:nvPr/>
-        </p:nvCxnSpPr>
-        <p:spPr>
-          <a:xfrm>
-            <a:off x="9174493" y="4121710"/>
-            <a:ext cx="373202" cy="0"/>
-          </a:xfrm>
-          <a:prstGeom prst="straightConnector1">
-            <a:avLst/>
-          </a:prstGeom>
-          <a:ln w="28575">
-            <a:solidFill>
-              <a:srgbClr val="CCCCFF"/>
-            </a:solidFill>
-            <a:tailEnd type="triangle"/>
-          </a:ln>
-        </p:spPr>
-        <p:style>
-          <a:lnRef idx="2">
-            <a:schemeClr val="accent1"/>
-          </a:lnRef>
-          <a:fillRef idx="0">
-            <a:schemeClr val="accent1"/>
-          </a:fillRef>
-          <a:effectRef idx="1">
-            <a:schemeClr val="accent1"/>
-          </a:effectRef>
-          <a:fontRef idx="minor">
-            <a:schemeClr val="tx1"/>
-          </a:fontRef>
-        </p:style>
-      </p:cxnSp>
       <p:cxnSp>
         <p:nvCxnSpPr>
           <p:cNvPr id="253" name="Connector: Elbow 252">
@@ -46830,7 +46794,7 @@
         </p:nvSpPr>
         <p:spPr>
           <a:xfrm>
-            <a:off x="3346694" y="278559"/>
+            <a:off x="3282818" y="278559"/>
             <a:ext cx="347514" cy="347514"/>
           </a:xfrm>
           <a:prstGeom prst="ellipse">
@@ -47726,6 +47690,103 @@
           </a:p>
         </p:txBody>
       </p:sp>
+      <p:cxnSp>
+        <p:nvCxnSpPr>
+          <p:cNvPr id="4" name="Straight Connector 3">
+            <a:extLst>
+              <a:ext uri="{FF2B5EF4-FFF2-40B4-BE49-F238E27FC236}">
+                <a16:creationId xmlns:a16="http://schemas.microsoft.com/office/drawing/2014/main" id="{2F6D16D0-9591-4731-BA9C-1D3D1933C7DF}"/>
+              </a:ext>
+            </a:extLst>
+          </p:cNvPr>
+          <p:cNvCxnSpPr>
+            <a:cxnSpLocks/>
+          </p:cNvCxnSpPr>
+          <p:nvPr/>
+        </p:nvCxnSpPr>
+        <p:spPr>
+          <a:xfrm>
+            <a:off x="8952072" y="2941320"/>
+            <a:ext cx="0" cy="990366"/>
+          </a:xfrm>
+          <a:prstGeom prst="line">
+            <a:avLst/>
+          </a:prstGeom>
+          <a:solidFill>
+            <a:schemeClr val="bg1"/>
+          </a:solidFill>
+          <a:ln w="28575">
+            <a:solidFill>
+              <a:srgbClr val="9999FF"/>
+            </a:solidFill>
+          </a:ln>
+        </p:spPr>
+        <p:style>
+          <a:lnRef idx="2">
+            <a:schemeClr val="accent1">
+              <a:shade val="15000"/>
+            </a:schemeClr>
+          </a:lnRef>
+          <a:fillRef idx="1">
+            <a:schemeClr val="accent1"/>
+          </a:fillRef>
+          <a:effectRef idx="0">
+            <a:schemeClr val="accent1"/>
+          </a:effectRef>
+          <a:fontRef idx="minor">
+            <a:schemeClr val="lt1"/>
+          </a:fontRef>
+        </p:style>
+      </p:cxnSp>
+      <p:cxnSp>
+        <p:nvCxnSpPr>
+          <p:cNvPr id="23" name="Straight Connector 22">
+            <a:extLst>
+              <a:ext uri="{FF2B5EF4-FFF2-40B4-BE49-F238E27FC236}">
+                <a16:creationId xmlns:a16="http://schemas.microsoft.com/office/drawing/2014/main" id="{50ABCB6A-49E7-13DA-CCCB-51B1FDF8C3FD}"/>
+              </a:ext>
+            </a:extLst>
+          </p:cNvPr>
+          <p:cNvCxnSpPr>
+            <a:cxnSpLocks/>
+          </p:cNvCxnSpPr>
+          <p:nvPr/>
+        </p:nvCxnSpPr>
+        <p:spPr>
+          <a:xfrm>
+            <a:off x="8943958" y="2953101"/>
+            <a:ext cx="751717" cy="0"/>
+          </a:xfrm>
+          <a:prstGeom prst="line">
+            <a:avLst/>
+          </a:prstGeom>
+          <a:solidFill>
+            <a:schemeClr val="bg1"/>
+          </a:solidFill>
+          <a:ln w="28575">
+            <a:solidFill>
+              <a:srgbClr val="9999FF"/>
+            </a:solidFill>
+            <a:tailEnd type="triangle"/>
+          </a:ln>
+        </p:spPr>
+        <p:style>
+          <a:lnRef idx="2">
+            <a:schemeClr val="accent1">
+              <a:shade val="15000"/>
+            </a:schemeClr>
+          </a:lnRef>
+          <a:fillRef idx="1">
+            <a:schemeClr val="accent1"/>
+          </a:fillRef>
+          <a:effectRef idx="0">
+            <a:schemeClr val="accent1"/>
+          </a:effectRef>
+          <a:fontRef idx="minor">
+            <a:schemeClr val="lt1"/>
+          </a:fontRef>
+        </p:style>
+      </p:cxnSp>
     </p:spTree>
     <p:extLst>
       <p:ext uri="{BB962C8B-B14F-4D97-AF65-F5344CB8AC3E}">

--- a/images/Analysis/multiphase-pipe-flow/figures.pptx
+++ b/images/Analysis/multiphase-pipe-flow/figures.pptx
@@ -595,6 +595,7 @@
     </c:plotArea>
     <c:plotVisOnly val="1"/>
     <c:dispBlanksAs val="gap"/>
+    <c:showDLblsOverMax val="0"/>
     <c:extLst>
       <c:ext xmlns:c16r3="http://schemas.microsoft.com/office/drawing/2017/03/chart" uri="{56B9EC1D-385E-4148-901F-78D8002777C0}">
         <c16r3:dataDisplayOptions16>
@@ -602,7 +603,6 @@
         </c16r3:dataDisplayOptions16>
       </c:ext>
     </c:extLst>
-    <c:showDLblsOverMax val="0"/>
   </c:chart>
   <c:spPr>
     <a:noFill/>
@@ -2410,6 +2410,7 @@
     </c:legend>
     <c:plotVisOnly val="1"/>
     <c:dispBlanksAs val="gap"/>
+    <c:showDLblsOverMax val="0"/>
     <c:extLst>
       <c:ext xmlns:c16r3="http://schemas.microsoft.com/office/drawing/2017/03/chart" uri="{56B9EC1D-385E-4148-901F-78D8002777C0}">
         <c16r3:dataDisplayOptions16>
@@ -2417,7 +2418,6 @@
         </c16r3:dataDisplayOptions16>
       </c:ext>
     </c:extLst>
-    <c:showDLblsOverMax val="0"/>
   </c:chart>
   <c:spPr>
     <a:noFill/>
@@ -3703,7 +3703,7 @@
           <a:p>
             <a:fld id="{CB20CB70-0AD5-4FB1-BEA8-D36B0E353B3C}" type="datetimeFigureOut">
               <a:rPr lang="en-AU" smtClean="0"/>
-              <a:t>26/02/2025</a:t>
+              <a:t>2/09/2025</a:t>
             </a:fld>
             <a:endParaRPr lang="en-AU"/>
           </a:p>
@@ -3903,7 +3903,7 @@
           <a:p>
             <a:fld id="{CB20CB70-0AD5-4FB1-BEA8-D36B0E353B3C}" type="datetimeFigureOut">
               <a:rPr lang="en-AU" smtClean="0"/>
-              <a:t>26/02/2025</a:t>
+              <a:t>2/09/2025</a:t>
             </a:fld>
             <a:endParaRPr lang="en-AU"/>
           </a:p>
@@ -4113,7 +4113,7 @@
           <a:p>
             <a:fld id="{CB20CB70-0AD5-4FB1-BEA8-D36B0E353B3C}" type="datetimeFigureOut">
               <a:rPr lang="en-AU" smtClean="0"/>
-              <a:t>26/02/2025</a:t>
+              <a:t>2/09/2025</a:t>
             </a:fld>
             <a:endParaRPr lang="en-AU"/>
           </a:p>
@@ -4313,7 +4313,7 @@
           <a:p>
             <a:fld id="{CB20CB70-0AD5-4FB1-BEA8-D36B0E353B3C}" type="datetimeFigureOut">
               <a:rPr lang="en-AU" smtClean="0"/>
-              <a:t>26/02/2025</a:t>
+              <a:t>2/09/2025</a:t>
             </a:fld>
             <a:endParaRPr lang="en-AU"/>
           </a:p>
@@ -4589,7 +4589,7 @@
           <a:p>
             <a:fld id="{CB20CB70-0AD5-4FB1-BEA8-D36B0E353B3C}" type="datetimeFigureOut">
               <a:rPr lang="en-AU" smtClean="0"/>
-              <a:t>26/02/2025</a:t>
+              <a:t>2/09/2025</a:t>
             </a:fld>
             <a:endParaRPr lang="en-AU"/>
           </a:p>
@@ -4857,7 +4857,7 @@
           <a:p>
             <a:fld id="{CB20CB70-0AD5-4FB1-BEA8-D36B0E353B3C}" type="datetimeFigureOut">
               <a:rPr lang="en-AU" smtClean="0"/>
-              <a:t>26/02/2025</a:t>
+              <a:t>2/09/2025</a:t>
             </a:fld>
             <a:endParaRPr lang="en-AU"/>
           </a:p>
@@ -5272,7 +5272,7 @@
           <a:p>
             <a:fld id="{CB20CB70-0AD5-4FB1-BEA8-D36B0E353B3C}" type="datetimeFigureOut">
               <a:rPr lang="en-AU" smtClean="0"/>
-              <a:t>26/02/2025</a:t>
+              <a:t>2/09/2025</a:t>
             </a:fld>
             <a:endParaRPr lang="en-AU"/>
           </a:p>
@@ -5414,7 +5414,7 @@
           <a:p>
             <a:fld id="{CB20CB70-0AD5-4FB1-BEA8-D36B0E353B3C}" type="datetimeFigureOut">
               <a:rPr lang="en-AU" smtClean="0"/>
-              <a:t>26/02/2025</a:t>
+              <a:t>2/09/2025</a:t>
             </a:fld>
             <a:endParaRPr lang="en-AU"/>
           </a:p>
@@ -5527,7 +5527,7 @@
           <a:p>
             <a:fld id="{CB20CB70-0AD5-4FB1-BEA8-D36B0E353B3C}" type="datetimeFigureOut">
               <a:rPr lang="en-AU" smtClean="0"/>
-              <a:t>26/02/2025</a:t>
+              <a:t>2/09/2025</a:t>
             </a:fld>
             <a:endParaRPr lang="en-AU"/>
           </a:p>
@@ -5840,7 +5840,7 @@
           <a:p>
             <a:fld id="{CB20CB70-0AD5-4FB1-BEA8-D36B0E353B3C}" type="datetimeFigureOut">
               <a:rPr lang="en-AU" smtClean="0"/>
-              <a:t>26/02/2025</a:t>
+              <a:t>2/09/2025</a:t>
             </a:fld>
             <a:endParaRPr lang="en-AU"/>
           </a:p>
@@ -6129,7 +6129,7 @@
           <a:p>
             <a:fld id="{CB20CB70-0AD5-4FB1-BEA8-D36B0E353B3C}" type="datetimeFigureOut">
               <a:rPr lang="en-AU" smtClean="0"/>
-              <a:t>26/02/2025</a:t>
+              <a:t>2/09/2025</a:t>
             </a:fld>
             <a:endParaRPr lang="en-AU"/>
           </a:p>
@@ -6372,7 +6372,7 @@
           <a:p>
             <a:fld id="{CB20CB70-0AD5-4FB1-BEA8-D36B0E353B3C}" type="datetimeFigureOut">
               <a:rPr lang="en-AU" smtClean="0"/>
-              <a:t>26/02/2025</a:t>
+              <a:t>2/09/2025</a:t>
             </a:fld>
             <a:endParaRPr lang="en-AU"/>
           </a:p>
@@ -10088,7 +10088,7 @@
         <p:spPr>
           <a:xfrm>
             <a:off x="7892484" y="518901"/>
-            <a:ext cx="767162" cy="5454449"/>
+            <a:ext cx="672469" cy="5865930"/>
           </a:xfrm>
           <a:custGeom>
             <a:avLst/>
@@ -10191,90 +10191,6 @@
           </a:p>
         </p:txBody>
       </p:sp>
-      <p:cxnSp>
-        <p:nvCxnSpPr>
-          <p:cNvPr id="216" name="Straight Connector 215">
-            <a:extLst>
-              <a:ext uri="{FF2B5EF4-FFF2-40B4-BE49-F238E27FC236}">
-                <a16:creationId xmlns:a16="http://schemas.microsoft.com/office/drawing/2014/main" id="{EBE14094-E2B4-FB64-B3A8-04DC24B7B792}"/>
-              </a:ext>
-            </a:extLst>
-          </p:cNvPr>
-          <p:cNvCxnSpPr/>
-          <p:nvPr/>
-        </p:nvCxnSpPr>
-        <p:spPr>
-          <a:xfrm>
-            <a:off x="8457833" y="5973350"/>
-            <a:ext cx="201834" cy="0"/>
-          </a:xfrm>
-          <a:prstGeom prst="line">
-            <a:avLst/>
-          </a:prstGeom>
-          <a:ln w="38100">
-            <a:solidFill>
-              <a:srgbClr val="0070C0"/>
-            </a:solidFill>
-          </a:ln>
-        </p:spPr>
-        <p:style>
-          <a:lnRef idx="2">
-            <a:schemeClr val="accent1"/>
-          </a:lnRef>
-          <a:fillRef idx="0">
-            <a:schemeClr val="accent1"/>
-          </a:fillRef>
-          <a:effectRef idx="1">
-            <a:schemeClr val="accent1"/>
-          </a:effectRef>
-          <a:fontRef idx="minor">
-            <a:schemeClr val="tx1"/>
-          </a:fontRef>
-        </p:style>
-      </p:cxnSp>
-      <p:cxnSp>
-        <p:nvCxnSpPr>
-          <p:cNvPr id="218" name="Straight Connector 217">
-            <a:extLst>
-              <a:ext uri="{FF2B5EF4-FFF2-40B4-BE49-F238E27FC236}">
-                <a16:creationId xmlns:a16="http://schemas.microsoft.com/office/drawing/2014/main" id="{265E08E5-368E-65FB-6D04-E80608F8B812}"/>
-              </a:ext>
-            </a:extLst>
-          </p:cNvPr>
-          <p:cNvCxnSpPr>
-            <a:cxnSpLocks/>
-          </p:cNvCxnSpPr>
-          <p:nvPr/>
-        </p:nvCxnSpPr>
-        <p:spPr>
-          <a:xfrm>
-            <a:off x="8457833" y="5973350"/>
-            <a:ext cx="103909" cy="417263"/>
-          </a:xfrm>
-          <a:prstGeom prst="line">
-            <a:avLst/>
-          </a:prstGeom>
-          <a:ln w="38100">
-            <a:solidFill>
-              <a:srgbClr val="0070C0"/>
-            </a:solidFill>
-          </a:ln>
-        </p:spPr>
-        <p:style>
-          <a:lnRef idx="2">
-            <a:schemeClr val="accent1"/>
-          </a:lnRef>
-          <a:fillRef idx="0">
-            <a:schemeClr val="accent1"/>
-          </a:fillRef>
-          <a:effectRef idx="1">
-            <a:schemeClr val="accent1"/>
-          </a:effectRef>
-          <a:fontRef idx="minor">
-            <a:schemeClr val="tx1"/>
-          </a:fontRef>
-        </p:style>
-      </p:cxnSp>
       <p:sp>
         <p:nvSpPr>
           <p:cNvPr id="220" name="Free-form: Shape 219">
@@ -10585,7 +10501,7 @@
         </p:nvCxnSpPr>
         <p:spPr>
           <a:xfrm flipV="1">
-            <a:off x="8581598" y="6051446"/>
+            <a:off x="8570929" y="6051446"/>
             <a:ext cx="0" cy="186794"/>
           </a:xfrm>
           <a:prstGeom prst="line">
@@ -10664,13 +10580,15 @@
               </a:ext>
             </a:extLst>
           </p:cNvPr>
-          <p:cNvCxnSpPr/>
+          <p:cNvCxnSpPr>
+            <a:cxnSpLocks/>
+          </p:cNvCxnSpPr>
           <p:nvPr/>
         </p:nvCxnSpPr>
         <p:spPr>
           <a:xfrm>
-            <a:off x="8581597" y="6127041"/>
-            <a:ext cx="580681" cy="0"/>
+            <a:off x="8564953" y="6136192"/>
+            <a:ext cx="597325" cy="0"/>
           </a:xfrm>
           <a:prstGeom prst="straightConnector1">
             <a:avLst/>
